--- a/pres-source/12-big-data-recap.pptx
+++ b/pres-source/12-big-data-recap.pptx
@@ -5,25 +5,31 @@
     <p:sldMasterId id="2147483648" r:id="rId1"/>
   </p:sldMasterIdLst>
   <p:notesMasterIdLst>
-    <p:notesMasterId r:id="rId18"/>
+    <p:notesMasterId r:id="rId24"/>
   </p:notesMasterIdLst>
   <p:sldIdLst>
     <p:sldId id="256" r:id="rId2"/>
     <p:sldId id="257" r:id="rId3"/>
-    <p:sldId id="294" r:id="rId4"/>
-    <p:sldId id="295" r:id="rId5"/>
+    <p:sldId id="295" r:id="rId4"/>
+    <p:sldId id="294" r:id="rId5"/>
     <p:sldId id="296" r:id="rId6"/>
     <p:sldId id="297" r:id="rId7"/>
-    <p:sldId id="298" r:id="rId8"/>
-    <p:sldId id="302" r:id="rId9"/>
-    <p:sldId id="299" r:id="rId10"/>
-    <p:sldId id="300" r:id="rId11"/>
-    <p:sldId id="301" r:id="rId12"/>
-    <p:sldId id="303" r:id="rId13"/>
-    <p:sldId id="304" r:id="rId14"/>
-    <p:sldId id="305" r:id="rId15"/>
-    <p:sldId id="306" r:id="rId16"/>
-    <p:sldId id="293" r:id="rId17"/>
+    <p:sldId id="310" r:id="rId8"/>
+    <p:sldId id="311" r:id="rId9"/>
+    <p:sldId id="298" r:id="rId10"/>
+    <p:sldId id="307" r:id="rId11"/>
+    <p:sldId id="308" r:id="rId12"/>
+    <p:sldId id="309" r:id="rId13"/>
+    <p:sldId id="300" r:id="rId14"/>
+    <p:sldId id="299" r:id="rId15"/>
+    <p:sldId id="312" r:id="rId16"/>
+    <p:sldId id="314" r:id="rId17"/>
+    <p:sldId id="313" r:id="rId18"/>
+    <p:sldId id="315" r:id="rId19"/>
+    <p:sldId id="316" r:id="rId20"/>
+    <p:sldId id="317" r:id="rId21"/>
+    <p:sldId id="318" r:id="rId22"/>
+    <p:sldId id="293" r:id="rId23"/>
   </p:sldIdLst>
   <p:sldSz cx="9144000" cy="6858000" type="screen4x3"/>
   <p:notesSz cx="6858000" cy="9144000"/>
@@ -212,7 +218,7 @@
             <a:fld id="{7307762F-A706-E543-A832-3C298AA3103F}" type="datetimeFigureOut">
               <a:rPr lang="en-US" smtClean="0"/>
               <a:pPr/>
-              <a:t>23/11/15</a:t>
+              <a:t>24/11/15</a:t>
             </a:fld>
             <a:endParaRPr lang="en-US" dirty="0"/>
           </a:p>
@@ -786,7 +792,7 @@
             <a:fld id="{875CF0EB-321F-0749-B37A-89BBA859503C}" type="datetimeFigureOut">
               <a:rPr lang="en-US" smtClean="0"/>
               <a:pPr/>
-              <a:t>23/11/15</a:t>
+              <a:t>24/11/15</a:t>
             </a:fld>
             <a:endParaRPr lang="en-US" dirty="0"/>
           </a:p>
@@ -1010,7 +1016,7 @@
             <a:fld id="{875CF0EB-321F-0749-B37A-89BBA859503C}" type="datetimeFigureOut">
               <a:rPr lang="en-US" smtClean="0"/>
               <a:pPr/>
-              <a:t>23/11/15</a:t>
+              <a:t>24/11/15</a:t>
             </a:fld>
             <a:endParaRPr lang="en-US" dirty="0"/>
           </a:p>
@@ -1224,7 +1230,7 @@
             <a:fld id="{875CF0EB-321F-0749-B37A-89BBA859503C}" type="datetimeFigureOut">
               <a:rPr lang="en-US" smtClean="0"/>
               <a:pPr/>
-              <a:t>23/11/15</a:t>
+              <a:t>24/11/15</a:t>
             </a:fld>
             <a:endParaRPr lang="en-US" dirty="0"/>
           </a:p>
@@ -1514,7 +1520,7 @@
             <a:fld id="{875CF0EB-321F-0749-B37A-89BBA859503C}" type="datetimeFigureOut">
               <a:rPr lang="en-US" smtClean="0"/>
               <a:pPr/>
-              <a:t>23/11/15</a:t>
+              <a:t>24/11/15</a:t>
             </a:fld>
             <a:endParaRPr lang="en-US" dirty="0"/>
           </a:p>
@@ -1846,7 +1852,7 @@
             <a:fld id="{875CF0EB-321F-0749-B37A-89BBA859503C}" type="datetimeFigureOut">
               <a:rPr lang="en-US" smtClean="0"/>
               <a:pPr/>
-              <a:t>23/11/15</a:t>
+              <a:t>24/11/15</a:t>
             </a:fld>
             <a:endParaRPr lang="en-US" dirty="0"/>
           </a:p>
@@ -2312,7 +2318,7 @@
             <a:fld id="{875CF0EB-321F-0749-B37A-89BBA859503C}" type="datetimeFigureOut">
               <a:rPr lang="en-US" smtClean="0"/>
               <a:pPr/>
-              <a:t>23/11/15</a:t>
+              <a:t>24/11/15</a:t>
             </a:fld>
             <a:endParaRPr lang="en-US" dirty="0"/>
           </a:p>
@@ -2474,7 +2480,7 @@
             <a:fld id="{875CF0EB-321F-0749-B37A-89BBA859503C}" type="datetimeFigureOut">
               <a:rPr lang="en-US" smtClean="0"/>
               <a:pPr/>
-              <a:t>23/11/15</a:t>
+              <a:t>24/11/15</a:t>
             </a:fld>
             <a:endParaRPr lang="en-US" dirty="0"/>
           </a:p>
@@ -2613,7 +2619,7 @@
             <a:fld id="{875CF0EB-321F-0749-B37A-89BBA859503C}" type="datetimeFigureOut">
               <a:rPr lang="en-US" smtClean="0"/>
               <a:pPr/>
-              <a:t>23/11/15</a:t>
+              <a:t>24/11/15</a:t>
             </a:fld>
             <a:endParaRPr lang="en-US" dirty="0"/>
           </a:p>
@@ -2934,7 +2940,7 @@
             <a:fld id="{875CF0EB-321F-0749-B37A-89BBA859503C}" type="datetimeFigureOut">
               <a:rPr lang="en-US" smtClean="0"/>
               <a:pPr/>
-              <a:t>23/11/15</a:t>
+              <a:t>24/11/15</a:t>
             </a:fld>
             <a:endParaRPr lang="en-US" dirty="0"/>
           </a:p>
@@ -3231,7 +3237,7 @@
             <a:fld id="{875CF0EB-321F-0749-B37A-89BBA859503C}" type="datetimeFigureOut">
               <a:rPr lang="en-US" smtClean="0"/>
               <a:pPr/>
-              <a:t>23/11/15</a:t>
+              <a:t>24/11/15</a:t>
             </a:fld>
             <a:endParaRPr lang="en-US" dirty="0"/>
           </a:p>
@@ -4095,7 +4101,20 @@
                 <a:ea typeface="ヒラギノ角ゴ ProN W3" charset="0"/>
                 <a:cs typeface="ヒラギノ角ゴ ProN W3" charset="0"/>
               </a:rPr>
-              <a:t>More Big Data</a:t>
+              <a:t>Big Data</a:t>
+            </a:r>
+            <a:br>
+              <a:rPr lang="en-US" dirty="0" smtClean="0">
+                <a:ea typeface="ヒラギノ角ゴ ProN W3" charset="0"/>
+                <a:cs typeface="ヒラギノ角ゴ ProN W3" charset="0"/>
+              </a:rPr>
+            </a:br>
+            <a:r>
+              <a:rPr lang="en-US" dirty="0" smtClean="0">
+                <a:ea typeface="ヒラギノ角ゴ ProN W3" charset="0"/>
+                <a:cs typeface="ヒラギノ角ゴ ProN W3" charset="0"/>
+              </a:rPr>
+              <a:t>Pulling it all together</a:t>
             </a:r>
             <a:endParaRPr lang="en-US" dirty="0">
               <a:ea typeface="ヒラギノ角ゴ ProN W3" charset="0"/>
@@ -4245,52 +4264,89 @@
         </p:nvSpPr>
         <p:spPr/>
         <p:txBody>
+          <a:bodyPr>
+            <a:normAutofit fontScale="90000"/>
+          </a:bodyPr>
+          <a:lstStyle/>
+          <a:p>
+            <a:r>
+              <a:rPr lang="en-US" dirty="0" smtClean="0"/>
+              <a:t>Other processing approaches</a:t>
+            </a:r>
+            <a:endParaRPr lang="en-US" dirty="0"/>
+          </a:p>
+        </p:txBody>
+      </p:sp>
+      <p:sp>
+        <p:nvSpPr>
+          <p:cNvPr id="3" name="Content Placeholder 2"/>
+          <p:cNvSpPr>
+            <a:spLocks noGrp="1"/>
+          </p:cNvSpPr>
+          <p:nvPr>
+            <p:ph idx="1"/>
+          </p:nvPr>
+        </p:nvSpPr>
+        <p:spPr/>
+        <p:txBody>
           <a:bodyPr/>
           <a:lstStyle/>
           <a:p>
             <a:r>
+              <a:rPr lang="en-US" dirty="0" smtClean="0"/>
+              <a:t>Apache </a:t>
+            </a:r>
+            <a:r>
               <a:rPr lang="en-US" dirty="0" err="1" smtClean="0"/>
-              <a:t>Realtime</a:t>
-            </a:r>
-            <a:r>
-              <a:rPr lang="en-US" dirty="0" smtClean="0"/>
-              <a:t> </a:t>
-            </a:r>
+              <a:t>Tez</a:t>
+            </a:r>
+            <a:endParaRPr lang="en-US" dirty="0" smtClean="0"/>
+          </a:p>
+          <a:p>
+            <a:pPr lvl="1"/>
             <a:r>
               <a:rPr lang="en-US" dirty="0" err="1" smtClean="0"/>
-              <a:t>vs</a:t>
-            </a:r>
-            <a:r>
-              <a:rPr lang="en-US" dirty="0" smtClean="0"/>
-              <a:t> Batch</a:t>
-            </a:r>
+              <a:t>Hortonworks</a:t>
+            </a:r>
+            <a:r>
+              <a:rPr lang="en-US" dirty="0" smtClean="0"/>
+              <a:t> project</a:t>
+            </a:r>
+          </a:p>
+          <a:p>
+            <a:pPr lvl="1"/>
+            <a:r>
+              <a:rPr lang="en-US" dirty="0" smtClean="0"/>
+              <a:t>DAG model</a:t>
+            </a:r>
+          </a:p>
+          <a:p>
+            <a:pPr lvl="1"/>
+            <a:r>
+              <a:rPr lang="en-US" dirty="0" smtClean="0"/>
+              <a:t>Designed to fit between YARN and Pig/Hive/</a:t>
+            </a:r>
+            <a:r>
+              <a:rPr lang="en-US" dirty="0" err="1" smtClean="0"/>
+              <a:t>etc</a:t>
+            </a:r>
+            <a:endParaRPr lang="en-US" dirty="0" smtClean="0"/>
+          </a:p>
+          <a:p>
+            <a:pPr marL="0" indent="0">
+              <a:buNone/>
+            </a:pPr>
+            <a:endParaRPr lang="en-US" dirty="0" smtClean="0"/>
+          </a:p>
+          <a:p>
             <a:endParaRPr lang="en-US" dirty="0"/>
-          </a:p>
-        </p:txBody>
-      </p:sp>
-      <p:sp>
-        <p:nvSpPr>
-          <p:cNvPr id="3" name="Content Placeholder 2"/>
-          <p:cNvSpPr>
-            <a:spLocks noGrp="1"/>
-          </p:cNvSpPr>
-          <p:nvPr>
-            <p:ph idx="1"/>
-          </p:nvPr>
-        </p:nvSpPr>
-        <p:spPr/>
-        <p:txBody>
-          <a:bodyPr/>
-          <a:lstStyle/>
-          <a:p>
-            <a:endParaRPr lang="en-US"/>
           </a:p>
         </p:txBody>
       </p:sp>
     </p:spTree>
     <p:extLst>
       <p:ext uri="{BB962C8B-B14F-4D97-AF65-F5344CB8AC3E}">
-        <p14:creationId xmlns:p14="http://schemas.microsoft.com/office/powerpoint/2010/main" val="3299220853"/>
+        <p14:creationId xmlns:p14="http://schemas.microsoft.com/office/powerpoint/2010/main" val="1647384895"/>
       </p:ext>
     </p:extLst>
   </p:cSld>
@@ -4329,40 +4385,115 @@
         </p:nvSpPr>
         <p:spPr/>
         <p:txBody>
+          <a:bodyPr>
+            <a:normAutofit fontScale="90000"/>
+          </a:bodyPr>
+          <a:lstStyle/>
+          <a:p>
+            <a:r>
+              <a:rPr lang="en-US" dirty="0" smtClean="0"/>
+              <a:t>Cluster management systems</a:t>
+            </a:r>
+            <a:endParaRPr lang="en-US" dirty="0"/>
+          </a:p>
+        </p:txBody>
+      </p:sp>
+      <p:sp>
+        <p:nvSpPr>
+          <p:cNvPr id="3" name="Content Placeholder 2"/>
+          <p:cNvSpPr>
+            <a:spLocks noGrp="1"/>
+          </p:cNvSpPr>
+          <p:nvPr>
+            <p:ph idx="1"/>
+          </p:nvPr>
+        </p:nvSpPr>
+        <p:spPr/>
+        <p:txBody>
           <a:bodyPr/>
           <a:lstStyle/>
           <a:p>
             <a:r>
               <a:rPr lang="en-US" dirty="0" smtClean="0"/>
-              <a:t>Stacks</a:t>
-            </a:r>
-            <a:endParaRPr lang="en-US" dirty="0"/>
-          </a:p>
-        </p:txBody>
-      </p:sp>
-      <p:sp>
-        <p:nvSpPr>
-          <p:cNvPr id="3" name="Content Placeholder 2"/>
-          <p:cNvSpPr>
-            <a:spLocks noGrp="1"/>
-          </p:cNvSpPr>
-          <p:nvPr>
-            <p:ph idx="1"/>
-          </p:nvPr>
-        </p:nvSpPr>
-        <p:spPr/>
-        <p:txBody>
-          <a:bodyPr/>
-          <a:lstStyle/>
-          <a:p>
-            <a:endParaRPr lang="en-US"/>
+              <a:t>YARN</a:t>
+            </a:r>
+          </a:p>
+          <a:p>
+            <a:pPr lvl="1"/>
+            <a:r>
+              <a:rPr lang="en-US" dirty="0" smtClean="0"/>
+              <a:t>Part of </a:t>
+            </a:r>
+            <a:r>
+              <a:rPr lang="en-US" dirty="0" err="1" smtClean="0"/>
+              <a:t>Hadoop</a:t>
+            </a:r>
+            <a:r>
+              <a:rPr lang="en-US" dirty="0" smtClean="0"/>
+              <a:t> but significantly rebuilt since </a:t>
+            </a:r>
+            <a:r>
+              <a:rPr lang="en-US" dirty="0" err="1" smtClean="0"/>
+              <a:t>Hadoop</a:t>
+            </a:r>
+            <a:r>
+              <a:rPr lang="en-US" dirty="0" smtClean="0"/>
+              <a:t> 1</a:t>
+            </a:r>
+          </a:p>
+          <a:p>
+            <a:r>
+              <a:rPr lang="en-US" dirty="0" err="1" smtClean="0"/>
+              <a:t>Mesos</a:t>
+            </a:r>
+            <a:r>
+              <a:rPr lang="en-US" dirty="0" smtClean="0"/>
+              <a:t>	</a:t>
+            </a:r>
+          </a:p>
+          <a:p>
+            <a:pPr lvl="1"/>
+            <a:r>
+              <a:rPr lang="en-US" dirty="0" smtClean="0"/>
+              <a:t>Popular Apache project</a:t>
+            </a:r>
+          </a:p>
+          <a:p>
+            <a:pPr lvl="1"/>
+            <a:r>
+              <a:rPr lang="en-US" dirty="0" smtClean="0"/>
+              <a:t>Built to be a resource manager for a complete datacenter</a:t>
+            </a:r>
+          </a:p>
+          <a:p>
+            <a:pPr lvl="2"/>
+            <a:r>
+              <a:rPr lang="en-US" dirty="0" smtClean="0"/>
+              <a:t>Supports </a:t>
+            </a:r>
+            <a:r>
+              <a:rPr lang="en-US" dirty="0"/>
+              <a:t>many workloads (e.g. </a:t>
+            </a:r>
+            <a:r>
+              <a:rPr lang="en-US" dirty="0" err="1"/>
+              <a:t>Docker</a:t>
+            </a:r>
+            <a:r>
+              <a:rPr lang="en-US" dirty="0"/>
+              <a:t> as well as Spark)</a:t>
+            </a:r>
+          </a:p>
+          <a:p>
+            <a:pPr lvl="1"/>
+            <a:endParaRPr lang="en-US" dirty="0" smtClean="0"/>
           </a:p>
         </p:txBody>
       </p:sp>
     </p:spTree>
     <p:extLst>
       <p:ext uri="{BB962C8B-B14F-4D97-AF65-F5344CB8AC3E}">
-        <p14:creationId xmlns:p14="http://schemas.microsoft.com/office/powerpoint/2010/main" val="2064662744"/>
+        <p14:creationId xmlns:p14="http://schemas.microsoft.com/office/powerpoint/2010/main" val="807728512"/>
       </p:ext>
     </p:extLst>
   </p:cSld>
@@ -4401,40 +4532,58 @@
         </p:nvSpPr>
         <p:spPr/>
         <p:txBody>
-          <a:bodyPr/>
+          <a:bodyPr>
+            <a:normAutofit fontScale="90000"/>
+          </a:bodyPr>
           <a:lstStyle/>
           <a:p>
             <a:r>
               <a:rPr lang="en-US" dirty="0" smtClean="0"/>
-              <a:t>Machine Learning</a:t>
-            </a:r>
+              <a:t>Apache </a:t>
+            </a:r>
+            <a:r>
+              <a:rPr lang="en-US" dirty="0" err="1" smtClean="0"/>
+              <a:t>Mesos</a:t>
+            </a:r>
+            <a:r>
+              <a:rPr lang="en-US" dirty="0" smtClean="0"/>
+              <a:t/>
+            </a:r>
+            <a:br>
+              <a:rPr lang="en-US" dirty="0" smtClean="0"/>
+            </a:br>
             <a:endParaRPr lang="en-US" dirty="0"/>
           </a:p>
         </p:txBody>
       </p:sp>
-      <p:sp>
-        <p:nvSpPr>
-          <p:cNvPr id="3" name="Content Placeholder 2"/>
-          <p:cNvSpPr>
-            <a:spLocks noGrp="1"/>
-          </p:cNvSpPr>
-          <p:nvPr>
-            <p:ph idx="1"/>
-          </p:nvPr>
-        </p:nvSpPr>
-        <p:spPr/>
-        <p:txBody>
-          <a:bodyPr/>
-          <a:lstStyle/>
-          <a:p>
-            <a:endParaRPr lang="en-US"/>
-          </a:p>
-        </p:txBody>
-      </p:sp>
+      <p:pic>
+        <p:nvPicPr>
+          <p:cNvPr id="4" name="Picture 3"/>
+          <p:cNvPicPr>
+            <a:picLocks noChangeAspect="1"/>
+          </p:cNvPicPr>
+          <p:nvPr/>
+        </p:nvPicPr>
+        <p:blipFill>
+          <a:blip r:embed="rId2"/>
+          <a:stretch>
+            <a:fillRect/>
+          </a:stretch>
+        </p:blipFill>
+        <p:spPr>
+          <a:xfrm>
+            <a:off x="0" y="916912"/>
+            <a:ext cx="9144000" cy="5941088"/>
+          </a:xfrm>
+          <a:prstGeom prst="rect">
+            <a:avLst/>
+          </a:prstGeom>
+        </p:spPr>
+      </p:pic>
     </p:spTree>
     <p:extLst>
       <p:ext uri="{BB962C8B-B14F-4D97-AF65-F5344CB8AC3E}">
-        <p14:creationId xmlns:p14="http://schemas.microsoft.com/office/powerpoint/2010/main" val="873390981"/>
+        <p14:creationId xmlns:p14="http://schemas.microsoft.com/office/powerpoint/2010/main" val="1394715486"/>
       </p:ext>
     </p:extLst>
   </p:cSld>
@@ -4473,42 +4622,98 @@
         </p:nvSpPr>
         <p:spPr/>
         <p:txBody>
+          <a:bodyPr/>
+          <a:lstStyle/>
+          <a:p>
+            <a:r>
+              <a:rPr lang="en-US" dirty="0" err="1" smtClean="0"/>
+              <a:t>Realtime</a:t>
+            </a:r>
+            <a:endParaRPr lang="en-US" dirty="0"/>
+          </a:p>
+        </p:txBody>
+      </p:sp>
+      <p:sp>
+        <p:nvSpPr>
+          <p:cNvPr id="3" name="Content Placeholder 2"/>
+          <p:cNvSpPr>
+            <a:spLocks noGrp="1"/>
+          </p:cNvSpPr>
+          <p:nvPr>
+            <p:ph idx="1"/>
+          </p:nvPr>
+        </p:nvSpPr>
+        <p:spPr/>
+        <p:txBody>
           <a:bodyPr>
-            <a:normAutofit fontScale="90000"/>
+            <a:normAutofit fontScale="92500"/>
           </a:bodyPr>
           <a:lstStyle/>
           <a:p>
             <a:r>
               <a:rPr lang="en-US" dirty="0" smtClean="0"/>
-              <a:t>Machine Learning architecture</a:t>
+              <a:t>Apache Storm</a:t>
+            </a:r>
+          </a:p>
+          <a:p>
+            <a:pPr lvl="1"/>
+            <a:r>
+              <a:rPr lang="en-US" dirty="0" smtClean="0"/>
+              <a:t>Highly flexible model</a:t>
+            </a:r>
+          </a:p>
+          <a:p>
+            <a:pPr lvl="1"/>
+            <a:r>
+              <a:rPr lang="en-US" dirty="0" smtClean="0"/>
+              <a:t>Supports pur</a:t>
+            </a:r>
+            <a:r>
+              <a:rPr lang="en-US" dirty="0" smtClean="0"/>
+              <a:t>e streaming and micro-batch</a:t>
+            </a:r>
+          </a:p>
+          <a:p>
+            <a:pPr lvl="1"/>
+            <a:r>
+              <a:rPr lang="en-US" dirty="0" smtClean="0"/>
+              <a:t>Lots of plugins</a:t>
+            </a:r>
+          </a:p>
+          <a:p>
+            <a:r>
+              <a:rPr lang="en-US" dirty="0" smtClean="0"/>
+              <a:t>Apache Spark</a:t>
+            </a:r>
+          </a:p>
+          <a:p>
+            <a:pPr lvl="1"/>
+            <a:r>
+              <a:rPr lang="en-US" dirty="0" smtClean="0"/>
+              <a:t>Micro-batch only</a:t>
+            </a:r>
+          </a:p>
+          <a:p>
+            <a:pPr lvl="1"/>
+            <a:r>
+              <a:rPr lang="en-US" dirty="0" smtClean="0"/>
+              <a:t>Integrates cleanly into Spark (fewer components)</a:t>
+            </a:r>
+          </a:p>
+          <a:p>
+            <a:pPr lvl="1"/>
+            <a:r>
+              <a:rPr lang="en-US" dirty="0" smtClean="0"/>
+              <a:t>Some plugins and more being developed</a:t>
             </a:r>
             <a:endParaRPr lang="en-US" dirty="0"/>
-          </a:p>
-        </p:txBody>
-      </p:sp>
-      <p:sp>
-        <p:nvSpPr>
-          <p:cNvPr id="3" name="Content Placeholder 2"/>
-          <p:cNvSpPr>
-            <a:spLocks noGrp="1"/>
-          </p:cNvSpPr>
-          <p:nvPr>
-            <p:ph idx="1"/>
-          </p:nvPr>
-        </p:nvSpPr>
-        <p:spPr/>
-        <p:txBody>
-          <a:bodyPr/>
-          <a:lstStyle/>
-          <a:p>
-            <a:endParaRPr lang="en-US"/>
           </a:p>
         </p:txBody>
       </p:sp>
     </p:spTree>
     <p:extLst>
       <p:ext uri="{BB962C8B-B14F-4D97-AF65-F5344CB8AC3E}">
-        <p14:creationId xmlns:p14="http://schemas.microsoft.com/office/powerpoint/2010/main" val="1985101775"/>
+        <p14:creationId xmlns:p14="http://schemas.microsoft.com/office/powerpoint/2010/main" val="3299220853"/>
       </p:ext>
     </p:extLst>
   </p:cSld>
@@ -4547,42 +4752,45 @@
         </p:nvSpPr>
         <p:spPr/>
         <p:txBody>
-          <a:bodyPr>
-            <a:normAutofit/>
-          </a:bodyPr>
-          <a:lstStyle/>
-          <a:p>
-            <a:r>
-              <a:rPr lang="en-US" dirty="0" smtClean="0"/>
-              <a:t>Libraries and approaches</a:t>
-            </a:r>
-            <a:endParaRPr lang="en-US" dirty="0"/>
-          </a:p>
-        </p:txBody>
-      </p:sp>
-      <p:sp>
-        <p:nvSpPr>
-          <p:cNvPr id="3" name="Content Placeholder 2"/>
-          <p:cNvSpPr>
-            <a:spLocks noGrp="1"/>
-          </p:cNvSpPr>
-          <p:nvPr>
-            <p:ph idx="1"/>
-          </p:nvPr>
-        </p:nvSpPr>
-        <p:spPr/>
-        <p:txBody>
           <a:bodyPr/>
           <a:lstStyle/>
           <a:p>
-            <a:endParaRPr lang="en-US"/>
-          </a:p>
-        </p:txBody>
-      </p:sp>
+            <a:r>
+              <a:rPr lang="en-US" dirty="0" err="1" smtClean="0"/>
+              <a:t>Visualisation</a:t>
+            </a:r>
+            <a:endParaRPr lang="en-US" dirty="0"/>
+          </a:p>
+        </p:txBody>
+      </p:sp>
+      <p:pic>
+        <p:nvPicPr>
+          <p:cNvPr id="6" name="Picture 5"/>
+          <p:cNvPicPr>
+            <a:picLocks noChangeAspect="1"/>
+          </p:cNvPicPr>
+          <p:nvPr/>
+        </p:nvPicPr>
+        <p:blipFill>
+          <a:blip r:embed="rId2"/>
+          <a:stretch>
+            <a:fillRect/>
+          </a:stretch>
+        </p:blipFill>
+        <p:spPr>
+          <a:xfrm>
+            <a:off x="0" y="1549192"/>
+            <a:ext cx="9144000" cy="5184638"/>
+          </a:xfrm>
+          <a:prstGeom prst="rect">
+            <a:avLst/>
+          </a:prstGeom>
+        </p:spPr>
+      </p:pic>
     </p:spTree>
     <p:extLst>
       <p:ext uri="{BB962C8B-B14F-4D97-AF65-F5344CB8AC3E}">
-        <p14:creationId xmlns:p14="http://schemas.microsoft.com/office/powerpoint/2010/main" val="363980893"/>
+        <p14:creationId xmlns:p14="http://schemas.microsoft.com/office/powerpoint/2010/main" val="1682625575"/>
       </p:ext>
     </p:extLst>
   </p:cSld>
@@ -4625,10 +4833,14 @@
           <a:lstStyle/>
           <a:p>
             <a:r>
-              <a:rPr lang="en-US" smtClean="0"/>
-              <a:t>Algorithms</a:t>
-            </a:r>
-            <a:endParaRPr lang="en-US"/>
+              <a:rPr lang="en-US" dirty="0" err="1" smtClean="0"/>
+              <a:t>Visualisation</a:t>
+            </a:r>
+            <a:r>
+              <a:rPr lang="en-US" dirty="0" smtClean="0"/>
+              <a:t> approaches</a:t>
+            </a:r>
+            <a:endParaRPr lang="en-US" dirty="0"/>
           </a:p>
         </p:txBody>
       </p:sp>
@@ -4647,14 +4859,89 @@
           <a:bodyPr/>
           <a:lstStyle/>
           <a:p>
-            <a:endParaRPr lang="en-US"/>
+            <a:r>
+              <a:rPr lang="en-US" dirty="0" smtClean="0"/>
+              <a:t>Full products</a:t>
+            </a:r>
+          </a:p>
+          <a:p>
+            <a:pPr lvl="1"/>
+            <a:r>
+              <a:rPr lang="en-US" dirty="0" smtClean="0"/>
+              <a:t>Tableau, </a:t>
+            </a:r>
+            <a:r>
+              <a:rPr lang="en-US" dirty="0" err="1" smtClean="0"/>
+              <a:t>Qlik</a:t>
+            </a:r>
+            <a:r>
+              <a:rPr lang="en-US" dirty="0" smtClean="0"/>
+              <a:t>, SAS, </a:t>
+            </a:r>
+            <a:r>
+              <a:rPr lang="en-US" dirty="0" err="1" smtClean="0"/>
+              <a:t>GoodData</a:t>
+            </a:r>
+            <a:endParaRPr lang="en-US" dirty="0" smtClean="0"/>
+          </a:p>
+          <a:p>
+            <a:r>
+              <a:rPr lang="en-US" dirty="0" smtClean="0"/>
+              <a:t>Web-based systems</a:t>
+            </a:r>
+          </a:p>
+          <a:p>
+            <a:pPr lvl="1"/>
+            <a:r>
+              <a:rPr lang="en-US" dirty="0" smtClean="0"/>
+              <a:t>Tableau Public, </a:t>
+            </a:r>
+            <a:r>
+              <a:rPr lang="en-US" dirty="0" err="1" smtClean="0"/>
+              <a:t>Datawrapper</a:t>
+            </a:r>
+            <a:r>
+              <a:rPr lang="en-US" dirty="0" smtClean="0"/>
+              <a:t>, Raw, </a:t>
+            </a:r>
+            <a:r>
+              <a:rPr lang="en-US" dirty="0" err="1" smtClean="0"/>
+              <a:t>Plotly</a:t>
+            </a:r>
+            <a:endParaRPr lang="en-US" dirty="0" smtClean="0"/>
+          </a:p>
+          <a:p>
+            <a:r>
+              <a:rPr lang="en-US" dirty="0" smtClean="0"/>
+              <a:t>Developer oriented</a:t>
+            </a:r>
+          </a:p>
+          <a:p>
+            <a:pPr lvl="1"/>
+            <a:r>
+              <a:rPr lang="en-US" dirty="0" smtClean="0"/>
+              <a:t>D3.js, </a:t>
+            </a:r>
+            <a:r>
+              <a:rPr lang="en-US" dirty="0" err="1" smtClean="0"/>
+              <a:t>dygraphs</a:t>
+            </a:r>
+            <a:r>
+              <a:rPr lang="en-US" dirty="0" smtClean="0"/>
+              <a:t>, Python charting, Leaflet, Fusion Charts, Google Charts, </a:t>
+            </a:r>
+            <a:r>
+              <a:rPr lang="en-US" dirty="0" err="1" smtClean="0"/>
+              <a:t>etc</a:t>
+            </a:r>
+            <a:endParaRPr lang="en-US" dirty="0"/>
           </a:p>
         </p:txBody>
       </p:sp>
     </p:spTree>
     <p:extLst>
       <p:ext uri="{BB962C8B-B14F-4D97-AF65-F5344CB8AC3E}">
-        <p14:creationId xmlns:p14="http://schemas.microsoft.com/office/powerpoint/2010/main" val="2457218645"/>
+        <p14:creationId xmlns:p14="http://schemas.microsoft.com/office/powerpoint/2010/main" val="1727205074"/>
       </p:ext>
     </p:extLst>
   </p:cSld>
@@ -4693,21 +4980,496 @@
         </p:nvSpPr>
         <p:spPr/>
         <p:txBody>
-          <a:bodyPr/>
+          <a:bodyPr>
+            <a:normAutofit fontScale="90000"/>
+          </a:bodyPr>
           <a:lstStyle/>
           <a:p>
             <a:r>
               <a:rPr lang="en-US" dirty="0" smtClean="0"/>
-              <a:t>Questions?</a:t>
+              <a:t>Fortune top 10 big data </a:t>
+            </a:r>
+            <a:r>
+              <a:rPr lang="en-US" dirty="0"/>
+              <a:t>companies</a:t>
+            </a:r>
+            <a:br>
+              <a:rPr lang="en-US" dirty="0"/>
+            </a:br>
+            <a:r>
+              <a:rPr lang="en-US" sz="1200" dirty="0" err="1"/>
+              <a:t>fortune.com</a:t>
+            </a:r>
+            <a:r>
+              <a:rPr lang="en-US" sz="1200" dirty="0"/>
+              <a:t>/2014/06/13/these-big-data-companies-are-ones-to-watch/</a:t>
+            </a:r>
+          </a:p>
+        </p:txBody>
+      </p:sp>
+      <p:sp>
+        <p:nvSpPr>
+          <p:cNvPr id="3" name="Content Placeholder 2"/>
+          <p:cNvSpPr>
+            <a:spLocks noGrp="1"/>
+          </p:cNvSpPr>
+          <p:nvPr>
+            <p:ph idx="1"/>
+          </p:nvPr>
+        </p:nvSpPr>
+        <p:spPr/>
+        <p:txBody>
+          <a:bodyPr>
+            <a:normAutofit fontScale="70000" lnSpcReduction="20000"/>
+          </a:bodyPr>
+          <a:lstStyle/>
+          <a:p>
+            <a:r>
+              <a:rPr lang="en-US" dirty="0" err="1" smtClean="0"/>
+              <a:t>MapR</a:t>
+            </a:r>
+            <a:r>
+              <a:rPr lang="en-US" dirty="0" smtClean="0"/>
+              <a:t> – Apache Hadoop</a:t>
             </a:r>
             <a:endParaRPr lang="en-US" dirty="0"/>
+          </a:p>
+          <a:p>
+            <a:r>
+              <a:rPr lang="en-US" dirty="0" err="1" smtClean="0"/>
+              <a:t>MemSQL</a:t>
+            </a:r>
+            <a:endParaRPr lang="en-US" dirty="0" smtClean="0"/>
+          </a:p>
+          <a:p>
+            <a:r>
+              <a:rPr lang="en-US" dirty="0" err="1" smtClean="0"/>
+              <a:t>Databricks</a:t>
+            </a:r>
+            <a:r>
+              <a:rPr lang="en-US" dirty="0" smtClean="0"/>
+              <a:t> – Apache Spark</a:t>
+            </a:r>
+            <a:endParaRPr lang="en-US" dirty="0"/>
+          </a:p>
+          <a:p>
+            <a:r>
+              <a:rPr lang="en-US" dirty="0" err="1" smtClean="0"/>
+              <a:t>Platfora</a:t>
+            </a:r>
+            <a:r>
+              <a:rPr lang="en-US" dirty="0" smtClean="0"/>
+              <a:t> – Apache Hadoop</a:t>
+            </a:r>
+            <a:endParaRPr lang="en-US" dirty="0"/>
+          </a:p>
+          <a:p>
+            <a:r>
+              <a:rPr lang="en-US" dirty="0" err="1" smtClean="0"/>
+              <a:t>Splunk</a:t>
+            </a:r>
+            <a:endParaRPr lang="en-US" dirty="0"/>
+          </a:p>
+          <a:p>
+            <a:r>
+              <a:rPr lang="en-US" dirty="0" smtClean="0"/>
+              <a:t>Teradata – Apache Hadoop</a:t>
+            </a:r>
+          </a:p>
+          <a:p>
+            <a:r>
+              <a:rPr lang="en-US" dirty="0" err="1" smtClean="0"/>
+              <a:t>Palantir</a:t>
+            </a:r>
+            <a:r>
+              <a:rPr lang="en-US" dirty="0" smtClean="0"/>
+              <a:t> – Hadoop, Cassandra, </a:t>
+            </a:r>
+            <a:r>
+              <a:rPr lang="en-US" dirty="0" err="1" smtClean="0"/>
+              <a:t>Lucene</a:t>
+            </a:r>
+            <a:endParaRPr lang="en-US" dirty="0"/>
+          </a:p>
+          <a:p>
+            <a:r>
+              <a:rPr lang="en-US" dirty="0" smtClean="0"/>
+              <a:t>Premise</a:t>
+            </a:r>
+          </a:p>
+          <a:p>
+            <a:r>
+              <a:rPr lang="en-US" dirty="0" err="1" smtClean="0"/>
+              <a:t>Datameer</a:t>
+            </a:r>
+            <a:r>
+              <a:rPr lang="en-US" dirty="0" smtClean="0"/>
+              <a:t> – Apache Hadoop</a:t>
+            </a:r>
+            <a:endParaRPr lang="en-US" dirty="0"/>
+          </a:p>
+          <a:p>
+            <a:r>
+              <a:rPr lang="en-US" dirty="0" err="1" smtClean="0"/>
+              <a:t>Cloudera</a:t>
+            </a:r>
+            <a:r>
+              <a:rPr lang="en-US" dirty="0" smtClean="0"/>
+              <a:t> – Apache Hadoop</a:t>
+            </a:r>
+          </a:p>
+          <a:p>
+            <a:r>
+              <a:rPr lang="en-US" dirty="0" err="1" smtClean="0"/>
+              <a:t>Hortonworks</a:t>
+            </a:r>
+            <a:r>
+              <a:rPr lang="en-US" dirty="0" smtClean="0"/>
+              <a:t> – Apache Hadoop</a:t>
+            </a:r>
+            <a:endParaRPr lang="en-US" dirty="0"/>
+          </a:p>
+          <a:p>
+            <a:r>
+              <a:rPr lang="en-US" dirty="0" err="1" smtClean="0"/>
+              <a:t>MongoDB</a:t>
+            </a:r>
+            <a:r>
+              <a:rPr lang="en-US" dirty="0"/>
+              <a:t> </a:t>
+            </a:r>
+            <a:r>
+              <a:rPr lang="en-US" dirty="0" smtClean="0"/>
+              <a:t>– </a:t>
+            </a:r>
+            <a:r>
+              <a:rPr lang="en-US" dirty="0" err="1" smtClean="0"/>
+              <a:t>MongoDB</a:t>
+            </a:r>
+            <a:r>
+              <a:rPr lang="en-US" dirty="0" smtClean="0"/>
+              <a:t> </a:t>
+            </a:r>
+          </a:p>
+          <a:p>
+            <a:r>
+              <a:rPr lang="en-US" dirty="0" err="1" smtClean="0"/>
+              <a:t>Trifacta</a:t>
+            </a:r>
+            <a:r>
+              <a:rPr lang="en-US" dirty="0" smtClean="0"/>
+              <a:t> – Apache Hadoop</a:t>
+            </a:r>
+          </a:p>
+          <a:p>
+            <a:pPr marL="0" indent="0">
+              <a:buNone/>
+            </a:pPr>
+            <a:endParaRPr lang="en-US" dirty="0"/>
+          </a:p>
+        </p:txBody>
+      </p:sp>
+      <p:sp>
+        <p:nvSpPr>
+          <p:cNvPr id="4" name="Rectangle 3"/>
+          <p:cNvSpPr/>
+          <p:nvPr/>
+        </p:nvSpPr>
+        <p:spPr>
+          <a:xfrm>
+            <a:off x="3810000" y="6096000"/>
+            <a:ext cx="4572000" cy="584776"/>
+          </a:xfrm>
+          <a:prstGeom prst="rect">
+            <a:avLst/>
+          </a:prstGeom>
+        </p:spPr>
+        <p:txBody>
+          <a:bodyPr>
+            <a:spAutoFit/>
+          </a:bodyPr>
+          <a:lstStyle/>
+          <a:p>
+            <a:r>
+              <a:rPr lang="en-US" sz="1600" i="1" dirty="0">
+                <a:solidFill>
+                  <a:srgbClr val="FFFFFF"/>
+                </a:solidFill>
+                <a:latin typeface="Damascus"/>
+              </a:rPr>
+              <a:t>Rapid Web Application Development with </a:t>
+            </a:r>
+            <a:r>
+              <a:rPr lang="en-US" sz="1600" i="1" dirty="0" err="1">
+                <a:solidFill>
+                  <a:srgbClr val="FFFFFF"/>
+                </a:solidFill>
+                <a:latin typeface="Damascus"/>
+              </a:rPr>
+              <a:t>MongoDB</a:t>
+            </a:r>
+            <a:r>
+              <a:rPr lang="en-US" sz="1600" i="1" dirty="0">
+                <a:solidFill>
+                  <a:srgbClr val="FFFFFF"/>
+                </a:solidFill>
+                <a:latin typeface="Damascus"/>
+              </a:rPr>
+              <a:t> and the </a:t>
+            </a:r>
+            <a:r>
+              <a:rPr lang="en-US" sz="1600" i="1" dirty="0" smtClean="0">
+                <a:solidFill>
+                  <a:srgbClr val="FFFFFF"/>
+                </a:solidFill>
+                <a:latin typeface="Damascus"/>
+              </a:rPr>
+              <a:t>JVM – Trisha Gee – Tuesday 16:15</a:t>
+            </a:r>
+            <a:endParaRPr lang="en-US" sz="1600" i="1" dirty="0">
+              <a:solidFill>
+                <a:srgbClr val="FFFFFF"/>
+              </a:solidFill>
+              <a:latin typeface="Damascus"/>
+            </a:endParaRPr>
           </a:p>
         </p:txBody>
       </p:sp>
     </p:spTree>
     <p:extLst>
       <p:ext uri="{BB962C8B-B14F-4D97-AF65-F5344CB8AC3E}">
-        <p14:creationId xmlns:p14="http://schemas.microsoft.com/office/powerpoint/2010/main" val="4217437947"/>
+        <p14:creationId xmlns:p14="http://schemas.microsoft.com/office/powerpoint/2010/main" val="3731517255"/>
+      </p:ext>
+    </p:extLst>
+  </p:cSld>
+  <p:clrMapOvr>
+    <a:masterClrMapping/>
+  </p:clrMapOvr>
+</p:sld>
+</file>
+
+<file path=ppt/slides/slide17.xml><?xml version="1.0" encoding="utf-8"?>
+<p:sld xmlns:a="http://schemas.openxmlformats.org/drawingml/2006/main" xmlns:r="http://schemas.openxmlformats.org/officeDocument/2006/relationships" xmlns:p="http://schemas.openxmlformats.org/presentationml/2006/main">
+  <p:cSld>
+    <p:spTree>
+      <p:nvGrpSpPr>
+        <p:cNvPr id="1" name=""/>
+        <p:cNvGrpSpPr/>
+        <p:nvPr/>
+      </p:nvGrpSpPr>
+      <p:grpSpPr>
+        <a:xfrm>
+          <a:off x="0" y="0"/>
+          <a:ext cx="0" cy="0"/>
+          <a:chOff x="0" y="0"/>
+          <a:chExt cx="0" cy="0"/>
+        </a:xfrm>
+      </p:grpSpPr>
+      <p:sp>
+        <p:nvSpPr>
+          <p:cNvPr id="2" name="Title 1"/>
+          <p:cNvSpPr>
+            <a:spLocks noGrp="1"/>
+          </p:cNvSpPr>
+          <p:nvPr>
+            <p:ph type="title"/>
+          </p:nvPr>
+        </p:nvSpPr>
+        <p:spPr/>
+        <p:txBody>
+          <a:bodyPr/>
+          <a:lstStyle/>
+          <a:p>
+            <a:r>
+              <a:rPr lang="en-US" dirty="0" err="1" smtClean="0"/>
+              <a:t>Hortonworks</a:t>
+            </a:r>
+            <a:endParaRPr lang="en-US" dirty="0"/>
+          </a:p>
+        </p:txBody>
+      </p:sp>
+      <p:pic>
+        <p:nvPicPr>
+          <p:cNvPr id="4" name="Picture 3"/>
+          <p:cNvPicPr>
+            <a:picLocks noChangeAspect="1"/>
+          </p:cNvPicPr>
+          <p:nvPr/>
+        </p:nvPicPr>
+        <p:blipFill>
+          <a:blip r:embed="rId2"/>
+          <a:stretch>
+            <a:fillRect/>
+          </a:stretch>
+        </p:blipFill>
+        <p:spPr>
+          <a:xfrm>
+            <a:off x="0" y="1254810"/>
+            <a:ext cx="9144000" cy="4996288"/>
+          </a:xfrm>
+          <a:prstGeom prst="rect">
+            <a:avLst/>
+          </a:prstGeom>
+        </p:spPr>
+      </p:pic>
+    </p:spTree>
+    <p:extLst>
+      <p:ext uri="{BB962C8B-B14F-4D97-AF65-F5344CB8AC3E}">
+        <p14:creationId xmlns:p14="http://schemas.microsoft.com/office/powerpoint/2010/main" val="3038788680"/>
+      </p:ext>
+    </p:extLst>
+  </p:cSld>
+  <p:clrMapOvr>
+    <a:masterClrMapping/>
+  </p:clrMapOvr>
+</p:sld>
+</file>
+
+<file path=ppt/slides/slide18.xml><?xml version="1.0" encoding="utf-8"?>
+<p:sld xmlns:a="http://schemas.openxmlformats.org/drawingml/2006/main" xmlns:r="http://schemas.openxmlformats.org/officeDocument/2006/relationships" xmlns:p="http://schemas.openxmlformats.org/presentationml/2006/main">
+  <p:cSld>
+    <p:spTree>
+      <p:nvGrpSpPr>
+        <p:cNvPr id="1" name=""/>
+        <p:cNvGrpSpPr/>
+        <p:nvPr/>
+      </p:nvGrpSpPr>
+      <p:grpSpPr>
+        <a:xfrm>
+          <a:off x="0" y="0"/>
+          <a:ext cx="0" cy="0"/>
+          <a:chOff x="0" y="0"/>
+          <a:chExt cx="0" cy="0"/>
+        </a:xfrm>
+      </p:grpSpPr>
+      <p:sp>
+        <p:nvSpPr>
+          <p:cNvPr id="2" name="Title 1"/>
+          <p:cNvSpPr>
+            <a:spLocks noGrp="1"/>
+          </p:cNvSpPr>
+          <p:nvPr>
+            <p:ph type="title"/>
+          </p:nvPr>
+        </p:nvSpPr>
+        <p:spPr/>
+        <p:txBody>
+          <a:bodyPr/>
+          <a:lstStyle/>
+          <a:p>
+            <a:r>
+              <a:rPr lang="en-US" dirty="0" err="1" smtClean="0"/>
+              <a:t>Databricks</a:t>
+            </a:r>
+            <a:endParaRPr lang="en-US" dirty="0"/>
+          </a:p>
+        </p:txBody>
+      </p:sp>
+      <p:pic>
+        <p:nvPicPr>
+          <p:cNvPr id="4" name="Picture 3"/>
+          <p:cNvPicPr>
+            <a:picLocks noChangeAspect="1"/>
+          </p:cNvPicPr>
+          <p:nvPr/>
+        </p:nvPicPr>
+        <p:blipFill>
+          <a:blip r:embed="rId2"/>
+          <a:stretch>
+            <a:fillRect/>
+          </a:stretch>
+        </p:blipFill>
+        <p:spPr>
+          <a:xfrm>
+            <a:off x="0" y="1237336"/>
+            <a:ext cx="9144000" cy="4887310"/>
+          </a:xfrm>
+          <a:prstGeom prst="rect">
+            <a:avLst/>
+          </a:prstGeom>
+        </p:spPr>
+      </p:pic>
+    </p:spTree>
+    <p:extLst>
+      <p:ext uri="{BB962C8B-B14F-4D97-AF65-F5344CB8AC3E}">
+        <p14:creationId xmlns:p14="http://schemas.microsoft.com/office/powerpoint/2010/main" val="3986285481"/>
+      </p:ext>
+    </p:extLst>
+  </p:cSld>
+  <p:clrMapOvr>
+    <a:masterClrMapping/>
+  </p:clrMapOvr>
+</p:sld>
+</file>
+
+<file path=ppt/slides/slide19.xml><?xml version="1.0" encoding="utf-8"?>
+<p:sld xmlns:a="http://schemas.openxmlformats.org/drawingml/2006/main" xmlns:r="http://schemas.openxmlformats.org/officeDocument/2006/relationships" xmlns:p="http://schemas.openxmlformats.org/presentationml/2006/main">
+  <p:cSld>
+    <p:spTree>
+      <p:nvGrpSpPr>
+        <p:cNvPr id="1" name=""/>
+        <p:cNvGrpSpPr/>
+        <p:nvPr/>
+      </p:nvGrpSpPr>
+      <p:grpSpPr>
+        <a:xfrm>
+          <a:off x="0" y="0"/>
+          <a:ext cx="0" cy="0"/>
+          <a:chOff x="0" y="0"/>
+          <a:chExt cx="0" cy="0"/>
+        </a:xfrm>
+      </p:grpSpPr>
+      <p:sp>
+        <p:nvSpPr>
+          <p:cNvPr id="2" name="Title 1"/>
+          <p:cNvSpPr>
+            <a:spLocks noGrp="1"/>
+          </p:cNvSpPr>
+          <p:nvPr>
+            <p:ph type="title"/>
+          </p:nvPr>
+        </p:nvSpPr>
+        <p:spPr/>
+        <p:txBody>
+          <a:bodyPr/>
+          <a:lstStyle/>
+          <a:p>
+            <a:r>
+              <a:rPr lang="en-US" dirty="0" smtClean="0"/>
+              <a:t>WSO2 DAS</a:t>
+            </a:r>
+            <a:endParaRPr lang="en-US" dirty="0"/>
+          </a:p>
+        </p:txBody>
+      </p:sp>
+      <p:pic>
+        <p:nvPicPr>
+          <p:cNvPr id="4" name="Picture 3"/>
+          <p:cNvPicPr>
+            <a:picLocks noChangeAspect="1"/>
+          </p:cNvPicPr>
+          <p:nvPr/>
+        </p:nvPicPr>
+        <p:blipFill>
+          <a:blip r:embed="rId2"/>
+          <a:stretch>
+            <a:fillRect/>
+          </a:stretch>
+        </p:blipFill>
+        <p:spPr>
+          <a:xfrm>
+            <a:off x="0" y="1409700"/>
+            <a:ext cx="9144000" cy="4022171"/>
+          </a:xfrm>
+          <a:prstGeom prst="rect">
+            <a:avLst/>
+          </a:prstGeom>
+        </p:spPr>
+      </p:pic>
+    </p:spTree>
+    <p:extLst>
+      <p:ext uri="{BB962C8B-B14F-4D97-AF65-F5344CB8AC3E}">
+        <p14:creationId xmlns:p14="http://schemas.microsoft.com/office/powerpoint/2010/main" val="1078099972"/>
       </p:ext>
     </p:extLst>
   </p:cSld>
@@ -4826,7 +5588,7 @@
             <a:prstTxWarp prst="textNoShape">
               <a:avLst/>
             </a:prstTxWarp>
-            <a:normAutofit/>
+            <a:normAutofit lnSpcReduction="10000"/>
           </a:bodyPr>
           <a:lstStyle/>
           <a:p>
@@ -4856,14 +5618,7 @@
                 <a:ea typeface="ヒラギノ角ゴ ProN W3" charset="0"/>
                 <a:cs typeface="ヒラギノ角ゴ ProN W3" charset="0"/>
               </a:rPr>
-              <a:t>Messag</a:t>
-            </a:r>
-            <a:r>
-              <a:rPr lang="en-US" dirty="0" smtClean="0">
-                <a:ea typeface="ヒラギノ角ゴ ProN W3" charset="0"/>
-                <a:cs typeface="ヒラギノ角ゴ ProN W3" charset="0"/>
-              </a:rPr>
-              <a:t>e </a:t>
+              <a:t>Message </a:t>
             </a:r>
             <a:r>
               <a:rPr lang="en-US" dirty="0" err="1" smtClean="0">
@@ -4877,18 +5632,73 @@
                 <a:ea typeface="ヒラギノ角ゴ ProN W3" charset="0"/>
                 <a:cs typeface="ヒラギノ角ゴ ProN W3" charset="0"/>
               </a:rPr>
-              <a:t> and collection systems</a:t>
-            </a:r>
-          </a:p>
-          <a:p>
-            <a:pPr eaLnBrk="1" hangingPunct="1"/>
+              <a:t> and collection </a:t>
+            </a:r>
             <a:r>
               <a:rPr lang="en-US" dirty="0" smtClean="0">
                 <a:ea typeface="ヒラギノ角ゴ ProN W3" charset="0"/>
                 <a:cs typeface="ヒラギノ角ゴ ProN W3" charset="0"/>
               </a:rPr>
-              <a:t>Machine Learning</a:t>
-            </a:r>
+              <a:t>systems</a:t>
+            </a:r>
+          </a:p>
+          <a:p>
+            <a:pPr eaLnBrk="1" hangingPunct="1"/>
+            <a:r>
+              <a:rPr lang="en-US" dirty="0" smtClean="0">
+                <a:ea typeface="ヒラギノ角ゴ ProN W3" charset="0"/>
+                <a:cs typeface="ヒラギノ角ゴ ProN W3" charset="0"/>
+              </a:rPr>
+              <a:t>Map-Reduce and DAG systems</a:t>
+            </a:r>
+          </a:p>
+          <a:p>
+            <a:pPr eaLnBrk="1" hangingPunct="1"/>
+            <a:r>
+              <a:rPr lang="en-US" dirty="0" err="1" smtClean="0">
+                <a:ea typeface="ヒラギノ角ゴ ProN W3" charset="0"/>
+                <a:cs typeface="ヒラギノ角ゴ ProN W3" charset="0"/>
+              </a:rPr>
+              <a:t>Realtime</a:t>
+            </a:r>
+            <a:r>
+              <a:rPr lang="en-US" dirty="0" smtClean="0">
+                <a:ea typeface="ヒラギノ角ゴ ProN W3" charset="0"/>
+                <a:cs typeface="ヒラギノ角ゴ ProN W3" charset="0"/>
+              </a:rPr>
+              <a:t> Systems</a:t>
+            </a:r>
+          </a:p>
+          <a:p>
+            <a:pPr eaLnBrk="1" hangingPunct="1"/>
+            <a:r>
+              <a:rPr lang="en-US" dirty="0" smtClean="0">
+                <a:ea typeface="ヒラギノ角ゴ ProN W3" charset="0"/>
+                <a:cs typeface="ヒラギノ角ゴ ProN W3" charset="0"/>
+              </a:rPr>
+              <a:t>Fast databases for speed</a:t>
+            </a:r>
+          </a:p>
+          <a:p>
+            <a:pPr eaLnBrk="1" hangingPunct="1"/>
+            <a:r>
+              <a:rPr lang="en-US" dirty="0" err="1" smtClean="0">
+                <a:ea typeface="ヒラギノ角ゴ ProN W3" charset="0"/>
+                <a:cs typeface="ヒラギノ角ゴ ProN W3" charset="0"/>
+              </a:rPr>
+              <a:t>Visualisation</a:t>
+            </a:r>
+            <a:r>
+              <a:rPr lang="en-US" dirty="0" smtClean="0">
+                <a:ea typeface="ヒラギノ角ゴ ProN W3" charset="0"/>
+                <a:cs typeface="ヒラギノ角ゴ ProN W3" charset="0"/>
+              </a:rPr>
+              <a:t> and Dashboards</a:t>
+            </a:r>
+            <a:endParaRPr lang="en-US" dirty="0" smtClean="0">
+              <a:ea typeface="ヒラギノ角ゴ ProN W3" charset="0"/>
+              <a:cs typeface="ヒラギノ角ゴ ProN W3" charset="0"/>
+            </a:endParaRPr>
           </a:p>
           <a:p>
             <a:pPr marL="0" indent="0" eaLnBrk="1" hangingPunct="1">
@@ -4929,6 +5739,240 @@
 </p:sld>
 </file>
 
+<file path=ppt/slides/slide20.xml><?xml version="1.0" encoding="utf-8"?>
+<p:sld xmlns:a="http://schemas.openxmlformats.org/drawingml/2006/main" xmlns:r="http://schemas.openxmlformats.org/officeDocument/2006/relationships" xmlns:p="http://schemas.openxmlformats.org/presentationml/2006/main">
+  <p:cSld>
+    <p:spTree>
+      <p:nvGrpSpPr>
+        <p:cNvPr id="1" name=""/>
+        <p:cNvGrpSpPr/>
+        <p:nvPr/>
+      </p:nvGrpSpPr>
+      <p:grpSpPr>
+        <a:xfrm>
+          <a:off x="0" y="0"/>
+          <a:ext cx="0" cy="0"/>
+          <a:chOff x="0" y="0"/>
+          <a:chExt cx="0" cy="0"/>
+        </a:xfrm>
+      </p:grpSpPr>
+      <p:sp>
+        <p:nvSpPr>
+          <p:cNvPr id="2" name="Title 1"/>
+          <p:cNvSpPr>
+            <a:spLocks noGrp="1"/>
+          </p:cNvSpPr>
+          <p:nvPr>
+            <p:ph type="title"/>
+          </p:nvPr>
+        </p:nvSpPr>
+        <p:spPr/>
+        <p:txBody>
+          <a:bodyPr/>
+          <a:lstStyle/>
+          <a:p>
+            <a:r>
+              <a:rPr lang="en-US" dirty="0" smtClean="0"/>
+              <a:t>Lambda</a:t>
+            </a:r>
+            <a:endParaRPr lang="en-US" dirty="0"/>
+          </a:p>
+        </p:txBody>
+      </p:sp>
+      <p:pic>
+        <p:nvPicPr>
+          <p:cNvPr id="4" name="Picture 3"/>
+          <p:cNvPicPr>
+            <a:picLocks noChangeAspect="1"/>
+          </p:cNvPicPr>
+          <p:nvPr/>
+        </p:nvPicPr>
+        <p:blipFill>
+          <a:blip r:embed="rId2"/>
+          <a:stretch>
+            <a:fillRect/>
+          </a:stretch>
+        </p:blipFill>
+        <p:spPr>
+          <a:xfrm>
+            <a:off x="762000" y="1585010"/>
+            <a:ext cx="7620000" cy="4343400"/>
+          </a:xfrm>
+          <a:prstGeom prst="rect">
+            <a:avLst/>
+          </a:prstGeom>
+        </p:spPr>
+      </p:pic>
+    </p:spTree>
+    <p:extLst>
+      <p:ext uri="{BB962C8B-B14F-4D97-AF65-F5344CB8AC3E}">
+        <p14:creationId xmlns:p14="http://schemas.microsoft.com/office/powerpoint/2010/main" val="2782888861"/>
+      </p:ext>
+    </p:extLst>
+  </p:cSld>
+  <p:clrMapOvr>
+    <a:masterClrMapping/>
+  </p:clrMapOvr>
+</p:sld>
+</file>
+
+<file path=ppt/slides/slide21.xml><?xml version="1.0" encoding="utf-8"?>
+<p:sld xmlns:a="http://schemas.openxmlformats.org/drawingml/2006/main" xmlns:r="http://schemas.openxmlformats.org/officeDocument/2006/relationships" xmlns:p="http://schemas.openxmlformats.org/presentationml/2006/main">
+  <p:cSld>
+    <p:spTree>
+      <p:nvGrpSpPr>
+        <p:cNvPr id="1" name=""/>
+        <p:cNvGrpSpPr/>
+        <p:nvPr/>
+      </p:nvGrpSpPr>
+      <p:grpSpPr>
+        <a:xfrm>
+          <a:off x="0" y="0"/>
+          <a:ext cx="0" cy="0"/>
+          <a:chOff x="0" y="0"/>
+          <a:chExt cx="0" cy="0"/>
+        </a:xfrm>
+      </p:grpSpPr>
+      <p:sp>
+        <p:nvSpPr>
+          <p:cNvPr id="2" name="Title 1"/>
+          <p:cNvSpPr>
+            <a:spLocks noGrp="1"/>
+          </p:cNvSpPr>
+          <p:nvPr>
+            <p:ph type="title"/>
+          </p:nvPr>
+        </p:nvSpPr>
+        <p:spPr/>
+        <p:txBody>
+          <a:bodyPr/>
+          <a:lstStyle/>
+          <a:p>
+            <a:r>
+              <a:rPr lang="en-US" dirty="0" smtClean="0"/>
+              <a:t>The real answer</a:t>
+            </a:r>
+            <a:endParaRPr lang="en-US" dirty="0"/>
+          </a:p>
+        </p:txBody>
+      </p:sp>
+      <p:sp>
+        <p:nvSpPr>
+          <p:cNvPr id="3" name="Content Placeholder 2"/>
+          <p:cNvSpPr>
+            <a:spLocks noGrp="1"/>
+          </p:cNvSpPr>
+          <p:nvPr>
+            <p:ph idx="1"/>
+          </p:nvPr>
+        </p:nvSpPr>
+        <p:spPr/>
+        <p:txBody>
+          <a:bodyPr>
+            <a:normAutofit/>
+          </a:bodyPr>
+          <a:lstStyle/>
+          <a:p>
+            <a:pPr marL="0" indent="0">
+              <a:buNone/>
+            </a:pPr>
+            <a:endParaRPr lang="en-US" sz="4000" dirty="0" smtClean="0"/>
+          </a:p>
+          <a:p>
+            <a:pPr marL="0" indent="0">
+              <a:buNone/>
+            </a:pPr>
+            <a:endParaRPr lang="en-US" sz="4000"/>
+          </a:p>
+          <a:p>
+            <a:pPr marL="0" indent="0">
+              <a:buNone/>
+            </a:pPr>
+            <a:r>
+              <a:rPr lang="en-US" sz="4000" smtClean="0"/>
+              <a:t>You </a:t>
+            </a:r>
+            <a:r>
+              <a:rPr lang="en-US" sz="4000" dirty="0" smtClean="0"/>
+              <a:t>are on the bleeding edge</a:t>
+            </a:r>
+          </a:p>
+          <a:p>
+            <a:pPr lvl="1"/>
+            <a:r>
+              <a:rPr lang="en-US" sz="3600" dirty="0" smtClean="0"/>
+              <a:t>Expect to have some pain</a:t>
+            </a:r>
+            <a:endParaRPr lang="en-US" sz="3600" dirty="0"/>
+          </a:p>
+        </p:txBody>
+      </p:sp>
+    </p:spTree>
+    <p:extLst>
+      <p:ext uri="{BB962C8B-B14F-4D97-AF65-F5344CB8AC3E}">
+        <p14:creationId xmlns:p14="http://schemas.microsoft.com/office/powerpoint/2010/main" val="3113742343"/>
+      </p:ext>
+    </p:extLst>
+  </p:cSld>
+  <p:clrMapOvr>
+    <a:masterClrMapping/>
+  </p:clrMapOvr>
+</p:sld>
+</file>
+
+<file path=ppt/slides/slide22.xml><?xml version="1.0" encoding="utf-8"?>
+<p:sld xmlns:a="http://schemas.openxmlformats.org/drawingml/2006/main" xmlns:r="http://schemas.openxmlformats.org/officeDocument/2006/relationships" xmlns:p="http://schemas.openxmlformats.org/presentationml/2006/main">
+  <p:cSld>
+    <p:spTree>
+      <p:nvGrpSpPr>
+        <p:cNvPr id="1" name=""/>
+        <p:cNvGrpSpPr/>
+        <p:nvPr/>
+      </p:nvGrpSpPr>
+      <p:grpSpPr>
+        <a:xfrm>
+          <a:off x="0" y="0"/>
+          <a:ext cx="0" cy="0"/>
+          <a:chOff x="0" y="0"/>
+          <a:chExt cx="0" cy="0"/>
+        </a:xfrm>
+      </p:grpSpPr>
+      <p:sp>
+        <p:nvSpPr>
+          <p:cNvPr id="2" name="Title 1"/>
+          <p:cNvSpPr>
+            <a:spLocks noGrp="1"/>
+          </p:cNvSpPr>
+          <p:nvPr>
+            <p:ph type="title"/>
+          </p:nvPr>
+        </p:nvSpPr>
+        <p:spPr/>
+        <p:txBody>
+          <a:bodyPr/>
+          <a:lstStyle/>
+          <a:p>
+            <a:r>
+              <a:rPr lang="en-US" dirty="0" smtClean="0"/>
+              <a:t>Questions?</a:t>
+            </a:r>
+            <a:endParaRPr lang="en-US" dirty="0"/>
+          </a:p>
+        </p:txBody>
+      </p:sp>
+    </p:spTree>
+    <p:extLst>
+      <p:ext uri="{BB962C8B-B14F-4D97-AF65-F5344CB8AC3E}">
+        <p14:creationId xmlns:p14="http://schemas.microsoft.com/office/powerpoint/2010/main" val="4217437947"/>
+      </p:ext>
+    </p:extLst>
+  </p:cSld>
+  <p:clrMapOvr>
+    <a:masterClrMapping/>
+  </p:clrMapOvr>
+</p:sld>
+</file>
+
 <file path=ppt/slides/slide3.xml><?xml version="1.0" encoding="utf-8"?>
 <p:sld xmlns:a="http://schemas.openxmlformats.org/drawingml/2006/main" xmlns:r="http://schemas.openxmlformats.org/officeDocument/2006/relationships" xmlns:p="http://schemas.openxmlformats.org/presentationml/2006/main">
   <p:cSld>
@@ -4946,9 +5990,1034 @@
           <a:chExt cx="0" cy="0"/>
         </a:xfrm>
       </p:grpSpPr>
-      <p:sp>
-        <p:nvSpPr>
-          <p:cNvPr id="2" name="Title 1"/>
+      <p:grpSp>
+        <p:nvGrpSpPr>
+          <p:cNvPr id="35" name="Group 34"/>
+          <p:cNvGrpSpPr/>
+          <p:nvPr/>
+        </p:nvGrpSpPr>
+        <p:grpSpPr>
+          <a:xfrm>
+            <a:off x="1461129" y="1146627"/>
+            <a:ext cx="6418040" cy="4765796"/>
+            <a:chOff x="682770" y="81927"/>
+            <a:chExt cx="7851858" cy="5830496"/>
+          </a:xfrm>
+        </p:grpSpPr>
+        <p:sp>
+          <p:nvSpPr>
+            <p:cNvPr id="3" name="Rounded Rectangle 2"/>
+            <p:cNvSpPr/>
+            <p:nvPr/>
+          </p:nvSpPr>
+          <p:spPr>
+            <a:xfrm>
+              <a:off x="682770" y="5270658"/>
+              <a:ext cx="7851858" cy="641765"/>
+            </a:xfrm>
+            <a:prstGeom prst="roundRect">
+              <a:avLst/>
+            </a:prstGeom>
+          </p:spPr>
+          <p:style>
+            <a:lnRef idx="1">
+              <a:schemeClr val="accent6"/>
+            </a:lnRef>
+            <a:fillRef idx="3">
+              <a:schemeClr val="accent6"/>
+            </a:fillRef>
+            <a:effectRef idx="2">
+              <a:schemeClr val="accent6"/>
+            </a:effectRef>
+            <a:fontRef idx="minor">
+              <a:schemeClr val="lt1"/>
+            </a:fontRef>
+          </p:style>
+          <p:txBody>
+            <a:bodyPr rtlCol="0" anchor="ctr"/>
+            <a:lstStyle/>
+            <a:p>
+              <a:pPr algn="ctr"/>
+              <a:r>
+                <a:rPr lang="en-US" dirty="0" smtClean="0"/>
+                <a:t>The World</a:t>
+              </a:r>
+              <a:endParaRPr lang="en-US" dirty="0"/>
+            </a:p>
+          </p:txBody>
+        </p:sp>
+        <p:sp>
+          <p:nvSpPr>
+            <p:cNvPr id="6" name="Up Arrow 5"/>
+            <p:cNvSpPr/>
+            <p:nvPr/>
+          </p:nvSpPr>
+          <p:spPr>
+            <a:xfrm>
+              <a:off x="2926637" y="2935730"/>
+              <a:ext cx="751047" cy="2157420"/>
+            </a:xfrm>
+            <a:prstGeom prst="upArrow">
+              <a:avLst/>
+            </a:prstGeom>
+          </p:spPr>
+          <p:style>
+            <a:lnRef idx="1">
+              <a:schemeClr val="accent1"/>
+            </a:lnRef>
+            <a:fillRef idx="3">
+              <a:schemeClr val="accent1"/>
+            </a:fillRef>
+            <a:effectRef idx="2">
+              <a:schemeClr val="accent1"/>
+            </a:effectRef>
+            <a:fontRef idx="minor">
+              <a:schemeClr val="lt1"/>
+            </a:fontRef>
+          </p:style>
+          <p:txBody>
+            <a:bodyPr rtlCol="0" anchor="ctr"/>
+            <a:lstStyle/>
+            <a:p>
+              <a:pPr algn="ctr"/>
+              <a:endParaRPr lang="en-US"/>
+            </a:p>
+          </p:txBody>
+        </p:sp>
+        <p:sp>
+          <p:nvSpPr>
+            <p:cNvPr id="7" name="Up Arrow 6"/>
+            <p:cNvSpPr/>
+            <p:nvPr/>
+          </p:nvSpPr>
+          <p:spPr>
+            <a:xfrm>
+              <a:off x="3939327" y="4260221"/>
+              <a:ext cx="751047" cy="832928"/>
+            </a:xfrm>
+            <a:prstGeom prst="upArrow">
+              <a:avLst/>
+            </a:prstGeom>
+          </p:spPr>
+          <p:style>
+            <a:lnRef idx="1">
+              <a:schemeClr val="accent1"/>
+            </a:lnRef>
+            <a:fillRef idx="3">
+              <a:schemeClr val="accent1"/>
+            </a:fillRef>
+            <a:effectRef idx="2">
+              <a:schemeClr val="accent1"/>
+            </a:effectRef>
+            <a:fontRef idx="minor">
+              <a:schemeClr val="lt1"/>
+            </a:fontRef>
+          </p:style>
+          <p:txBody>
+            <a:bodyPr rtlCol="0" anchor="ctr"/>
+            <a:lstStyle/>
+            <a:p>
+              <a:pPr algn="ctr"/>
+              <a:endParaRPr lang="en-US"/>
+            </a:p>
+          </p:txBody>
+        </p:sp>
+        <p:sp>
+          <p:nvSpPr>
+            <p:cNvPr id="8" name="Up Arrow 7"/>
+            <p:cNvSpPr/>
+            <p:nvPr/>
+          </p:nvSpPr>
+          <p:spPr>
+            <a:xfrm>
+              <a:off x="4952017" y="4260221"/>
+              <a:ext cx="751047" cy="832928"/>
+            </a:xfrm>
+            <a:prstGeom prst="upArrow">
+              <a:avLst/>
+            </a:prstGeom>
+          </p:spPr>
+          <p:style>
+            <a:lnRef idx="1">
+              <a:schemeClr val="accent1"/>
+            </a:lnRef>
+            <a:fillRef idx="3">
+              <a:schemeClr val="accent1"/>
+            </a:fillRef>
+            <a:effectRef idx="2">
+              <a:schemeClr val="accent1"/>
+            </a:effectRef>
+            <a:fontRef idx="minor">
+              <a:schemeClr val="lt1"/>
+            </a:fontRef>
+          </p:style>
+          <p:txBody>
+            <a:bodyPr rtlCol="0" anchor="ctr"/>
+            <a:lstStyle/>
+            <a:p>
+              <a:pPr algn="ctr"/>
+              <a:endParaRPr lang="en-US"/>
+            </a:p>
+          </p:txBody>
+        </p:sp>
+        <p:sp>
+          <p:nvSpPr>
+            <p:cNvPr id="9" name="Up Arrow 8"/>
+            <p:cNvSpPr/>
+            <p:nvPr/>
+          </p:nvSpPr>
+          <p:spPr>
+            <a:xfrm>
+              <a:off x="6071759" y="4260221"/>
+              <a:ext cx="751047" cy="832928"/>
+            </a:xfrm>
+            <a:prstGeom prst="upArrow">
+              <a:avLst/>
+            </a:prstGeom>
+          </p:spPr>
+          <p:style>
+            <a:lnRef idx="1">
+              <a:schemeClr val="accent1"/>
+            </a:lnRef>
+            <a:fillRef idx="3">
+              <a:schemeClr val="accent1"/>
+            </a:fillRef>
+            <a:effectRef idx="2">
+              <a:schemeClr val="accent1"/>
+            </a:effectRef>
+            <a:fontRef idx="minor">
+              <a:schemeClr val="lt1"/>
+            </a:fontRef>
+          </p:style>
+          <p:txBody>
+            <a:bodyPr rtlCol="0" anchor="ctr"/>
+            <a:lstStyle/>
+            <a:p>
+              <a:pPr algn="ctr"/>
+              <a:endParaRPr lang="en-US"/>
+            </a:p>
+          </p:txBody>
+        </p:sp>
+        <p:sp>
+          <p:nvSpPr>
+            <p:cNvPr id="10" name="Up Arrow 9"/>
+            <p:cNvSpPr/>
+            <p:nvPr/>
+          </p:nvSpPr>
+          <p:spPr>
+            <a:xfrm>
+              <a:off x="7191501" y="4260221"/>
+              <a:ext cx="751047" cy="832928"/>
+            </a:xfrm>
+            <a:prstGeom prst="upArrow">
+              <a:avLst/>
+            </a:prstGeom>
+          </p:spPr>
+          <p:style>
+            <a:lnRef idx="1">
+              <a:schemeClr val="accent1"/>
+            </a:lnRef>
+            <a:fillRef idx="3">
+              <a:schemeClr val="accent1"/>
+            </a:fillRef>
+            <a:effectRef idx="2">
+              <a:schemeClr val="accent1"/>
+            </a:effectRef>
+            <a:fontRef idx="minor">
+              <a:schemeClr val="lt1"/>
+            </a:fontRef>
+          </p:style>
+          <p:txBody>
+            <a:bodyPr rtlCol="0" anchor="ctr"/>
+            <a:lstStyle/>
+            <a:p>
+              <a:pPr algn="ctr"/>
+              <a:endParaRPr lang="en-US"/>
+            </a:p>
+          </p:txBody>
+        </p:sp>
+        <p:sp>
+          <p:nvSpPr>
+            <p:cNvPr id="11" name="TextBox 10"/>
+            <p:cNvSpPr txBox="1"/>
+            <p:nvPr/>
+          </p:nvSpPr>
+          <p:spPr>
+            <a:xfrm>
+              <a:off x="682770" y="4446818"/>
+              <a:ext cx="1856398" cy="646331"/>
+            </a:xfrm>
+            <a:prstGeom prst="rect">
+              <a:avLst/>
+            </a:prstGeom>
+            <a:noFill/>
+          </p:spPr>
+          <p:txBody>
+            <a:bodyPr wrap="none" rtlCol="0">
+              <a:spAutoFit/>
+            </a:bodyPr>
+            <a:lstStyle/>
+            <a:p>
+              <a:r>
+                <a:rPr lang="en-US" dirty="0" smtClean="0"/>
+                <a:t>Data collection </a:t>
+              </a:r>
+              <a:br>
+                <a:rPr lang="en-US" dirty="0" smtClean="0"/>
+              </a:br>
+              <a:r>
+                <a:rPr lang="en-US" dirty="0" smtClean="0"/>
+                <a:t>models, </a:t>
+              </a:r>
+              <a:r>
+                <a:rPr lang="en-US" dirty="0" err="1" smtClean="0"/>
+                <a:t>queueing</a:t>
+              </a:r>
+              <a:endParaRPr lang="en-US" dirty="0"/>
+            </a:p>
+          </p:txBody>
+        </p:sp>
+        <p:sp>
+          <p:nvSpPr>
+            <p:cNvPr id="12" name="Rounded Rectangle 11"/>
+            <p:cNvSpPr/>
+            <p:nvPr/>
+          </p:nvSpPr>
+          <p:spPr>
+            <a:xfrm>
+              <a:off x="3939327" y="3741348"/>
+              <a:ext cx="4281228" cy="341364"/>
+            </a:xfrm>
+            <a:prstGeom prst="roundRect">
+              <a:avLst/>
+            </a:prstGeom>
+          </p:spPr>
+          <p:style>
+            <a:lnRef idx="1">
+              <a:schemeClr val="accent2"/>
+            </a:lnRef>
+            <a:fillRef idx="3">
+              <a:schemeClr val="accent2"/>
+            </a:fillRef>
+            <a:effectRef idx="2">
+              <a:schemeClr val="accent2"/>
+            </a:effectRef>
+            <a:fontRef idx="minor">
+              <a:schemeClr val="lt1"/>
+            </a:fontRef>
+          </p:style>
+          <p:txBody>
+            <a:bodyPr rtlCol="0" anchor="ctr"/>
+            <a:lstStyle/>
+            <a:p>
+              <a:pPr algn="ctr"/>
+              <a:r>
+                <a:rPr lang="en-US" dirty="0" smtClean="0"/>
+                <a:t>Storage</a:t>
+              </a:r>
+              <a:endParaRPr lang="en-US" dirty="0"/>
+            </a:p>
+          </p:txBody>
+        </p:sp>
+        <p:sp>
+          <p:nvSpPr>
+            <p:cNvPr id="13" name="Up Arrow 12"/>
+            <p:cNvSpPr/>
+            <p:nvPr/>
+          </p:nvSpPr>
+          <p:spPr>
+            <a:xfrm>
+              <a:off x="3832275" y="2935729"/>
+              <a:ext cx="751047" cy="643964"/>
+            </a:xfrm>
+            <a:prstGeom prst="upArrow">
+              <a:avLst/>
+            </a:prstGeom>
+          </p:spPr>
+          <p:style>
+            <a:lnRef idx="1">
+              <a:schemeClr val="accent1"/>
+            </a:lnRef>
+            <a:fillRef idx="3">
+              <a:schemeClr val="accent1"/>
+            </a:fillRef>
+            <a:effectRef idx="2">
+              <a:schemeClr val="accent1"/>
+            </a:effectRef>
+            <a:fontRef idx="minor">
+              <a:schemeClr val="lt1"/>
+            </a:fontRef>
+          </p:style>
+          <p:txBody>
+            <a:bodyPr rtlCol="0" anchor="ctr"/>
+            <a:lstStyle/>
+            <a:p>
+              <a:pPr algn="ctr"/>
+              <a:endParaRPr lang="en-US"/>
+            </a:p>
+          </p:txBody>
+        </p:sp>
+        <p:sp>
+          <p:nvSpPr>
+            <p:cNvPr id="14" name="Up Arrow 13"/>
+            <p:cNvSpPr/>
+            <p:nvPr/>
+          </p:nvSpPr>
+          <p:spPr>
+            <a:xfrm>
+              <a:off x="4952017" y="2935729"/>
+              <a:ext cx="751047" cy="643964"/>
+            </a:xfrm>
+            <a:prstGeom prst="upArrow">
+              <a:avLst/>
+            </a:prstGeom>
+          </p:spPr>
+          <p:style>
+            <a:lnRef idx="1">
+              <a:schemeClr val="accent1"/>
+            </a:lnRef>
+            <a:fillRef idx="3">
+              <a:schemeClr val="accent1"/>
+            </a:fillRef>
+            <a:effectRef idx="2">
+              <a:schemeClr val="accent1"/>
+            </a:effectRef>
+            <a:fontRef idx="minor">
+              <a:schemeClr val="lt1"/>
+            </a:fontRef>
+          </p:style>
+          <p:txBody>
+            <a:bodyPr rtlCol="0" anchor="ctr"/>
+            <a:lstStyle/>
+            <a:p>
+              <a:pPr algn="ctr"/>
+              <a:endParaRPr lang="en-US"/>
+            </a:p>
+          </p:txBody>
+        </p:sp>
+        <p:sp>
+          <p:nvSpPr>
+            <p:cNvPr id="15" name="Up Arrow 14"/>
+            <p:cNvSpPr/>
+            <p:nvPr/>
+          </p:nvSpPr>
+          <p:spPr>
+            <a:xfrm>
+              <a:off x="6071759" y="2935729"/>
+              <a:ext cx="751047" cy="643964"/>
+            </a:xfrm>
+            <a:prstGeom prst="upArrow">
+              <a:avLst/>
+            </a:prstGeom>
+          </p:spPr>
+          <p:style>
+            <a:lnRef idx="1">
+              <a:schemeClr val="accent1"/>
+            </a:lnRef>
+            <a:fillRef idx="3">
+              <a:schemeClr val="accent1"/>
+            </a:fillRef>
+            <a:effectRef idx="2">
+              <a:schemeClr val="accent1"/>
+            </a:effectRef>
+            <a:fontRef idx="minor">
+              <a:schemeClr val="lt1"/>
+            </a:fontRef>
+          </p:style>
+          <p:txBody>
+            <a:bodyPr rtlCol="0" anchor="ctr"/>
+            <a:lstStyle/>
+            <a:p>
+              <a:pPr algn="ctr"/>
+              <a:endParaRPr lang="en-US"/>
+            </a:p>
+          </p:txBody>
+        </p:sp>
+        <p:sp>
+          <p:nvSpPr>
+            <p:cNvPr id="16" name="Up Arrow 15"/>
+            <p:cNvSpPr/>
+            <p:nvPr/>
+          </p:nvSpPr>
+          <p:spPr>
+            <a:xfrm>
+              <a:off x="7191501" y="2935729"/>
+              <a:ext cx="751047" cy="643964"/>
+            </a:xfrm>
+            <a:prstGeom prst="upArrow">
+              <a:avLst/>
+            </a:prstGeom>
+          </p:spPr>
+          <p:style>
+            <a:lnRef idx="1">
+              <a:schemeClr val="accent1"/>
+            </a:lnRef>
+            <a:fillRef idx="3">
+              <a:schemeClr val="accent1"/>
+            </a:fillRef>
+            <a:effectRef idx="2">
+              <a:schemeClr val="accent1"/>
+            </a:effectRef>
+            <a:fontRef idx="minor">
+              <a:schemeClr val="lt1"/>
+            </a:fontRef>
+          </p:style>
+          <p:txBody>
+            <a:bodyPr rtlCol="0" anchor="ctr"/>
+            <a:lstStyle/>
+            <a:p>
+              <a:pPr algn="ctr"/>
+              <a:endParaRPr lang="en-US"/>
+            </a:p>
+          </p:txBody>
+        </p:sp>
+        <p:sp>
+          <p:nvSpPr>
+            <p:cNvPr id="18" name="Rounded Rectangle 17"/>
+            <p:cNvSpPr/>
+            <p:nvPr/>
+          </p:nvSpPr>
+          <p:spPr>
+            <a:xfrm>
+              <a:off x="2539168" y="2375892"/>
+              <a:ext cx="1138515" cy="395983"/>
+            </a:xfrm>
+            <a:prstGeom prst="roundRect">
+              <a:avLst/>
+            </a:prstGeom>
+          </p:spPr>
+          <p:style>
+            <a:lnRef idx="1">
+              <a:schemeClr val="accent1"/>
+            </a:lnRef>
+            <a:fillRef idx="3">
+              <a:schemeClr val="accent1"/>
+            </a:fillRef>
+            <a:effectRef idx="2">
+              <a:schemeClr val="accent1"/>
+            </a:effectRef>
+            <a:fontRef idx="minor">
+              <a:schemeClr val="lt1"/>
+            </a:fontRef>
+          </p:style>
+          <p:txBody>
+            <a:bodyPr rtlCol="0" anchor="ctr"/>
+            <a:lstStyle/>
+            <a:p>
+              <a:pPr algn="ctr"/>
+              <a:r>
+                <a:rPr lang="en-US" dirty="0" err="1" smtClean="0"/>
+                <a:t>Realtime</a:t>
+              </a:r>
+              <a:endParaRPr lang="en-US" dirty="0"/>
+            </a:p>
+          </p:txBody>
+        </p:sp>
+        <p:sp>
+          <p:nvSpPr>
+            <p:cNvPr id="19" name="TextBox 18"/>
+            <p:cNvSpPr txBox="1"/>
+            <p:nvPr/>
+          </p:nvSpPr>
+          <p:spPr>
+            <a:xfrm>
+              <a:off x="682770" y="3741348"/>
+              <a:ext cx="1327444" cy="369332"/>
+            </a:xfrm>
+            <a:prstGeom prst="rect">
+              <a:avLst/>
+            </a:prstGeom>
+            <a:noFill/>
+          </p:spPr>
+          <p:txBody>
+            <a:bodyPr wrap="none" rtlCol="0">
+              <a:spAutoFit/>
+            </a:bodyPr>
+            <a:lstStyle/>
+            <a:p>
+              <a:r>
+                <a:rPr lang="en-US" dirty="0" smtClean="0"/>
+                <a:t>Master data</a:t>
+              </a:r>
+              <a:endParaRPr lang="en-US" dirty="0"/>
+            </a:p>
+          </p:txBody>
+        </p:sp>
+        <p:sp>
+          <p:nvSpPr>
+            <p:cNvPr id="20" name="Up Arrow 19"/>
+            <p:cNvSpPr/>
+            <p:nvPr/>
+          </p:nvSpPr>
+          <p:spPr>
+            <a:xfrm>
+              <a:off x="2926636" y="1597584"/>
+              <a:ext cx="751047" cy="643964"/>
+            </a:xfrm>
+            <a:prstGeom prst="upArrow">
+              <a:avLst/>
+            </a:prstGeom>
+          </p:spPr>
+          <p:style>
+            <a:lnRef idx="1">
+              <a:schemeClr val="accent1"/>
+            </a:lnRef>
+            <a:fillRef idx="3">
+              <a:schemeClr val="accent1"/>
+            </a:fillRef>
+            <a:effectRef idx="2">
+              <a:schemeClr val="accent1"/>
+            </a:effectRef>
+            <a:fontRef idx="minor">
+              <a:schemeClr val="lt1"/>
+            </a:fontRef>
+          </p:style>
+          <p:txBody>
+            <a:bodyPr rtlCol="0" anchor="ctr"/>
+            <a:lstStyle/>
+            <a:p>
+              <a:pPr algn="ctr"/>
+              <a:endParaRPr lang="en-US"/>
+            </a:p>
+          </p:txBody>
+        </p:sp>
+        <p:sp>
+          <p:nvSpPr>
+            <p:cNvPr id="22" name="Up Arrow 21"/>
+            <p:cNvSpPr/>
+            <p:nvPr/>
+          </p:nvSpPr>
+          <p:spPr>
+            <a:xfrm>
+              <a:off x="4952017" y="1597584"/>
+              <a:ext cx="751047" cy="643964"/>
+            </a:xfrm>
+            <a:prstGeom prst="upArrow">
+              <a:avLst/>
+            </a:prstGeom>
+          </p:spPr>
+          <p:style>
+            <a:lnRef idx="1">
+              <a:schemeClr val="accent1"/>
+            </a:lnRef>
+            <a:fillRef idx="3">
+              <a:schemeClr val="accent1"/>
+            </a:fillRef>
+            <a:effectRef idx="2">
+              <a:schemeClr val="accent1"/>
+            </a:effectRef>
+            <a:fontRef idx="minor">
+              <a:schemeClr val="lt1"/>
+            </a:fontRef>
+          </p:style>
+          <p:txBody>
+            <a:bodyPr rtlCol="0" anchor="ctr"/>
+            <a:lstStyle/>
+            <a:p>
+              <a:pPr algn="ctr"/>
+              <a:endParaRPr lang="en-US"/>
+            </a:p>
+          </p:txBody>
+        </p:sp>
+        <p:sp>
+          <p:nvSpPr>
+            <p:cNvPr id="24" name="Up Arrow 23"/>
+            <p:cNvSpPr/>
+            <p:nvPr/>
+          </p:nvSpPr>
+          <p:spPr>
+            <a:xfrm>
+              <a:off x="6071759" y="1597584"/>
+              <a:ext cx="751047" cy="643964"/>
+            </a:xfrm>
+            <a:prstGeom prst="upArrow">
+              <a:avLst/>
+            </a:prstGeom>
+          </p:spPr>
+          <p:style>
+            <a:lnRef idx="1">
+              <a:schemeClr val="accent1"/>
+            </a:lnRef>
+            <a:fillRef idx="3">
+              <a:schemeClr val="accent1"/>
+            </a:fillRef>
+            <a:effectRef idx="2">
+              <a:schemeClr val="accent1"/>
+            </a:effectRef>
+            <a:fontRef idx="minor">
+              <a:schemeClr val="lt1"/>
+            </a:fontRef>
+          </p:style>
+          <p:txBody>
+            <a:bodyPr rtlCol="0" anchor="ctr"/>
+            <a:lstStyle/>
+            <a:p>
+              <a:pPr algn="ctr"/>
+              <a:endParaRPr lang="en-US"/>
+            </a:p>
+          </p:txBody>
+        </p:sp>
+        <p:sp>
+          <p:nvSpPr>
+            <p:cNvPr id="26" name="Rounded Rectangle 25"/>
+            <p:cNvSpPr/>
+            <p:nvPr/>
+          </p:nvSpPr>
+          <p:spPr>
+            <a:xfrm>
+              <a:off x="2539168" y="996782"/>
+              <a:ext cx="5681387" cy="505219"/>
+            </a:xfrm>
+            <a:prstGeom prst="roundRect">
+              <a:avLst/>
+            </a:prstGeom>
+          </p:spPr>
+          <p:style>
+            <a:lnRef idx="1">
+              <a:schemeClr val="accent5"/>
+            </a:lnRef>
+            <a:fillRef idx="3">
+              <a:schemeClr val="accent5"/>
+            </a:fillRef>
+            <a:effectRef idx="2">
+              <a:schemeClr val="accent5"/>
+            </a:effectRef>
+            <a:fontRef idx="minor">
+              <a:schemeClr val="lt1"/>
+            </a:fontRef>
+          </p:style>
+          <p:txBody>
+            <a:bodyPr rtlCol="0" anchor="ctr"/>
+            <a:lstStyle/>
+            <a:p>
+              <a:pPr algn="ctr"/>
+              <a:r>
+                <a:rPr lang="en-US" dirty="0" err="1" smtClean="0"/>
+                <a:t>Visualisation</a:t>
+              </a:r>
+              <a:r>
+                <a:rPr lang="en-US" dirty="0" smtClean="0"/>
+                <a:t> Store</a:t>
+              </a:r>
+              <a:endParaRPr lang="en-US" dirty="0"/>
+            </a:p>
+          </p:txBody>
+        </p:sp>
+        <p:sp>
+          <p:nvSpPr>
+            <p:cNvPr id="27" name="Rounded Rectangle 26"/>
+            <p:cNvSpPr/>
+            <p:nvPr/>
+          </p:nvSpPr>
+          <p:spPr>
+            <a:xfrm>
+              <a:off x="2534274" y="81927"/>
+              <a:ext cx="5681387" cy="505219"/>
+            </a:xfrm>
+            <a:prstGeom prst="roundRect">
+              <a:avLst/>
+            </a:prstGeom>
+          </p:spPr>
+          <p:style>
+            <a:lnRef idx="1">
+              <a:schemeClr val="accent4"/>
+            </a:lnRef>
+            <a:fillRef idx="3">
+              <a:schemeClr val="accent4"/>
+            </a:fillRef>
+            <a:effectRef idx="2">
+              <a:schemeClr val="accent4"/>
+            </a:effectRef>
+            <a:fontRef idx="minor">
+              <a:schemeClr val="lt1"/>
+            </a:fontRef>
+          </p:style>
+          <p:txBody>
+            <a:bodyPr rtlCol="0" anchor="ctr"/>
+            <a:lstStyle/>
+            <a:p>
+              <a:pPr algn="ctr"/>
+              <a:r>
+                <a:rPr lang="en-US" dirty="0" err="1" smtClean="0"/>
+                <a:t>Visualisation</a:t>
+              </a:r>
+              <a:r>
+                <a:rPr lang="en-US" dirty="0" smtClean="0"/>
+                <a:t> System</a:t>
+              </a:r>
+              <a:endParaRPr lang="en-US" dirty="0"/>
+            </a:p>
+          </p:txBody>
+        </p:sp>
+        <p:pic>
+          <p:nvPicPr>
+            <p:cNvPr id="28" name="Picture 27"/>
+            <p:cNvPicPr>
+              <a:picLocks noChangeAspect="1"/>
+            </p:cNvPicPr>
+            <p:nvPr/>
+          </p:nvPicPr>
+          <p:blipFill>
+            <a:blip r:embed="rId2"/>
+            <a:stretch>
+              <a:fillRect/>
+            </a:stretch>
+          </p:blipFill>
+          <p:spPr>
+            <a:xfrm>
+              <a:off x="4151558" y="2324012"/>
+              <a:ext cx="3731473" cy="611717"/>
+            </a:xfrm>
+            <a:prstGeom prst="rect">
+              <a:avLst/>
+            </a:prstGeom>
+          </p:spPr>
+        </p:pic>
+        <p:sp>
+          <p:nvSpPr>
+            <p:cNvPr id="29" name="Up Arrow 28"/>
+            <p:cNvSpPr/>
+            <p:nvPr/>
+          </p:nvSpPr>
+          <p:spPr>
+            <a:xfrm>
+              <a:off x="3045157" y="587146"/>
+              <a:ext cx="336489" cy="273091"/>
+            </a:xfrm>
+            <a:prstGeom prst="upArrow">
+              <a:avLst/>
+            </a:prstGeom>
+          </p:spPr>
+          <p:style>
+            <a:lnRef idx="1">
+              <a:schemeClr val="accent1"/>
+            </a:lnRef>
+            <a:fillRef idx="3">
+              <a:schemeClr val="accent1"/>
+            </a:fillRef>
+            <a:effectRef idx="2">
+              <a:schemeClr val="accent1"/>
+            </a:effectRef>
+            <a:fontRef idx="minor">
+              <a:schemeClr val="lt1"/>
+            </a:fontRef>
+          </p:style>
+          <p:txBody>
+            <a:bodyPr rtlCol="0" anchor="ctr"/>
+            <a:lstStyle/>
+            <a:p>
+              <a:pPr algn="ctr"/>
+              <a:endParaRPr lang="en-US"/>
+            </a:p>
+          </p:txBody>
+        </p:sp>
+        <p:sp>
+          <p:nvSpPr>
+            <p:cNvPr id="30" name="Up Arrow 29"/>
+            <p:cNvSpPr/>
+            <p:nvPr/>
+          </p:nvSpPr>
+          <p:spPr>
+            <a:xfrm>
+              <a:off x="4522129" y="587146"/>
+              <a:ext cx="336489" cy="273091"/>
+            </a:xfrm>
+            <a:prstGeom prst="upArrow">
+              <a:avLst/>
+            </a:prstGeom>
+          </p:spPr>
+          <p:style>
+            <a:lnRef idx="1">
+              <a:schemeClr val="accent1"/>
+            </a:lnRef>
+            <a:fillRef idx="3">
+              <a:schemeClr val="accent1"/>
+            </a:fillRef>
+            <a:effectRef idx="2">
+              <a:schemeClr val="accent1"/>
+            </a:effectRef>
+            <a:fontRef idx="minor">
+              <a:schemeClr val="lt1"/>
+            </a:fontRef>
+          </p:style>
+          <p:txBody>
+            <a:bodyPr rtlCol="0" anchor="ctr"/>
+            <a:lstStyle/>
+            <a:p>
+              <a:pPr algn="ctr"/>
+              <a:endParaRPr lang="en-US"/>
+            </a:p>
+          </p:txBody>
+        </p:sp>
+        <p:sp>
+          <p:nvSpPr>
+            <p:cNvPr id="31" name="Up Arrow 30"/>
+            <p:cNvSpPr/>
+            <p:nvPr/>
+          </p:nvSpPr>
+          <p:spPr>
+            <a:xfrm>
+              <a:off x="5999101" y="587146"/>
+              <a:ext cx="336489" cy="273091"/>
+            </a:xfrm>
+            <a:prstGeom prst="upArrow">
+              <a:avLst/>
+            </a:prstGeom>
+          </p:spPr>
+          <p:style>
+            <a:lnRef idx="1">
+              <a:schemeClr val="accent1"/>
+            </a:lnRef>
+            <a:fillRef idx="3">
+              <a:schemeClr val="accent1"/>
+            </a:fillRef>
+            <a:effectRef idx="2">
+              <a:schemeClr val="accent1"/>
+            </a:effectRef>
+            <a:fontRef idx="minor">
+              <a:schemeClr val="lt1"/>
+            </a:fontRef>
+          </p:style>
+          <p:txBody>
+            <a:bodyPr rtlCol="0" anchor="ctr"/>
+            <a:lstStyle/>
+            <a:p>
+              <a:pPr algn="ctr"/>
+              <a:endParaRPr lang="en-US"/>
+            </a:p>
+          </p:txBody>
+        </p:sp>
+        <p:sp>
+          <p:nvSpPr>
+            <p:cNvPr id="32" name="Up Arrow 31"/>
+            <p:cNvSpPr/>
+            <p:nvPr/>
+          </p:nvSpPr>
+          <p:spPr>
+            <a:xfrm>
+              <a:off x="7476073" y="587146"/>
+              <a:ext cx="336489" cy="273091"/>
+            </a:xfrm>
+            <a:prstGeom prst="upArrow">
+              <a:avLst/>
+            </a:prstGeom>
+          </p:spPr>
+          <p:style>
+            <a:lnRef idx="1">
+              <a:schemeClr val="accent1"/>
+            </a:lnRef>
+            <a:fillRef idx="3">
+              <a:schemeClr val="accent1"/>
+            </a:fillRef>
+            <a:effectRef idx="2">
+              <a:schemeClr val="accent1"/>
+            </a:effectRef>
+            <a:fontRef idx="minor">
+              <a:schemeClr val="lt1"/>
+            </a:fontRef>
+          </p:style>
+          <p:txBody>
+            <a:bodyPr rtlCol="0" anchor="ctr"/>
+            <a:lstStyle/>
+            <a:p>
+              <a:pPr algn="ctr"/>
+              <a:endParaRPr lang="en-US"/>
+            </a:p>
+          </p:txBody>
+        </p:sp>
+        <p:sp>
+          <p:nvSpPr>
+            <p:cNvPr id="33" name="TextBox 32"/>
+            <p:cNvSpPr txBox="1"/>
+            <p:nvPr/>
+          </p:nvSpPr>
+          <p:spPr>
+            <a:xfrm>
+              <a:off x="682770" y="2241548"/>
+              <a:ext cx="1675496" cy="923330"/>
+            </a:xfrm>
+            <a:prstGeom prst="rect">
+              <a:avLst/>
+            </a:prstGeom>
+            <a:noFill/>
+          </p:spPr>
+          <p:txBody>
+            <a:bodyPr wrap="none" rtlCol="0">
+              <a:spAutoFit/>
+            </a:bodyPr>
+            <a:lstStyle/>
+            <a:p>
+              <a:r>
+                <a:rPr lang="en-US" dirty="0" smtClean="0"/>
+                <a:t>DAG pipeline</a:t>
+              </a:r>
+              <a:br>
+                <a:rPr lang="en-US" dirty="0" smtClean="0"/>
+              </a:br>
+              <a:r>
+                <a:rPr lang="en-US" dirty="0" smtClean="0"/>
+                <a:t>Map-Reduce</a:t>
+              </a:r>
+              <a:br>
+                <a:rPr lang="en-US" dirty="0" smtClean="0"/>
+              </a:br>
+              <a:r>
+                <a:rPr lang="en-US" dirty="0" smtClean="0"/>
+                <a:t>Micro-batch </a:t>
+              </a:r>
+              <a:r>
+                <a:rPr lang="en-US" dirty="0" err="1" smtClean="0"/>
+                <a:t>etc</a:t>
+              </a:r>
+              <a:endParaRPr lang="en-US" dirty="0"/>
+            </a:p>
+          </p:txBody>
+        </p:sp>
+        <p:sp>
+          <p:nvSpPr>
+            <p:cNvPr id="34" name="TextBox 33"/>
+            <p:cNvSpPr txBox="1"/>
+            <p:nvPr/>
+          </p:nvSpPr>
+          <p:spPr>
+            <a:xfrm>
+              <a:off x="682770" y="914857"/>
+              <a:ext cx="1451990" cy="646331"/>
+            </a:xfrm>
+            <a:prstGeom prst="rect">
+              <a:avLst/>
+            </a:prstGeom>
+            <a:noFill/>
+          </p:spPr>
+          <p:txBody>
+            <a:bodyPr wrap="none" rtlCol="0">
+              <a:spAutoFit/>
+            </a:bodyPr>
+            <a:lstStyle/>
+            <a:p>
+              <a:r>
+                <a:rPr lang="en-US" dirty="0" err="1" smtClean="0"/>
+                <a:t>NoSQL</a:t>
+              </a:r>
+              <a:r>
+                <a:rPr lang="en-US" dirty="0" smtClean="0"/>
+                <a:t> or</a:t>
+              </a:r>
+              <a:br>
+                <a:rPr lang="en-US" dirty="0" smtClean="0"/>
+              </a:br>
+              <a:r>
+                <a:rPr lang="en-US" dirty="0" smtClean="0"/>
+                <a:t>SQL database</a:t>
+              </a:r>
+              <a:endParaRPr lang="en-US" dirty="0"/>
+            </a:p>
+          </p:txBody>
+        </p:sp>
+      </p:grpSp>
+      <p:sp>
+        <p:nvSpPr>
+          <p:cNvPr id="36" name="Title 35"/>
           <p:cNvSpPr>
             <a:spLocks noGrp="1"/>
           </p:cNvSpPr>
@@ -4958,118 +7027,26 @@
         </p:nvSpPr>
         <p:spPr/>
         <p:txBody>
-          <a:bodyPr/>
-          <a:lstStyle/>
-          <a:p>
-            <a:r>
-              <a:rPr lang="en-US" dirty="0" smtClean="0"/>
-              <a:t>The bigger picture (part 1)</a:t>
-            </a:r>
-            <a:endParaRPr lang="en-US" dirty="0"/>
-          </a:p>
-        </p:txBody>
-      </p:sp>
-      <p:sp>
-        <p:nvSpPr>
-          <p:cNvPr id="3" name="Content Placeholder 2"/>
-          <p:cNvSpPr>
-            <a:spLocks noGrp="1"/>
-          </p:cNvSpPr>
-          <p:nvPr>
-            <p:ph idx="1"/>
-          </p:nvPr>
-        </p:nvSpPr>
-        <p:spPr/>
-        <p:txBody>
           <a:bodyPr>
-            <a:normAutofit lnSpcReduction="10000"/>
+            <a:normAutofit fontScale="90000"/>
           </a:bodyPr>
           <a:lstStyle/>
           <a:p>
             <a:r>
-              <a:rPr lang="en-US" dirty="0" smtClean="0"/>
-              <a:t>You have </a:t>
-            </a:r>
-            <a:r>
-              <a:rPr lang="en-US" i="1" dirty="0" smtClean="0"/>
-              <a:t>immutable </a:t>
-            </a:r>
-            <a:r>
-              <a:rPr lang="en-US" dirty="0" smtClean="0"/>
-              <a:t>master data</a:t>
-            </a:r>
-          </a:p>
-          <a:p>
-            <a:r>
-              <a:rPr lang="en-US" dirty="0" smtClean="0"/>
-              <a:t>You create a set of processes to:</a:t>
-            </a:r>
-          </a:p>
-          <a:p>
-            <a:pPr lvl="1"/>
-            <a:r>
-              <a:rPr lang="en-US" dirty="0" smtClean="0"/>
-              <a:t>Collect data</a:t>
-            </a:r>
-          </a:p>
-          <a:p>
-            <a:pPr lvl="1"/>
-            <a:r>
-              <a:rPr lang="en-US" dirty="0" smtClean="0"/>
-              <a:t>Store master data</a:t>
-            </a:r>
-          </a:p>
-          <a:p>
-            <a:pPr lvl="1"/>
-            <a:r>
-              <a:rPr lang="en-US" dirty="0" smtClean="0"/>
-              <a:t>Process data </a:t>
-            </a:r>
-          </a:p>
-          <a:p>
-            <a:pPr lvl="1"/>
-            <a:r>
-              <a:rPr lang="en-US" dirty="0" smtClean="0"/>
-              <a:t>Join/link/</a:t>
-            </a:r>
-            <a:r>
-              <a:rPr lang="en-US" dirty="0" err="1" smtClean="0"/>
-              <a:t>analyse</a:t>
-            </a:r>
-            <a:endParaRPr lang="en-US" dirty="0" smtClean="0"/>
-          </a:p>
-          <a:p>
-            <a:pPr lvl="1"/>
-            <a:r>
-              <a:rPr lang="en-US" dirty="0" err="1" smtClean="0"/>
-              <a:t>Visualise</a:t>
-            </a:r>
-            <a:r>
-              <a:rPr lang="en-US" dirty="0" smtClean="0"/>
-              <a:t> and present</a:t>
-            </a:r>
-          </a:p>
-          <a:p>
-            <a:r>
-              <a:rPr lang="en-US" dirty="0" smtClean="0"/>
-              <a:t>Some of those processes act on batch and others on </a:t>
-            </a:r>
-            <a:r>
-              <a:rPr lang="en-US" dirty="0" err="1" smtClean="0"/>
-              <a:t>realtime</a:t>
-            </a:r>
-            <a:r>
-              <a:rPr lang="en-US" dirty="0" smtClean="0"/>
-              <a:t> data</a:t>
-            </a:r>
-            <a:endParaRPr lang="en-US" dirty="0"/>
+              <a:rPr lang="en-US" sz="3600" dirty="0" smtClean="0"/>
+              <a:t>The big picture</a:t>
+            </a:r>
+            <a:br>
+              <a:rPr lang="en-US" sz="3600" dirty="0" smtClean="0"/>
+            </a:br>
+            <a:endParaRPr lang="en-US" sz="3600" dirty="0"/>
           </a:p>
         </p:txBody>
       </p:sp>
     </p:spTree>
     <p:extLst>
       <p:ext uri="{BB962C8B-B14F-4D97-AF65-F5344CB8AC3E}">
-        <p14:creationId xmlns:p14="http://schemas.microsoft.com/office/powerpoint/2010/main" val="325389063"/>
+        <p14:creationId xmlns:p14="http://schemas.microsoft.com/office/powerpoint/2010/main" val="2286698909"/>
       </p:ext>
     </p:extLst>
   </p:cSld>
@@ -5113,7 +7090,105 @@
           <a:p>
             <a:r>
               <a:rPr lang="en-US" dirty="0" smtClean="0"/>
-              <a:t>Graphically</a:t>
+              <a:t>The </a:t>
+            </a:r>
+            <a:r>
+              <a:rPr lang="en-US" dirty="0" smtClean="0"/>
+              <a:t>big picture</a:t>
+            </a:r>
+            <a:endParaRPr lang="en-US" dirty="0"/>
+          </a:p>
+        </p:txBody>
+      </p:sp>
+      <p:sp>
+        <p:nvSpPr>
+          <p:cNvPr id="3" name="Content Placeholder 2"/>
+          <p:cNvSpPr>
+            <a:spLocks noGrp="1"/>
+          </p:cNvSpPr>
+          <p:nvPr>
+            <p:ph idx="1"/>
+          </p:nvPr>
+        </p:nvSpPr>
+        <p:spPr/>
+        <p:txBody>
+          <a:bodyPr>
+            <a:normAutofit/>
+          </a:bodyPr>
+          <a:lstStyle/>
+          <a:p>
+            <a:r>
+              <a:rPr lang="en-US" dirty="0" smtClean="0"/>
+              <a:t>You have </a:t>
+            </a:r>
+            <a:r>
+              <a:rPr lang="en-US" i="1" dirty="0" smtClean="0"/>
+              <a:t>immutable </a:t>
+            </a:r>
+            <a:r>
+              <a:rPr lang="en-US" dirty="0" smtClean="0"/>
+              <a:t>master data</a:t>
+            </a:r>
+          </a:p>
+          <a:p>
+            <a:r>
+              <a:rPr lang="en-US" dirty="0" smtClean="0"/>
+              <a:t>You create a set of processes to:</a:t>
+            </a:r>
+          </a:p>
+          <a:p>
+            <a:pPr lvl="1"/>
+            <a:r>
+              <a:rPr lang="en-US" dirty="0" smtClean="0"/>
+              <a:t>Collect </a:t>
+            </a:r>
+            <a:r>
+              <a:rPr lang="en-US" dirty="0" smtClean="0"/>
+              <a:t>that data</a:t>
+            </a:r>
+            <a:endParaRPr lang="en-US" dirty="0" smtClean="0"/>
+          </a:p>
+          <a:p>
+            <a:pPr lvl="1"/>
+            <a:r>
+              <a:rPr lang="en-US" dirty="0" smtClean="0"/>
+              <a:t>Store master data</a:t>
+            </a:r>
+          </a:p>
+          <a:p>
+            <a:pPr lvl="1"/>
+            <a:r>
+              <a:rPr lang="en-US" dirty="0" smtClean="0"/>
+              <a:t>Process data </a:t>
+            </a:r>
+          </a:p>
+          <a:p>
+            <a:pPr lvl="1"/>
+            <a:r>
+              <a:rPr lang="en-US" dirty="0" err="1" smtClean="0"/>
+              <a:t>Visualise</a:t>
+            </a:r>
+            <a:r>
+              <a:rPr lang="en-US" dirty="0" smtClean="0"/>
+              <a:t> </a:t>
+            </a:r>
+            <a:r>
+              <a:rPr lang="en-US" dirty="0" smtClean="0"/>
+              <a:t>and present</a:t>
+            </a:r>
+          </a:p>
+          <a:p>
+            <a:r>
+              <a:rPr lang="en-US" dirty="0" smtClean="0"/>
+              <a:t>Some of those processes act on batch and others on </a:t>
+            </a:r>
+            <a:r>
+              <a:rPr lang="en-US" dirty="0" smtClean="0"/>
+              <a:t>real-time </a:t>
+            </a:r>
+            <a:r>
+              <a:rPr lang="en-US" dirty="0" smtClean="0"/>
+              <a:t>data</a:t>
             </a:r>
             <a:endParaRPr lang="en-US" dirty="0"/>
           </a:p>
@@ -5122,7 +7197,7 @@
     </p:spTree>
     <p:extLst>
       <p:ext uri="{BB962C8B-B14F-4D97-AF65-F5344CB8AC3E}">
-        <p14:creationId xmlns:p14="http://schemas.microsoft.com/office/powerpoint/2010/main" val="2286698909"/>
+        <p14:creationId xmlns:p14="http://schemas.microsoft.com/office/powerpoint/2010/main" val="325389063"/>
       </p:ext>
     </p:extLst>
   </p:cSld>
@@ -5189,7 +7264,39 @@
           <a:bodyPr/>
           <a:lstStyle/>
           <a:p>
-            <a:endParaRPr lang="en-US"/>
+            <a:r>
+              <a:rPr lang="en-US" dirty="0" smtClean="0"/>
+              <a:t>Two main approaches:</a:t>
+            </a:r>
+          </a:p>
+          <a:p>
+            <a:pPr lvl="1"/>
+            <a:r>
+              <a:rPr lang="en-US" dirty="0" smtClean="0"/>
+              <a:t>Best of breed</a:t>
+            </a:r>
+          </a:p>
+          <a:p>
+            <a:pPr lvl="2"/>
+            <a:r>
+              <a:rPr lang="en-US" dirty="0" smtClean="0"/>
+              <a:t>Choose the best available component in each space</a:t>
+            </a:r>
+          </a:p>
+          <a:p>
+            <a:pPr lvl="1"/>
+            <a:r>
+              <a:rPr lang="en-US" dirty="0" smtClean="0"/>
+              <a:t>Stack</a:t>
+            </a:r>
+          </a:p>
+          <a:p>
+            <a:pPr lvl="2"/>
+            <a:r>
+              <a:rPr lang="en-US" dirty="0" smtClean="0"/>
+              <a:t>Choose a curated stack that a team or organization is providing/selling/supporting</a:t>
+            </a:r>
+            <a:endParaRPr lang="en-US" dirty="0"/>
           </a:p>
         </p:txBody>
       </p:sp>
@@ -5260,9 +7367,100 @@
         </p:nvSpPr>
         <p:spPr/>
         <p:txBody>
-          <a:bodyPr/>
+          <a:bodyPr>
+            <a:normAutofit lnSpcReduction="10000"/>
+          </a:bodyPr>
           <a:lstStyle/>
           <a:p>
+            <a:r>
+              <a:rPr lang="en-US" dirty="0" smtClean="0"/>
+              <a:t>Two ways of making the choice</a:t>
+            </a:r>
+          </a:p>
+          <a:p>
+            <a:pPr lvl="1"/>
+            <a:r>
+              <a:rPr lang="en-US" dirty="0" smtClean="0"/>
+              <a:t>The protocol</a:t>
+            </a:r>
+          </a:p>
+          <a:p>
+            <a:pPr lvl="1"/>
+            <a:r>
+              <a:rPr lang="en-US" dirty="0" smtClean="0"/>
+              <a:t>The middleware</a:t>
+            </a:r>
+          </a:p>
+          <a:p>
+            <a:r>
+              <a:rPr lang="en-US" dirty="0" smtClean="0"/>
+              <a:t>Protocols</a:t>
+            </a:r>
+          </a:p>
+          <a:p>
+            <a:pPr lvl="1"/>
+            <a:r>
+              <a:rPr lang="en-US" dirty="0" err="1" smtClean="0"/>
+              <a:t>ZeroMQ</a:t>
+            </a:r>
+            <a:r>
+              <a:rPr lang="en-US" dirty="0" smtClean="0"/>
+              <a:t>, MQTT, AMQP, STOMP, Kafka Protocol, </a:t>
+            </a:r>
+            <a:r>
+              <a:rPr lang="en-US" dirty="0" err="1" smtClean="0"/>
+              <a:t>Rendevouz</a:t>
+            </a:r>
+            <a:r>
+              <a:rPr lang="en-US" dirty="0" smtClean="0"/>
+              <a:t>, </a:t>
+            </a:r>
+            <a:r>
+              <a:rPr lang="en-US" dirty="0" err="1" smtClean="0"/>
+              <a:t>etc</a:t>
+            </a:r>
+            <a:endParaRPr lang="en-US" dirty="0" smtClean="0"/>
+          </a:p>
+          <a:p>
+            <a:r>
+              <a:rPr lang="en-US" dirty="0" smtClean="0"/>
+              <a:t>Middleware	</a:t>
+            </a:r>
+          </a:p>
+          <a:p>
+            <a:pPr lvl="1"/>
+            <a:r>
+              <a:rPr lang="en-US" dirty="0" smtClean="0"/>
+              <a:t>Kafka, Apollo, </a:t>
+            </a:r>
+            <a:r>
+              <a:rPr lang="en-US" dirty="0" err="1" smtClean="0"/>
+              <a:t>Mosquitto</a:t>
+            </a:r>
+            <a:r>
+              <a:rPr lang="en-US" dirty="0" smtClean="0"/>
+              <a:t>, </a:t>
+            </a:r>
+            <a:r>
+              <a:rPr lang="en-US" dirty="0" err="1" smtClean="0"/>
+              <a:t>QPid</a:t>
+            </a:r>
+            <a:r>
+              <a:rPr lang="en-US" dirty="0" smtClean="0"/>
+              <a:t>, MQ, </a:t>
+            </a:r>
+            <a:r>
+              <a:rPr lang="en-US" dirty="0" err="1" smtClean="0"/>
+              <a:t>Tibco</a:t>
+            </a:r>
+            <a:r>
+              <a:rPr lang="en-US" dirty="0" smtClean="0"/>
+              <a:t>, WSO2, </a:t>
+            </a:r>
+            <a:r>
+              <a:rPr lang="en-US" dirty="0" err="1" smtClean="0"/>
+              <a:t>etc</a:t>
+            </a:r>
             <a:endParaRPr lang="en-US" dirty="0"/>
           </a:p>
         </p:txBody>
@@ -5314,35 +7512,86 @@
           <a:p>
             <a:r>
               <a:rPr lang="en-US" dirty="0" smtClean="0"/>
-              <a:t>Processing pipelines</a:t>
+              <a:t>Apache Kafka</a:t>
             </a:r>
             <a:endParaRPr lang="en-US" dirty="0"/>
           </a:p>
         </p:txBody>
       </p:sp>
-      <p:sp>
-        <p:nvSpPr>
-          <p:cNvPr id="3" name="Content Placeholder 2"/>
-          <p:cNvSpPr>
-            <a:spLocks noGrp="1"/>
-          </p:cNvSpPr>
-          <p:nvPr>
-            <p:ph idx="1"/>
-          </p:nvPr>
-        </p:nvSpPr>
-        <p:spPr/>
-        <p:txBody>
-          <a:bodyPr/>
+      <p:pic>
+        <p:nvPicPr>
+          <p:cNvPr id="5" name="Picture 4"/>
+          <p:cNvPicPr>
+            <a:picLocks noChangeAspect="1"/>
+          </p:cNvPicPr>
+          <p:nvPr/>
+        </p:nvPicPr>
+        <p:blipFill>
+          <a:blip r:embed="rId2"/>
+          <a:stretch>
+            <a:fillRect/>
+          </a:stretch>
+        </p:blipFill>
+        <p:spPr>
+          <a:xfrm>
+            <a:off x="0" y="1104900"/>
+            <a:ext cx="9144000" cy="4643438"/>
+          </a:xfrm>
+          <a:prstGeom prst="rect">
+            <a:avLst/>
+          </a:prstGeom>
+        </p:spPr>
+      </p:pic>
+      <p:sp>
+        <p:nvSpPr>
+          <p:cNvPr id="6" name="TextBox 5"/>
+          <p:cNvSpPr txBox="1"/>
+          <p:nvPr/>
+        </p:nvSpPr>
+        <p:spPr>
+          <a:xfrm>
+            <a:off x="4560905" y="6437793"/>
+            <a:ext cx="4652986" cy="369332"/>
+          </a:xfrm>
+          <a:prstGeom prst="rect">
+            <a:avLst/>
+          </a:prstGeom>
+          <a:noFill/>
+        </p:spPr>
+        <p:txBody>
+          <a:bodyPr wrap="none" rtlCol="0">
+            <a:spAutoFit/>
+          </a:bodyPr>
           <a:lstStyle/>
           <a:p>
-            <a:endParaRPr lang="en-US"/>
+            <a:r>
+              <a:rPr lang="en-US" dirty="0"/>
+              <a:t>Source: </a:t>
+            </a:r>
+            <a:r>
+              <a:rPr lang="en-US" dirty="0">
+                <a:hlinkClick r:id="rId3"/>
+              </a:rPr>
+              <a:t>http://www.slideshare.net/charmalloc</a:t>
+            </a:r>
+            <a:r>
+              <a:rPr lang="en-US" dirty="0" smtClean="0">
+                <a:hlinkClick r:id="rId3"/>
+              </a:rPr>
+              <a:t>/</a:t>
+            </a:r>
+            <a:r>
+              <a:rPr lang="en-US" dirty="0" smtClean="0"/>
+              <a:t> </a:t>
+            </a:r>
+            <a:endParaRPr lang="en-US" dirty="0"/>
           </a:p>
         </p:txBody>
       </p:sp>
     </p:spTree>
     <p:extLst>
       <p:ext uri="{BB962C8B-B14F-4D97-AF65-F5344CB8AC3E}">
-        <p14:creationId xmlns:p14="http://schemas.microsoft.com/office/powerpoint/2010/main" val="2024237826"/>
+        <p14:creationId xmlns:p14="http://schemas.microsoft.com/office/powerpoint/2010/main" val="1281960399"/>
       </p:ext>
     </p:extLst>
   </p:cSld>
@@ -5385,36 +7634,41 @@
           <a:lstStyle/>
           <a:p>
             <a:r>
-              <a:rPr lang="en-US" dirty="0" smtClean="0"/>
-              <a:t>Joining data/merging</a:t>
+              <a:rPr lang="en-US" dirty="0" err="1" smtClean="0"/>
+              <a:t>ZeroMQ</a:t>
             </a:r>
             <a:endParaRPr lang="en-US" dirty="0"/>
           </a:p>
         </p:txBody>
       </p:sp>
-      <p:sp>
-        <p:nvSpPr>
-          <p:cNvPr id="3" name="Content Placeholder 2"/>
-          <p:cNvSpPr>
-            <a:spLocks noGrp="1"/>
-          </p:cNvSpPr>
-          <p:nvPr>
-            <p:ph idx="1"/>
-          </p:nvPr>
-        </p:nvSpPr>
-        <p:spPr/>
-        <p:txBody>
-          <a:bodyPr/>
-          <a:lstStyle/>
-          <a:p>
-            <a:endParaRPr lang="en-US"/>
-          </a:p>
-        </p:txBody>
-      </p:sp>
+      <p:pic>
+        <p:nvPicPr>
+          <p:cNvPr id="4" name="Picture 3"/>
+          <p:cNvPicPr>
+            <a:picLocks noChangeAspect="1"/>
+          </p:cNvPicPr>
+          <p:nvPr/>
+        </p:nvPicPr>
+        <p:blipFill>
+          <a:blip r:embed="rId2"/>
+          <a:stretch>
+            <a:fillRect/>
+          </a:stretch>
+        </p:blipFill>
+        <p:spPr>
+          <a:xfrm>
+            <a:off x="2272940" y="1417638"/>
+            <a:ext cx="4496043" cy="4662563"/>
+          </a:xfrm>
+          <a:prstGeom prst="rect">
+            <a:avLst/>
+          </a:prstGeom>
+        </p:spPr>
+      </p:pic>
     </p:spTree>
     <p:extLst>
       <p:ext uri="{BB962C8B-B14F-4D97-AF65-F5344CB8AC3E}">
-        <p14:creationId xmlns:p14="http://schemas.microsoft.com/office/powerpoint/2010/main" val="1427942547"/>
+        <p14:creationId xmlns:p14="http://schemas.microsoft.com/office/powerpoint/2010/main" val="163987874"/>
       </p:ext>
     </p:extLst>
   </p:cSld>
@@ -5457,36 +7711,120 @@
           <a:lstStyle/>
           <a:p>
             <a:r>
+              <a:rPr lang="en-US" dirty="0" smtClean="0"/>
+              <a:t>Processing </a:t>
+            </a:r>
+            <a:r>
+              <a:rPr lang="en-US" dirty="0" smtClean="0"/>
+              <a:t>approaches</a:t>
+            </a:r>
+            <a:endParaRPr lang="en-US" dirty="0"/>
+          </a:p>
+        </p:txBody>
+      </p:sp>
+      <p:sp>
+        <p:nvSpPr>
+          <p:cNvPr id="3" name="Content Placeholder 2"/>
+          <p:cNvSpPr>
+            <a:spLocks noGrp="1"/>
+          </p:cNvSpPr>
+          <p:nvPr>
+            <p:ph idx="1"/>
+          </p:nvPr>
+        </p:nvSpPr>
+        <p:spPr/>
+        <p:txBody>
+          <a:bodyPr>
+            <a:normAutofit fontScale="92500" lnSpcReduction="10000"/>
+          </a:bodyPr>
+          <a:lstStyle/>
+          <a:p>
+            <a:r>
+              <a:rPr lang="en-US" dirty="0" smtClean="0"/>
+              <a:t>Apache </a:t>
+            </a:r>
+            <a:r>
               <a:rPr lang="en-US" dirty="0" err="1" smtClean="0"/>
-              <a:t>Visualisation</a:t>
-            </a:r>
+              <a:t>Hadoop</a:t>
+            </a:r>
+            <a:endParaRPr lang="en-US" dirty="0" smtClean="0"/>
+          </a:p>
+          <a:p>
+            <a:pPr lvl="1"/>
+            <a:r>
+              <a:rPr lang="en-US" dirty="0" smtClean="0"/>
+              <a:t>Tried and tested</a:t>
+            </a:r>
+          </a:p>
+          <a:p>
+            <a:pPr lvl="1"/>
+            <a:r>
+              <a:rPr lang="en-US" dirty="0" smtClean="0"/>
+              <a:t>More flexible since YARN</a:t>
+            </a:r>
+          </a:p>
+          <a:p>
+            <a:pPr lvl="1"/>
+            <a:r>
+              <a:rPr lang="en-US" dirty="0" smtClean="0"/>
+              <a:t>Widely supported</a:t>
+            </a:r>
+          </a:p>
+          <a:p>
+            <a:pPr lvl="1"/>
+            <a:r>
+              <a:rPr lang="en-US" dirty="0" smtClean="0"/>
+              <a:t>Massive ecosystem</a:t>
+            </a:r>
+          </a:p>
+          <a:p>
+            <a:r>
+              <a:rPr lang="en-US" dirty="0" smtClean="0"/>
+              <a:t>Apache Spark</a:t>
+            </a:r>
+          </a:p>
+          <a:p>
+            <a:pPr lvl="1"/>
+            <a:r>
+              <a:rPr lang="en-US" dirty="0" smtClean="0"/>
+              <a:t>Newer architecture</a:t>
+            </a:r>
+          </a:p>
+          <a:p>
+            <a:pPr lvl="1"/>
+            <a:r>
+              <a:rPr lang="en-US" dirty="0" smtClean="0"/>
+              <a:t>Significant performance</a:t>
+            </a:r>
+          </a:p>
+          <a:p>
+            <a:pPr lvl="1"/>
+            <a:r>
+              <a:rPr lang="en-US" dirty="0" smtClean="0"/>
+              <a:t>Many capabilities built in</a:t>
+            </a:r>
+          </a:p>
+          <a:p>
+            <a:pPr lvl="1"/>
+            <a:r>
+              <a:rPr lang="en-US" dirty="0" smtClean="0"/>
+              <a:t>Package management</a:t>
+            </a:r>
+          </a:p>
+          <a:p>
+            <a:pPr lvl="1"/>
+            <a:endParaRPr lang="en-US" dirty="0" smtClean="0"/>
+          </a:p>
+          <a:p>
+            <a:pPr lvl="1"/>
             <a:endParaRPr lang="en-US" dirty="0"/>
-          </a:p>
-        </p:txBody>
-      </p:sp>
-      <p:sp>
-        <p:nvSpPr>
-          <p:cNvPr id="3" name="Content Placeholder 2"/>
-          <p:cNvSpPr>
-            <a:spLocks noGrp="1"/>
-          </p:cNvSpPr>
-          <p:nvPr>
-            <p:ph idx="1"/>
-          </p:nvPr>
-        </p:nvSpPr>
-        <p:spPr/>
-        <p:txBody>
-          <a:bodyPr/>
-          <a:lstStyle/>
-          <a:p>
-            <a:endParaRPr lang="en-US"/>
           </a:p>
         </p:txBody>
       </p:sp>
     </p:spTree>
     <p:extLst>
       <p:ext uri="{BB962C8B-B14F-4D97-AF65-F5344CB8AC3E}">
-        <p14:creationId xmlns:p14="http://schemas.microsoft.com/office/powerpoint/2010/main" val="1682625575"/>
+        <p14:creationId xmlns:p14="http://schemas.microsoft.com/office/powerpoint/2010/main" val="2024237826"/>
       </p:ext>
     </p:extLst>
   </p:cSld>

--- a/pres-source/12-big-data-recap.pptx
+++ b/pres-source/12-big-data-recap.pptx
@@ -5,7 +5,7 @@
     <p:sldMasterId id="2147483648" r:id="rId1"/>
   </p:sldMasterIdLst>
   <p:notesMasterIdLst>
-    <p:notesMasterId r:id="rId24"/>
+    <p:notesMasterId r:id="rId29"/>
   </p:notesMasterIdLst>
   <p:sldIdLst>
     <p:sldId id="256" r:id="rId2"/>
@@ -13,23 +13,28 @@
     <p:sldId id="295" r:id="rId4"/>
     <p:sldId id="294" r:id="rId5"/>
     <p:sldId id="296" r:id="rId6"/>
-    <p:sldId id="297" r:id="rId7"/>
-    <p:sldId id="310" r:id="rId8"/>
-    <p:sldId id="311" r:id="rId9"/>
-    <p:sldId id="298" r:id="rId10"/>
-    <p:sldId id="307" r:id="rId11"/>
-    <p:sldId id="308" r:id="rId12"/>
-    <p:sldId id="309" r:id="rId13"/>
-    <p:sldId id="300" r:id="rId14"/>
-    <p:sldId id="299" r:id="rId15"/>
-    <p:sldId id="312" r:id="rId16"/>
-    <p:sldId id="314" r:id="rId17"/>
-    <p:sldId id="313" r:id="rId18"/>
-    <p:sldId id="315" r:id="rId19"/>
-    <p:sldId id="316" r:id="rId20"/>
-    <p:sldId id="317" r:id="rId21"/>
-    <p:sldId id="318" r:id="rId22"/>
-    <p:sldId id="293" r:id="rId23"/>
+    <p:sldId id="319" r:id="rId7"/>
+    <p:sldId id="320" r:id="rId8"/>
+    <p:sldId id="321" r:id="rId9"/>
+    <p:sldId id="322" r:id="rId10"/>
+    <p:sldId id="323" r:id="rId11"/>
+    <p:sldId id="297" r:id="rId12"/>
+    <p:sldId id="310" r:id="rId13"/>
+    <p:sldId id="311" r:id="rId14"/>
+    <p:sldId id="325" r:id="rId15"/>
+    <p:sldId id="298" r:id="rId16"/>
+    <p:sldId id="308" r:id="rId17"/>
+    <p:sldId id="309" r:id="rId18"/>
+    <p:sldId id="300" r:id="rId19"/>
+    <p:sldId id="299" r:id="rId20"/>
+    <p:sldId id="312" r:id="rId21"/>
+    <p:sldId id="314" r:id="rId22"/>
+    <p:sldId id="313" r:id="rId23"/>
+    <p:sldId id="315" r:id="rId24"/>
+    <p:sldId id="316" r:id="rId25"/>
+    <p:sldId id="317" r:id="rId26"/>
+    <p:sldId id="318" r:id="rId27"/>
+    <p:sldId id="293" r:id="rId28"/>
   </p:sldIdLst>
   <p:sldSz cx="9144000" cy="6858000" type="screen4x3"/>
   <p:notesSz cx="6858000" cy="9144000"/>
@@ -4264,81 +4269,74 @@
         </p:nvSpPr>
         <p:spPr/>
         <p:txBody>
-          <a:bodyPr>
-            <a:normAutofit fontScale="90000"/>
-          </a:bodyPr>
-          <a:lstStyle/>
-          <a:p>
-            <a:r>
-              <a:rPr lang="en-US" dirty="0" smtClean="0"/>
-              <a:t>Other processing approaches</a:t>
-            </a:r>
-            <a:endParaRPr lang="en-US" dirty="0"/>
-          </a:p>
-        </p:txBody>
-      </p:sp>
-      <p:sp>
-        <p:nvSpPr>
-          <p:cNvPr id="3" name="Content Placeholder 2"/>
-          <p:cNvSpPr>
-            <a:spLocks noGrp="1"/>
-          </p:cNvSpPr>
-          <p:nvPr>
-            <p:ph idx="1"/>
-          </p:nvPr>
-        </p:nvSpPr>
-        <p:spPr/>
-        <p:txBody>
           <a:bodyPr/>
           <a:lstStyle/>
           <a:p>
             <a:r>
               <a:rPr lang="en-US" dirty="0" smtClean="0"/>
-              <a:t>Apache </a:t>
+              <a:t>How do I </a:t>
             </a:r>
             <a:r>
               <a:rPr lang="en-US" dirty="0" err="1" smtClean="0"/>
-              <a:t>Tez</a:t>
-            </a:r>
-            <a:endParaRPr lang="en-US" dirty="0" smtClean="0"/>
-          </a:p>
-          <a:p>
-            <a:pPr lvl="1"/>
+              <a:t>visualise</a:t>
+            </a:r>
+            <a:r>
+              <a:rPr lang="en-US" dirty="0" smtClean="0"/>
+              <a:t> data</a:t>
+            </a:r>
+            <a:endParaRPr lang="en-US" dirty="0"/>
+          </a:p>
+        </p:txBody>
+      </p:sp>
+      <p:sp>
+        <p:nvSpPr>
+          <p:cNvPr id="3" name="Content Placeholder 2"/>
+          <p:cNvSpPr>
+            <a:spLocks noGrp="1"/>
+          </p:cNvSpPr>
+          <p:nvPr>
+            <p:ph idx="1"/>
+          </p:nvPr>
+        </p:nvSpPr>
+        <p:spPr/>
+        <p:txBody>
+          <a:bodyPr/>
+          <a:lstStyle/>
+          <a:p>
+            <a:r>
+              <a:rPr lang="en-US" dirty="0" smtClean="0"/>
+              <a:t>From a SQL database?</a:t>
+            </a:r>
+          </a:p>
+          <a:p>
+            <a:r>
+              <a:rPr lang="en-US" dirty="0" smtClean="0"/>
+              <a:t>From a </a:t>
+            </a:r>
             <a:r>
               <a:rPr lang="en-US" dirty="0" err="1" smtClean="0"/>
-              <a:t>Hortonworks</a:t>
-            </a:r>
-            <a:r>
-              <a:rPr lang="en-US" dirty="0" smtClean="0"/>
-              <a:t> project</a:t>
-            </a:r>
-          </a:p>
-          <a:p>
-            <a:pPr lvl="1"/>
-            <a:r>
-              <a:rPr lang="en-US" dirty="0" smtClean="0"/>
-              <a:t>DAG model</a:t>
-            </a:r>
-          </a:p>
-          <a:p>
-            <a:pPr lvl="1"/>
-            <a:r>
-              <a:rPr lang="en-US" dirty="0" smtClean="0"/>
-              <a:t>Designed to fit between YARN and Pig/Hive/</a:t>
-            </a:r>
+              <a:t>NoSQL</a:t>
+            </a:r>
+            <a:r>
+              <a:rPr lang="en-US" dirty="0" smtClean="0"/>
+              <a:t> database?</a:t>
+            </a:r>
+          </a:p>
+          <a:p>
+            <a:r>
+              <a:rPr lang="en-US" dirty="0" smtClean="0"/>
+              <a:t>Generate charts in Python Spark?</a:t>
+            </a:r>
+          </a:p>
+          <a:p>
             <a:r>
               <a:rPr lang="en-US" dirty="0" err="1" smtClean="0"/>
-              <a:t>etc</a:t>
-            </a:r>
-            <a:endParaRPr lang="en-US" dirty="0" smtClean="0"/>
-          </a:p>
-          <a:p>
-            <a:pPr marL="0" indent="0">
-              <a:buNone/>
-            </a:pPr>
-            <a:endParaRPr lang="en-US" dirty="0" smtClean="0"/>
-          </a:p>
-          <a:p>
+              <a:t>Etc</a:t>
+            </a:r>
+            <a:r>
+              <a:rPr lang="en-US" dirty="0" smtClean="0"/>
+              <a:t>?</a:t>
+            </a:r>
             <a:endParaRPr lang="en-US" dirty="0"/>
           </a:p>
         </p:txBody>
@@ -4346,7 +4344,7 @@
     </p:spTree>
     <p:extLst>
       <p:ext uri="{BB962C8B-B14F-4D97-AF65-F5344CB8AC3E}">
-        <p14:creationId xmlns:p14="http://schemas.microsoft.com/office/powerpoint/2010/main" val="1647384895"/>
+        <p14:creationId xmlns:p14="http://schemas.microsoft.com/office/powerpoint/2010/main" val="2771185639"/>
       </p:ext>
     </p:extLst>
   </p:cSld>
@@ -4392,6 +4390,567 @@
           <a:p>
             <a:r>
               <a:rPr lang="en-US" dirty="0" smtClean="0"/>
+              <a:t>Collection / Queuing systems</a:t>
+            </a:r>
+            <a:endParaRPr lang="en-US" dirty="0"/>
+          </a:p>
+        </p:txBody>
+      </p:sp>
+      <p:sp>
+        <p:nvSpPr>
+          <p:cNvPr id="3" name="Content Placeholder 2"/>
+          <p:cNvSpPr>
+            <a:spLocks noGrp="1"/>
+          </p:cNvSpPr>
+          <p:nvPr>
+            <p:ph idx="1"/>
+          </p:nvPr>
+        </p:nvSpPr>
+        <p:spPr/>
+        <p:txBody>
+          <a:bodyPr>
+            <a:normAutofit lnSpcReduction="10000"/>
+          </a:bodyPr>
+          <a:lstStyle/>
+          <a:p>
+            <a:r>
+              <a:rPr lang="en-US" dirty="0" smtClean="0"/>
+              <a:t>Two ways of making the choice</a:t>
+            </a:r>
+          </a:p>
+          <a:p>
+            <a:pPr lvl="1"/>
+            <a:r>
+              <a:rPr lang="en-US" dirty="0" smtClean="0"/>
+              <a:t>The protocol</a:t>
+            </a:r>
+          </a:p>
+          <a:p>
+            <a:pPr lvl="1"/>
+            <a:r>
+              <a:rPr lang="en-US" dirty="0" smtClean="0"/>
+              <a:t>The middleware</a:t>
+            </a:r>
+          </a:p>
+          <a:p>
+            <a:r>
+              <a:rPr lang="en-US" dirty="0" smtClean="0"/>
+              <a:t>Protocols</a:t>
+            </a:r>
+          </a:p>
+          <a:p>
+            <a:pPr lvl="1"/>
+            <a:r>
+              <a:rPr lang="en-US" dirty="0" err="1" smtClean="0"/>
+              <a:t>ZeroMQ</a:t>
+            </a:r>
+            <a:r>
+              <a:rPr lang="en-US" dirty="0" smtClean="0"/>
+              <a:t>, MQTT, AMQP, STOMP, Kafka Protocol, </a:t>
+            </a:r>
+            <a:r>
+              <a:rPr lang="en-US" dirty="0" err="1" smtClean="0"/>
+              <a:t>Rendevouz</a:t>
+            </a:r>
+            <a:r>
+              <a:rPr lang="en-US" dirty="0" smtClean="0"/>
+              <a:t>, </a:t>
+            </a:r>
+            <a:r>
+              <a:rPr lang="en-US" dirty="0" err="1" smtClean="0"/>
+              <a:t>etc</a:t>
+            </a:r>
+            <a:endParaRPr lang="en-US" dirty="0" smtClean="0"/>
+          </a:p>
+          <a:p>
+            <a:r>
+              <a:rPr lang="en-US" dirty="0" smtClean="0"/>
+              <a:t>Middleware	</a:t>
+            </a:r>
+          </a:p>
+          <a:p>
+            <a:pPr lvl="1"/>
+            <a:r>
+              <a:rPr lang="en-US" dirty="0" smtClean="0"/>
+              <a:t>Kafka, Apollo, </a:t>
+            </a:r>
+            <a:r>
+              <a:rPr lang="en-US" dirty="0" err="1" smtClean="0"/>
+              <a:t>Mosquitto</a:t>
+            </a:r>
+            <a:r>
+              <a:rPr lang="en-US" dirty="0" smtClean="0"/>
+              <a:t>, </a:t>
+            </a:r>
+            <a:r>
+              <a:rPr lang="en-US" dirty="0" err="1" smtClean="0"/>
+              <a:t>QPid</a:t>
+            </a:r>
+            <a:r>
+              <a:rPr lang="en-US" dirty="0" smtClean="0"/>
+              <a:t>, MQ, </a:t>
+            </a:r>
+            <a:r>
+              <a:rPr lang="en-US" dirty="0" err="1" smtClean="0"/>
+              <a:t>Tibco</a:t>
+            </a:r>
+            <a:r>
+              <a:rPr lang="en-US" dirty="0" smtClean="0"/>
+              <a:t>, WSO2, </a:t>
+            </a:r>
+            <a:r>
+              <a:rPr lang="en-US" dirty="0" err="1" smtClean="0"/>
+              <a:t>etc</a:t>
+            </a:r>
+            <a:endParaRPr lang="en-US" dirty="0"/>
+          </a:p>
+        </p:txBody>
+      </p:sp>
+    </p:spTree>
+    <p:extLst>
+      <p:ext uri="{BB962C8B-B14F-4D97-AF65-F5344CB8AC3E}">
+        <p14:creationId xmlns:p14="http://schemas.microsoft.com/office/powerpoint/2010/main" val="373279222"/>
+      </p:ext>
+    </p:extLst>
+  </p:cSld>
+  <p:clrMapOvr>
+    <a:masterClrMapping/>
+  </p:clrMapOvr>
+</p:sld>
+</file>
+
+<file path=ppt/slides/slide12.xml><?xml version="1.0" encoding="utf-8"?>
+<p:sld xmlns:a="http://schemas.openxmlformats.org/drawingml/2006/main" xmlns:r="http://schemas.openxmlformats.org/officeDocument/2006/relationships" xmlns:p="http://schemas.openxmlformats.org/presentationml/2006/main">
+  <p:cSld>
+    <p:spTree>
+      <p:nvGrpSpPr>
+        <p:cNvPr id="1" name=""/>
+        <p:cNvGrpSpPr/>
+        <p:nvPr/>
+      </p:nvGrpSpPr>
+      <p:grpSpPr>
+        <a:xfrm>
+          <a:off x="0" y="0"/>
+          <a:ext cx="0" cy="0"/>
+          <a:chOff x="0" y="0"/>
+          <a:chExt cx="0" cy="0"/>
+        </a:xfrm>
+      </p:grpSpPr>
+      <p:sp>
+        <p:nvSpPr>
+          <p:cNvPr id="2" name="Title 1"/>
+          <p:cNvSpPr>
+            <a:spLocks noGrp="1"/>
+          </p:cNvSpPr>
+          <p:nvPr>
+            <p:ph type="title"/>
+          </p:nvPr>
+        </p:nvSpPr>
+        <p:spPr/>
+        <p:txBody>
+          <a:bodyPr/>
+          <a:lstStyle/>
+          <a:p>
+            <a:r>
+              <a:rPr lang="en-US" dirty="0" smtClean="0"/>
+              <a:t>Apache Kafka</a:t>
+            </a:r>
+            <a:endParaRPr lang="en-US" dirty="0"/>
+          </a:p>
+        </p:txBody>
+      </p:sp>
+      <p:pic>
+        <p:nvPicPr>
+          <p:cNvPr id="5" name="Picture 4"/>
+          <p:cNvPicPr>
+            <a:picLocks noChangeAspect="1"/>
+          </p:cNvPicPr>
+          <p:nvPr/>
+        </p:nvPicPr>
+        <p:blipFill>
+          <a:blip r:embed="rId2"/>
+          <a:stretch>
+            <a:fillRect/>
+          </a:stretch>
+        </p:blipFill>
+        <p:spPr>
+          <a:xfrm>
+            <a:off x="0" y="1104900"/>
+            <a:ext cx="9144000" cy="4643438"/>
+          </a:xfrm>
+          <a:prstGeom prst="rect">
+            <a:avLst/>
+          </a:prstGeom>
+        </p:spPr>
+      </p:pic>
+      <p:sp>
+        <p:nvSpPr>
+          <p:cNvPr id="6" name="TextBox 5"/>
+          <p:cNvSpPr txBox="1"/>
+          <p:nvPr/>
+        </p:nvSpPr>
+        <p:spPr>
+          <a:xfrm>
+            <a:off x="4560905" y="6437793"/>
+            <a:ext cx="4652986" cy="369332"/>
+          </a:xfrm>
+          <a:prstGeom prst="rect">
+            <a:avLst/>
+          </a:prstGeom>
+          <a:noFill/>
+        </p:spPr>
+        <p:txBody>
+          <a:bodyPr wrap="none" rtlCol="0">
+            <a:spAutoFit/>
+          </a:bodyPr>
+          <a:lstStyle/>
+          <a:p>
+            <a:r>
+              <a:rPr lang="en-US" dirty="0"/>
+              <a:t>Source: </a:t>
+            </a:r>
+            <a:r>
+              <a:rPr lang="en-US" dirty="0">
+                <a:hlinkClick r:id="rId3"/>
+              </a:rPr>
+              <a:t>http://www.slideshare.net/charmalloc</a:t>
+            </a:r>
+            <a:r>
+              <a:rPr lang="en-US" dirty="0" smtClean="0">
+                <a:hlinkClick r:id="rId3"/>
+              </a:rPr>
+              <a:t>/</a:t>
+            </a:r>
+            <a:r>
+              <a:rPr lang="en-US" dirty="0" smtClean="0"/>
+              <a:t> </a:t>
+            </a:r>
+            <a:endParaRPr lang="en-US" dirty="0"/>
+          </a:p>
+        </p:txBody>
+      </p:sp>
+    </p:spTree>
+    <p:extLst>
+      <p:ext uri="{BB962C8B-B14F-4D97-AF65-F5344CB8AC3E}">
+        <p14:creationId xmlns:p14="http://schemas.microsoft.com/office/powerpoint/2010/main" val="1281960399"/>
+      </p:ext>
+    </p:extLst>
+  </p:cSld>
+  <p:clrMapOvr>
+    <a:masterClrMapping/>
+  </p:clrMapOvr>
+</p:sld>
+</file>
+
+<file path=ppt/slides/slide13.xml><?xml version="1.0" encoding="utf-8"?>
+<p:sld xmlns:a="http://schemas.openxmlformats.org/drawingml/2006/main" xmlns:r="http://schemas.openxmlformats.org/officeDocument/2006/relationships" xmlns:p="http://schemas.openxmlformats.org/presentationml/2006/main">
+  <p:cSld>
+    <p:spTree>
+      <p:nvGrpSpPr>
+        <p:cNvPr id="1" name=""/>
+        <p:cNvGrpSpPr/>
+        <p:nvPr/>
+      </p:nvGrpSpPr>
+      <p:grpSpPr>
+        <a:xfrm>
+          <a:off x="0" y="0"/>
+          <a:ext cx="0" cy="0"/>
+          <a:chOff x="0" y="0"/>
+          <a:chExt cx="0" cy="0"/>
+        </a:xfrm>
+      </p:grpSpPr>
+      <p:sp>
+        <p:nvSpPr>
+          <p:cNvPr id="2" name="Title 1"/>
+          <p:cNvSpPr>
+            <a:spLocks noGrp="1"/>
+          </p:cNvSpPr>
+          <p:nvPr>
+            <p:ph type="title"/>
+          </p:nvPr>
+        </p:nvSpPr>
+        <p:spPr/>
+        <p:txBody>
+          <a:bodyPr/>
+          <a:lstStyle/>
+          <a:p>
+            <a:r>
+              <a:rPr lang="en-US" dirty="0" err="1" smtClean="0"/>
+              <a:t>ZeroMQ</a:t>
+            </a:r>
+            <a:endParaRPr lang="en-US" dirty="0"/>
+          </a:p>
+        </p:txBody>
+      </p:sp>
+      <p:pic>
+        <p:nvPicPr>
+          <p:cNvPr id="4" name="Picture 3"/>
+          <p:cNvPicPr>
+            <a:picLocks noChangeAspect="1"/>
+          </p:cNvPicPr>
+          <p:nvPr/>
+        </p:nvPicPr>
+        <p:blipFill>
+          <a:blip r:embed="rId2"/>
+          <a:stretch>
+            <a:fillRect/>
+          </a:stretch>
+        </p:blipFill>
+        <p:spPr>
+          <a:xfrm>
+            <a:off x="2272940" y="1417638"/>
+            <a:ext cx="4496043" cy="4662563"/>
+          </a:xfrm>
+          <a:prstGeom prst="rect">
+            <a:avLst/>
+          </a:prstGeom>
+        </p:spPr>
+      </p:pic>
+    </p:spTree>
+    <p:extLst>
+      <p:ext uri="{BB962C8B-B14F-4D97-AF65-F5344CB8AC3E}">
+        <p14:creationId xmlns:p14="http://schemas.microsoft.com/office/powerpoint/2010/main" val="163987874"/>
+      </p:ext>
+    </p:extLst>
+  </p:cSld>
+  <p:clrMapOvr>
+    <a:masterClrMapping/>
+  </p:clrMapOvr>
+</p:sld>
+</file>
+
+<file path=ppt/slides/slide14.xml><?xml version="1.0" encoding="utf-8"?>
+<p:sld xmlns:a="http://schemas.openxmlformats.org/drawingml/2006/main" xmlns:r="http://schemas.openxmlformats.org/officeDocument/2006/relationships" xmlns:p="http://schemas.openxmlformats.org/presentationml/2006/main">
+  <p:cSld>
+    <p:spTree>
+      <p:nvGrpSpPr>
+        <p:cNvPr id="1" name=""/>
+        <p:cNvGrpSpPr/>
+        <p:nvPr/>
+      </p:nvGrpSpPr>
+      <p:grpSpPr>
+        <a:xfrm>
+          <a:off x="0" y="0"/>
+          <a:ext cx="0" cy="0"/>
+          <a:chOff x="0" y="0"/>
+          <a:chExt cx="0" cy="0"/>
+        </a:xfrm>
+      </p:grpSpPr>
+      <p:sp>
+        <p:nvSpPr>
+          <p:cNvPr id="2" name="Title 1"/>
+          <p:cNvSpPr>
+            <a:spLocks noGrp="1"/>
+          </p:cNvSpPr>
+          <p:nvPr>
+            <p:ph type="title"/>
+          </p:nvPr>
+        </p:nvSpPr>
+        <p:spPr/>
+        <p:txBody>
+          <a:bodyPr>
+            <a:normAutofit fontScale="90000"/>
+          </a:bodyPr>
+          <a:lstStyle/>
+          <a:p>
+            <a:r>
+              <a:rPr lang="en-US" dirty="0" err="1" smtClean="0"/>
+              <a:t>CassandraFS</a:t>
+            </a:r>
+            <a:r>
+              <a:rPr lang="en-US" dirty="0" smtClean="0"/>
+              <a:t/>
+            </a:r>
+            <a:br>
+              <a:rPr lang="en-US" dirty="0" smtClean="0"/>
+            </a:br>
+            <a:r>
+              <a:rPr lang="en-US" dirty="0" smtClean="0"/>
+              <a:t>(not open source)</a:t>
+            </a:r>
+            <a:endParaRPr lang="en-US" dirty="0"/>
+          </a:p>
+        </p:txBody>
+      </p:sp>
+      <p:pic>
+        <p:nvPicPr>
+          <p:cNvPr id="4" name="Picture 3"/>
+          <p:cNvPicPr>
+            <a:picLocks noChangeAspect="1"/>
+          </p:cNvPicPr>
+          <p:nvPr/>
+        </p:nvPicPr>
+        <p:blipFill>
+          <a:blip r:embed="rId2">
+            <a:alphaModFix/>
+          </a:blip>
+          <a:stretch>
+            <a:fillRect/>
+          </a:stretch>
+        </p:blipFill>
+        <p:spPr>
+          <a:xfrm>
+            <a:off x="1040124" y="1417638"/>
+            <a:ext cx="7443476" cy="5204618"/>
+          </a:xfrm>
+          <a:prstGeom prst="rect">
+            <a:avLst/>
+          </a:prstGeom>
+        </p:spPr>
+      </p:pic>
+    </p:spTree>
+    <p:extLst>
+      <p:ext uri="{BB962C8B-B14F-4D97-AF65-F5344CB8AC3E}">
+        <p14:creationId xmlns:p14="http://schemas.microsoft.com/office/powerpoint/2010/main" val="2852119411"/>
+      </p:ext>
+    </p:extLst>
+  </p:cSld>
+  <p:clrMapOvr>
+    <a:masterClrMapping/>
+  </p:clrMapOvr>
+</p:sld>
+</file>
+
+<file path=ppt/slides/slide15.xml><?xml version="1.0" encoding="utf-8"?>
+<p:sld xmlns:a="http://schemas.openxmlformats.org/drawingml/2006/main" xmlns:r="http://schemas.openxmlformats.org/officeDocument/2006/relationships" xmlns:p="http://schemas.openxmlformats.org/presentationml/2006/main">
+  <p:cSld>
+    <p:spTree>
+      <p:nvGrpSpPr>
+        <p:cNvPr id="1" name=""/>
+        <p:cNvGrpSpPr/>
+        <p:nvPr/>
+      </p:nvGrpSpPr>
+      <p:grpSpPr>
+        <a:xfrm>
+          <a:off x="0" y="0"/>
+          <a:ext cx="0" cy="0"/>
+          <a:chOff x="0" y="0"/>
+          <a:chExt cx="0" cy="0"/>
+        </a:xfrm>
+      </p:grpSpPr>
+      <p:sp>
+        <p:nvSpPr>
+          <p:cNvPr id="2" name="Title 1"/>
+          <p:cNvSpPr>
+            <a:spLocks noGrp="1"/>
+          </p:cNvSpPr>
+          <p:nvPr>
+            <p:ph type="title"/>
+          </p:nvPr>
+        </p:nvSpPr>
+        <p:spPr/>
+        <p:txBody>
+          <a:bodyPr/>
+          <a:lstStyle/>
+          <a:p>
+            <a:r>
+              <a:rPr lang="en-US" dirty="0" smtClean="0"/>
+              <a:t>Processing approaches</a:t>
+            </a:r>
+            <a:endParaRPr lang="en-US" dirty="0"/>
+          </a:p>
+        </p:txBody>
+      </p:sp>
+      <p:sp>
+        <p:nvSpPr>
+          <p:cNvPr id="3" name="Content Placeholder 2"/>
+          <p:cNvSpPr>
+            <a:spLocks noGrp="1"/>
+          </p:cNvSpPr>
+          <p:nvPr>
+            <p:ph idx="1"/>
+          </p:nvPr>
+        </p:nvSpPr>
+        <p:spPr/>
+        <p:txBody>
+          <a:bodyPr>
+            <a:normAutofit/>
+          </a:bodyPr>
+          <a:lstStyle/>
+          <a:p>
+            <a:r>
+              <a:rPr lang="en-US" dirty="0" smtClean="0"/>
+              <a:t>Covered in detail already</a:t>
+            </a:r>
+          </a:p>
+          <a:p>
+            <a:r>
+              <a:rPr lang="en-US" dirty="0" err="1" smtClean="0"/>
+              <a:t>Hadoop</a:t>
+            </a:r>
+            <a:endParaRPr lang="en-US" dirty="0" smtClean="0"/>
+          </a:p>
+          <a:p>
+            <a:r>
+              <a:rPr lang="en-US" dirty="0" smtClean="0"/>
+              <a:t>Spark</a:t>
+            </a:r>
+          </a:p>
+          <a:p>
+            <a:r>
+              <a:rPr lang="en-US" dirty="0" err="1" smtClean="0"/>
+              <a:t>Tez</a:t>
+            </a:r>
+            <a:endParaRPr lang="en-US" dirty="0" smtClean="0"/>
+          </a:p>
+          <a:p>
+            <a:r>
+              <a:rPr lang="en-US" dirty="0" err="1" smtClean="0"/>
+              <a:t>etc</a:t>
+            </a:r>
+            <a:endParaRPr lang="en-US" dirty="0"/>
+          </a:p>
+        </p:txBody>
+      </p:sp>
+    </p:spTree>
+    <p:extLst>
+      <p:ext uri="{BB962C8B-B14F-4D97-AF65-F5344CB8AC3E}">
+        <p14:creationId xmlns:p14="http://schemas.microsoft.com/office/powerpoint/2010/main" val="2024237826"/>
+      </p:ext>
+    </p:extLst>
+  </p:cSld>
+  <p:clrMapOvr>
+    <a:masterClrMapping/>
+  </p:clrMapOvr>
+</p:sld>
+</file>
+
+<file path=ppt/slides/slide16.xml><?xml version="1.0" encoding="utf-8"?>
+<p:sld xmlns:a="http://schemas.openxmlformats.org/drawingml/2006/main" xmlns:r="http://schemas.openxmlformats.org/officeDocument/2006/relationships" xmlns:p="http://schemas.openxmlformats.org/presentationml/2006/main">
+  <p:cSld>
+    <p:spTree>
+      <p:nvGrpSpPr>
+        <p:cNvPr id="1" name=""/>
+        <p:cNvGrpSpPr/>
+        <p:nvPr/>
+      </p:nvGrpSpPr>
+      <p:grpSpPr>
+        <a:xfrm>
+          <a:off x="0" y="0"/>
+          <a:ext cx="0" cy="0"/>
+          <a:chOff x="0" y="0"/>
+          <a:chExt cx="0" cy="0"/>
+        </a:xfrm>
+      </p:grpSpPr>
+      <p:sp>
+        <p:nvSpPr>
+          <p:cNvPr id="2" name="Title 1"/>
+          <p:cNvSpPr>
+            <a:spLocks noGrp="1"/>
+          </p:cNvSpPr>
+          <p:nvPr>
+            <p:ph type="title"/>
+          </p:nvPr>
+        </p:nvSpPr>
+        <p:spPr/>
+        <p:txBody>
+          <a:bodyPr>
+            <a:normAutofit fontScale="90000"/>
+          </a:bodyPr>
+          <a:lstStyle/>
+          <a:p>
+            <a:r>
+              <a:rPr lang="en-US" dirty="0" smtClean="0"/>
               <a:t>Cluster management systems</a:t>
             </a:r>
             <a:endParaRPr lang="en-US" dirty="0"/>
@@ -4503,7 +5062,7 @@
 </p:sld>
 </file>
 
-<file path=ppt/slides/slide12.xml><?xml version="1.0" encoding="utf-8"?>
+<file path=ppt/slides/slide17.xml><?xml version="1.0" encoding="utf-8"?>
 <p:sld xmlns:a="http://schemas.openxmlformats.org/drawingml/2006/main" xmlns:r="http://schemas.openxmlformats.org/officeDocument/2006/relationships" xmlns:p="http://schemas.openxmlformats.org/presentationml/2006/main">
   <p:cSld>
     <p:spTree>
@@ -4593,7 +5152,7 @@
 </p:sld>
 </file>
 
-<file path=ppt/slides/slide13.xml><?xml version="1.0" encoding="utf-8"?>
+<file path=ppt/slides/slide18.xml><?xml version="1.0" encoding="utf-8"?>
 <p:sld xmlns:a="http://schemas.openxmlformats.org/drawingml/2006/main" xmlns:r="http://schemas.openxmlformats.org/officeDocument/2006/relationships" xmlns:p="http://schemas.openxmlformats.org/presentationml/2006/main">
   <p:cSld>
     <p:spTree>
@@ -4666,11 +5225,7 @@
             <a:pPr lvl="1"/>
             <a:r>
               <a:rPr lang="en-US" dirty="0" smtClean="0"/>
-              <a:t>Supports pur</a:t>
-            </a:r>
-            <a:r>
-              <a:rPr lang="en-US" dirty="0" smtClean="0"/>
-              <a:t>e streaming and micro-batch</a:t>
+              <a:t>Supports pure streaming and micro-batch</a:t>
             </a:r>
           </a:p>
           <a:p>
@@ -4723,7 +5278,7 @@
 </p:sld>
 </file>
 
-<file path=ppt/slides/slide14.xml><?xml version="1.0" encoding="utf-8"?>
+<file path=ppt/slides/slide19.xml><?xml version="1.0" encoding="utf-8"?>
 <p:sld xmlns:a="http://schemas.openxmlformats.org/drawingml/2006/main" xmlns:r="http://schemas.openxmlformats.org/officeDocument/2006/relationships" xmlns:p="http://schemas.openxmlformats.org/presentationml/2006/main">
   <p:cSld>
     <p:spTree>
@@ -4800,685 +5355,6 @@
 </p:sld>
 </file>
 
-<file path=ppt/slides/slide15.xml><?xml version="1.0" encoding="utf-8"?>
-<p:sld xmlns:a="http://schemas.openxmlformats.org/drawingml/2006/main" xmlns:r="http://schemas.openxmlformats.org/officeDocument/2006/relationships" xmlns:p="http://schemas.openxmlformats.org/presentationml/2006/main">
-  <p:cSld>
-    <p:spTree>
-      <p:nvGrpSpPr>
-        <p:cNvPr id="1" name=""/>
-        <p:cNvGrpSpPr/>
-        <p:nvPr/>
-      </p:nvGrpSpPr>
-      <p:grpSpPr>
-        <a:xfrm>
-          <a:off x="0" y="0"/>
-          <a:ext cx="0" cy="0"/>
-          <a:chOff x="0" y="0"/>
-          <a:chExt cx="0" cy="0"/>
-        </a:xfrm>
-      </p:grpSpPr>
-      <p:sp>
-        <p:nvSpPr>
-          <p:cNvPr id="2" name="Title 1"/>
-          <p:cNvSpPr>
-            <a:spLocks noGrp="1"/>
-          </p:cNvSpPr>
-          <p:nvPr>
-            <p:ph type="title"/>
-          </p:nvPr>
-        </p:nvSpPr>
-        <p:spPr/>
-        <p:txBody>
-          <a:bodyPr/>
-          <a:lstStyle/>
-          <a:p>
-            <a:r>
-              <a:rPr lang="en-US" dirty="0" err="1" smtClean="0"/>
-              <a:t>Visualisation</a:t>
-            </a:r>
-            <a:r>
-              <a:rPr lang="en-US" dirty="0" smtClean="0"/>
-              <a:t> approaches</a:t>
-            </a:r>
-            <a:endParaRPr lang="en-US" dirty="0"/>
-          </a:p>
-        </p:txBody>
-      </p:sp>
-      <p:sp>
-        <p:nvSpPr>
-          <p:cNvPr id="3" name="Content Placeholder 2"/>
-          <p:cNvSpPr>
-            <a:spLocks noGrp="1"/>
-          </p:cNvSpPr>
-          <p:nvPr>
-            <p:ph idx="1"/>
-          </p:nvPr>
-        </p:nvSpPr>
-        <p:spPr/>
-        <p:txBody>
-          <a:bodyPr/>
-          <a:lstStyle/>
-          <a:p>
-            <a:r>
-              <a:rPr lang="en-US" dirty="0" smtClean="0"/>
-              <a:t>Full products</a:t>
-            </a:r>
-          </a:p>
-          <a:p>
-            <a:pPr lvl="1"/>
-            <a:r>
-              <a:rPr lang="en-US" dirty="0" smtClean="0"/>
-              <a:t>Tableau, </a:t>
-            </a:r>
-            <a:r>
-              <a:rPr lang="en-US" dirty="0" err="1" smtClean="0"/>
-              <a:t>Qlik</a:t>
-            </a:r>
-            <a:r>
-              <a:rPr lang="en-US" dirty="0" smtClean="0"/>
-              <a:t>, SAS, </a:t>
-            </a:r>
-            <a:r>
-              <a:rPr lang="en-US" dirty="0" err="1" smtClean="0"/>
-              <a:t>GoodData</a:t>
-            </a:r>
-            <a:endParaRPr lang="en-US" dirty="0" smtClean="0"/>
-          </a:p>
-          <a:p>
-            <a:r>
-              <a:rPr lang="en-US" dirty="0" smtClean="0"/>
-              <a:t>Web-based systems</a:t>
-            </a:r>
-          </a:p>
-          <a:p>
-            <a:pPr lvl="1"/>
-            <a:r>
-              <a:rPr lang="en-US" dirty="0" smtClean="0"/>
-              <a:t>Tableau Public, </a:t>
-            </a:r>
-            <a:r>
-              <a:rPr lang="en-US" dirty="0" err="1" smtClean="0"/>
-              <a:t>Datawrapper</a:t>
-            </a:r>
-            <a:r>
-              <a:rPr lang="en-US" dirty="0" smtClean="0"/>
-              <a:t>, Raw, </a:t>
-            </a:r>
-            <a:r>
-              <a:rPr lang="en-US" dirty="0" err="1" smtClean="0"/>
-              <a:t>Plotly</a:t>
-            </a:r>
-            <a:endParaRPr lang="en-US" dirty="0" smtClean="0"/>
-          </a:p>
-          <a:p>
-            <a:r>
-              <a:rPr lang="en-US" dirty="0" smtClean="0"/>
-              <a:t>Developer oriented</a:t>
-            </a:r>
-          </a:p>
-          <a:p>
-            <a:pPr lvl="1"/>
-            <a:r>
-              <a:rPr lang="en-US" dirty="0" smtClean="0"/>
-              <a:t>D3.js, </a:t>
-            </a:r>
-            <a:r>
-              <a:rPr lang="en-US" dirty="0" err="1" smtClean="0"/>
-              <a:t>dygraphs</a:t>
-            </a:r>
-            <a:r>
-              <a:rPr lang="en-US" dirty="0" smtClean="0"/>
-              <a:t>, Python charting, Leaflet, Fusion Charts, Google Charts, </a:t>
-            </a:r>
-            <a:r>
-              <a:rPr lang="en-US" dirty="0" err="1" smtClean="0"/>
-              <a:t>etc</a:t>
-            </a:r>
-            <a:endParaRPr lang="en-US" dirty="0"/>
-          </a:p>
-        </p:txBody>
-      </p:sp>
-    </p:spTree>
-    <p:extLst>
-      <p:ext uri="{BB962C8B-B14F-4D97-AF65-F5344CB8AC3E}">
-        <p14:creationId xmlns:p14="http://schemas.microsoft.com/office/powerpoint/2010/main" val="1727205074"/>
-      </p:ext>
-    </p:extLst>
-  </p:cSld>
-  <p:clrMapOvr>
-    <a:masterClrMapping/>
-  </p:clrMapOvr>
-</p:sld>
-</file>
-
-<file path=ppt/slides/slide16.xml><?xml version="1.0" encoding="utf-8"?>
-<p:sld xmlns:a="http://schemas.openxmlformats.org/drawingml/2006/main" xmlns:r="http://schemas.openxmlformats.org/officeDocument/2006/relationships" xmlns:p="http://schemas.openxmlformats.org/presentationml/2006/main">
-  <p:cSld>
-    <p:spTree>
-      <p:nvGrpSpPr>
-        <p:cNvPr id="1" name=""/>
-        <p:cNvGrpSpPr/>
-        <p:nvPr/>
-      </p:nvGrpSpPr>
-      <p:grpSpPr>
-        <a:xfrm>
-          <a:off x="0" y="0"/>
-          <a:ext cx="0" cy="0"/>
-          <a:chOff x="0" y="0"/>
-          <a:chExt cx="0" cy="0"/>
-        </a:xfrm>
-      </p:grpSpPr>
-      <p:sp>
-        <p:nvSpPr>
-          <p:cNvPr id="2" name="Title 1"/>
-          <p:cNvSpPr>
-            <a:spLocks noGrp="1"/>
-          </p:cNvSpPr>
-          <p:nvPr>
-            <p:ph type="title"/>
-          </p:nvPr>
-        </p:nvSpPr>
-        <p:spPr/>
-        <p:txBody>
-          <a:bodyPr>
-            <a:normAutofit fontScale="90000"/>
-          </a:bodyPr>
-          <a:lstStyle/>
-          <a:p>
-            <a:r>
-              <a:rPr lang="en-US" dirty="0" smtClean="0"/>
-              <a:t>Fortune top 10 big data </a:t>
-            </a:r>
-            <a:r>
-              <a:rPr lang="en-US" dirty="0"/>
-              <a:t>companies</a:t>
-            </a:r>
-            <a:br>
-              <a:rPr lang="en-US" dirty="0"/>
-            </a:br>
-            <a:r>
-              <a:rPr lang="en-US" sz="1200" dirty="0" err="1"/>
-              <a:t>fortune.com</a:t>
-            </a:r>
-            <a:r>
-              <a:rPr lang="en-US" sz="1200" dirty="0"/>
-              <a:t>/2014/06/13/these-big-data-companies-are-ones-to-watch/</a:t>
-            </a:r>
-          </a:p>
-        </p:txBody>
-      </p:sp>
-      <p:sp>
-        <p:nvSpPr>
-          <p:cNvPr id="3" name="Content Placeholder 2"/>
-          <p:cNvSpPr>
-            <a:spLocks noGrp="1"/>
-          </p:cNvSpPr>
-          <p:nvPr>
-            <p:ph idx="1"/>
-          </p:nvPr>
-        </p:nvSpPr>
-        <p:spPr/>
-        <p:txBody>
-          <a:bodyPr>
-            <a:normAutofit fontScale="70000" lnSpcReduction="20000"/>
-          </a:bodyPr>
-          <a:lstStyle/>
-          <a:p>
-            <a:r>
-              <a:rPr lang="en-US" dirty="0" err="1" smtClean="0"/>
-              <a:t>MapR</a:t>
-            </a:r>
-            <a:r>
-              <a:rPr lang="en-US" dirty="0" smtClean="0"/>
-              <a:t> – Apache Hadoop</a:t>
-            </a:r>
-            <a:endParaRPr lang="en-US" dirty="0"/>
-          </a:p>
-          <a:p>
-            <a:r>
-              <a:rPr lang="en-US" dirty="0" err="1" smtClean="0"/>
-              <a:t>MemSQL</a:t>
-            </a:r>
-            <a:endParaRPr lang="en-US" dirty="0" smtClean="0"/>
-          </a:p>
-          <a:p>
-            <a:r>
-              <a:rPr lang="en-US" dirty="0" err="1" smtClean="0"/>
-              <a:t>Databricks</a:t>
-            </a:r>
-            <a:r>
-              <a:rPr lang="en-US" dirty="0" smtClean="0"/>
-              <a:t> – Apache Spark</a:t>
-            </a:r>
-            <a:endParaRPr lang="en-US" dirty="0"/>
-          </a:p>
-          <a:p>
-            <a:r>
-              <a:rPr lang="en-US" dirty="0" err="1" smtClean="0"/>
-              <a:t>Platfora</a:t>
-            </a:r>
-            <a:r>
-              <a:rPr lang="en-US" dirty="0" smtClean="0"/>
-              <a:t> – Apache Hadoop</a:t>
-            </a:r>
-            <a:endParaRPr lang="en-US" dirty="0"/>
-          </a:p>
-          <a:p>
-            <a:r>
-              <a:rPr lang="en-US" dirty="0" err="1" smtClean="0"/>
-              <a:t>Splunk</a:t>
-            </a:r>
-            <a:endParaRPr lang="en-US" dirty="0"/>
-          </a:p>
-          <a:p>
-            <a:r>
-              <a:rPr lang="en-US" dirty="0" smtClean="0"/>
-              <a:t>Teradata – Apache Hadoop</a:t>
-            </a:r>
-          </a:p>
-          <a:p>
-            <a:r>
-              <a:rPr lang="en-US" dirty="0" err="1" smtClean="0"/>
-              <a:t>Palantir</a:t>
-            </a:r>
-            <a:r>
-              <a:rPr lang="en-US" dirty="0" smtClean="0"/>
-              <a:t> – Hadoop, Cassandra, </a:t>
-            </a:r>
-            <a:r>
-              <a:rPr lang="en-US" dirty="0" err="1" smtClean="0"/>
-              <a:t>Lucene</a:t>
-            </a:r>
-            <a:endParaRPr lang="en-US" dirty="0"/>
-          </a:p>
-          <a:p>
-            <a:r>
-              <a:rPr lang="en-US" dirty="0" smtClean="0"/>
-              <a:t>Premise</a:t>
-            </a:r>
-          </a:p>
-          <a:p>
-            <a:r>
-              <a:rPr lang="en-US" dirty="0" err="1" smtClean="0"/>
-              <a:t>Datameer</a:t>
-            </a:r>
-            <a:r>
-              <a:rPr lang="en-US" dirty="0" smtClean="0"/>
-              <a:t> – Apache Hadoop</a:t>
-            </a:r>
-            <a:endParaRPr lang="en-US" dirty="0"/>
-          </a:p>
-          <a:p>
-            <a:r>
-              <a:rPr lang="en-US" dirty="0" err="1" smtClean="0"/>
-              <a:t>Cloudera</a:t>
-            </a:r>
-            <a:r>
-              <a:rPr lang="en-US" dirty="0" smtClean="0"/>
-              <a:t> – Apache Hadoop</a:t>
-            </a:r>
-          </a:p>
-          <a:p>
-            <a:r>
-              <a:rPr lang="en-US" dirty="0" err="1" smtClean="0"/>
-              <a:t>Hortonworks</a:t>
-            </a:r>
-            <a:r>
-              <a:rPr lang="en-US" dirty="0" smtClean="0"/>
-              <a:t> – Apache Hadoop</a:t>
-            </a:r>
-            <a:endParaRPr lang="en-US" dirty="0"/>
-          </a:p>
-          <a:p>
-            <a:r>
-              <a:rPr lang="en-US" dirty="0" err="1" smtClean="0"/>
-              <a:t>MongoDB</a:t>
-            </a:r>
-            <a:r>
-              <a:rPr lang="en-US" dirty="0"/>
-              <a:t> </a:t>
-            </a:r>
-            <a:r>
-              <a:rPr lang="en-US" dirty="0" smtClean="0"/>
-              <a:t>– </a:t>
-            </a:r>
-            <a:r>
-              <a:rPr lang="en-US" dirty="0" err="1" smtClean="0"/>
-              <a:t>MongoDB</a:t>
-            </a:r>
-            <a:r>
-              <a:rPr lang="en-US" dirty="0" smtClean="0"/>
-              <a:t> </a:t>
-            </a:r>
-          </a:p>
-          <a:p>
-            <a:r>
-              <a:rPr lang="en-US" dirty="0" err="1" smtClean="0"/>
-              <a:t>Trifacta</a:t>
-            </a:r>
-            <a:r>
-              <a:rPr lang="en-US" dirty="0" smtClean="0"/>
-              <a:t> – Apache Hadoop</a:t>
-            </a:r>
-          </a:p>
-          <a:p>
-            <a:pPr marL="0" indent="0">
-              <a:buNone/>
-            </a:pPr>
-            <a:endParaRPr lang="en-US" dirty="0"/>
-          </a:p>
-        </p:txBody>
-      </p:sp>
-      <p:sp>
-        <p:nvSpPr>
-          <p:cNvPr id="4" name="Rectangle 3"/>
-          <p:cNvSpPr/>
-          <p:nvPr/>
-        </p:nvSpPr>
-        <p:spPr>
-          <a:xfrm>
-            <a:off x="3810000" y="6096000"/>
-            <a:ext cx="4572000" cy="584776"/>
-          </a:xfrm>
-          <a:prstGeom prst="rect">
-            <a:avLst/>
-          </a:prstGeom>
-        </p:spPr>
-        <p:txBody>
-          <a:bodyPr>
-            <a:spAutoFit/>
-          </a:bodyPr>
-          <a:lstStyle/>
-          <a:p>
-            <a:r>
-              <a:rPr lang="en-US" sz="1600" i="1" dirty="0">
-                <a:solidFill>
-                  <a:srgbClr val="FFFFFF"/>
-                </a:solidFill>
-                <a:latin typeface="Damascus"/>
-              </a:rPr>
-              <a:t>Rapid Web Application Development with </a:t>
-            </a:r>
-            <a:r>
-              <a:rPr lang="en-US" sz="1600" i="1" dirty="0" err="1">
-                <a:solidFill>
-                  <a:srgbClr val="FFFFFF"/>
-                </a:solidFill>
-                <a:latin typeface="Damascus"/>
-              </a:rPr>
-              <a:t>MongoDB</a:t>
-            </a:r>
-            <a:r>
-              <a:rPr lang="en-US" sz="1600" i="1" dirty="0">
-                <a:solidFill>
-                  <a:srgbClr val="FFFFFF"/>
-                </a:solidFill>
-                <a:latin typeface="Damascus"/>
-              </a:rPr>
-              <a:t> and the </a:t>
-            </a:r>
-            <a:r>
-              <a:rPr lang="en-US" sz="1600" i="1" dirty="0" smtClean="0">
-                <a:solidFill>
-                  <a:srgbClr val="FFFFFF"/>
-                </a:solidFill>
-                <a:latin typeface="Damascus"/>
-              </a:rPr>
-              <a:t>JVM – Trisha Gee – Tuesday 16:15</a:t>
-            </a:r>
-            <a:endParaRPr lang="en-US" sz="1600" i="1" dirty="0">
-              <a:solidFill>
-                <a:srgbClr val="FFFFFF"/>
-              </a:solidFill>
-              <a:latin typeface="Damascus"/>
-            </a:endParaRPr>
-          </a:p>
-        </p:txBody>
-      </p:sp>
-    </p:spTree>
-    <p:extLst>
-      <p:ext uri="{BB962C8B-B14F-4D97-AF65-F5344CB8AC3E}">
-        <p14:creationId xmlns:p14="http://schemas.microsoft.com/office/powerpoint/2010/main" val="3731517255"/>
-      </p:ext>
-    </p:extLst>
-  </p:cSld>
-  <p:clrMapOvr>
-    <a:masterClrMapping/>
-  </p:clrMapOvr>
-</p:sld>
-</file>
-
-<file path=ppt/slides/slide17.xml><?xml version="1.0" encoding="utf-8"?>
-<p:sld xmlns:a="http://schemas.openxmlformats.org/drawingml/2006/main" xmlns:r="http://schemas.openxmlformats.org/officeDocument/2006/relationships" xmlns:p="http://schemas.openxmlformats.org/presentationml/2006/main">
-  <p:cSld>
-    <p:spTree>
-      <p:nvGrpSpPr>
-        <p:cNvPr id="1" name=""/>
-        <p:cNvGrpSpPr/>
-        <p:nvPr/>
-      </p:nvGrpSpPr>
-      <p:grpSpPr>
-        <a:xfrm>
-          <a:off x="0" y="0"/>
-          <a:ext cx="0" cy="0"/>
-          <a:chOff x="0" y="0"/>
-          <a:chExt cx="0" cy="0"/>
-        </a:xfrm>
-      </p:grpSpPr>
-      <p:sp>
-        <p:nvSpPr>
-          <p:cNvPr id="2" name="Title 1"/>
-          <p:cNvSpPr>
-            <a:spLocks noGrp="1"/>
-          </p:cNvSpPr>
-          <p:nvPr>
-            <p:ph type="title"/>
-          </p:nvPr>
-        </p:nvSpPr>
-        <p:spPr/>
-        <p:txBody>
-          <a:bodyPr/>
-          <a:lstStyle/>
-          <a:p>
-            <a:r>
-              <a:rPr lang="en-US" dirty="0" err="1" smtClean="0"/>
-              <a:t>Hortonworks</a:t>
-            </a:r>
-            <a:endParaRPr lang="en-US" dirty="0"/>
-          </a:p>
-        </p:txBody>
-      </p:sp>
-      <p:pic>
-        <p:nvPicPr>
-          <p:cNvPr id="4" name="Picture 3"/>
-          <p:cNvPicPr>
-            <a:picLocks noChangeAspect="1"/>
-          </p:cNvPicPr>
-          <p:nvPr/>
-        </p:nvPicPr>
-        <p:blipFill>
-          <a:blip r:embed="rId2"/>
-          <a:stretch>
-            <a:fillRect/>
-          </a:stretch>
-        </p:blipFill>
-        <p:spPr>
-          <a:xfrm>
-            <a:off x="0" y="1254810"/>
-            <a:ext cx="9144000" cy="4996288"/>
-          </a:xfrm>
-          <a:prstGeom prst="rect">
-            <a:avLst/>
-          </a:prstGeom>
-        </p:spPr>
-      </p:pic>
-    </p:spTree>
-    <p:extLst>
-      <p:ext uri="{BB962C8B-B14F-4D97-AF65-F5344CB8AC3E}">
-        <p14:creationId xmlns:p14="http://schemas.microsoft.com/office/powerpoint/2010/main" val="3038788680"/>
-      </p:ext>
-    </p:extLst>
-  </p:cSld>
-  <p:clrMapOvr>
-    <a:masterClrMapping/>
-  </p:clrMapOvr>
-</p:sld>
-</file>
-
-<file path=ppt/slides/slide18.xml><?xml version="1.0" encoding="utf-8"?>
-<p:sld xmlns:a="http://schemas.openxmlformats.org/drawingml/2006/main" xmlns:r="http://schemas.openxmlformats.org/officeDocument/2006/relationships" xmlns:p="http://schemas.openxmlformats.org/presentationml/2006/main">
-  <p:cSld>
-    <p:spTree>
-      <p:nvGrpSpPr>
-        <p:cNvPr id="1" name=""/>
-        <p:cNvGrpSpPr/>
-        <p:nvPr/>
-      </p:nvGrpSpPr>
-      <p:grpSpPr>
-        <a:xfrm>
-          <a:off x="0" y="0"/>
-          <a:ext cx="0" cy="0"/>
-          <a:chOff x="0" y="0"/>
-          <a:chExt cx="0" cy="0"/>
-        </a:xfrm>
-      </p:grpSpPr>
-      <p:sp>
-        <p:nvSpPr>
-          <p:cNvPr id="2" name="Title 1"/>
-          <p:cNvSpPr>
-            <a:spLocks noGrp="1"/>
-          </p:cNvSpPr>
-          <p:nvPr>
-            <p:ph type="title"/>
-          </p:nvPr>
-        </p:nvSpPr>
-        <p:spPr/>
-        <p:txBody>
-          <a:bodyPr/>
-          <a:lstStyle/>
-          <a:p>
-            <a:r>
-              <a:rPr lang="en-US" dirty="0" err="1" smtClean="0"/>
-              <a:t>Databricks</a:t>
-            </a:r>
-            <a:endParaRPr lang="en-US" dirty="0"/>
-          </a:p>
-        </p:txBody>
-      </p:sp>
-      <p:pic>
-        <p:nvPicPr>
-          <p:cNvPr id="4" name="Picture 3"/>
-          <p:cNvPicPr>
-            <a:picLocks noChangeAspect="1"/>
-          </p:cNvPicPr>
-          <p:nvPr/>
-        </p:nvPicPr>
-        <p:blipFill>
-          <a:blip r:embed="rId2"/>
-          <a:stretch>
-            <a:fillRect/>
-          </a:stretch>
-        </p:blipFill>
-        <p:spPr>
-          <a:xfrm>
-            <a:off x="0" y="1237336"/>
-            <a:ext cx="9144000" cy="4887310"/>
-          </a:xfrm>
-          <a:prstGeom prst="rect">
-            <a:avLst/>
-          </a:prstGeom>
-        </p:spPr>
-      </p:pic>
-    </p:spTree>
-    <p:extLst>
-      <p:ext uri="{BB962C8B-B14F-4D97-AF65-F5344CB8AC3E}">
-        <p14:creationId xmlns:p14="http://schemas.microsoft.com/office/powerpoint/2010/main" val="3986285481"/>
-      </p:ext>
-    </p:extLst>
-  </p:cSld>
-  <p:clrMapOvr>
-    <a:masterClrMapping/>
-  </p:clrMapOvr>
-</p:sld>
-</file>
-
-<file path=ppt/slides/slide19.xml><?xml version="1.0" encoding="utf-8"?>
-<p:sld xmlns:a="http://schemas.openxmlformats.org/drawingml/2006/main" xmlns:r="http://schemas.openxmlformats.org/officeDocument/2006/relationships" xmlns:p="http://schemas.openxmlformats.org/presentationml/2006/main">
-  <p:cSld>
-    <p:spTree>
-      <p:nvGrpSpPr>
-        <p:cNvPr id="1" name=""/>
-        <p:cNvGrpSpPr/>
-        <p:nvPr/>
-      </p:nvGrpSpPr>
-      <p:grpSpPr>
-        <a:xfrm>
-          <a:off x="0" y="0"/>
-          <a:ext cx="0" cy="0"/>
-          <a:chOff x="0" y="0"/>
-          <a:chExt cx="0" cy="0"/>
-        </a:xfrm>
-      </p:grpSpPr>
-      <p:sp>
-        <p:nvSpPr>
-          <p:cNvPr id="2" name="Title 1"/>
-          <p:cNvSpPr>
-            <a:spLocks noGrp="1"/>
-          </p:cNvSpPr>
-          <p:nvPr>
-            <p:ph type="title"/>
-          </p:nvPr>
-        </p:nvSpPr>
-        <p:spPr/>
-        <p:txBody>
-          <a:bodyPr/>
-          <a:lstStyle/>
-          <a:p>
-            <a:r>
-              <a:rPr lang="en-US" dirty="0" smtClean="0"/>
-              <a:t>WSO2 DAS</a:t>
-            </a:r>
-            <a:endParaRPr lang="en-US" dirty="0"/>
-          </a:p>
-        </p:txBody>
-      </p:sp>
-      <p:pic>
-        <p:nvPicPr>
-          <p:cNvPr id="4" name="Picture 3"/>
-          <p:cNvPicPr>
-            <a:picLocks noChangeAspect="1"/>
-          </p:cNvPicPr>
-          <p:nvPr/>
-        </p:nvPicPr>
-        <p:blipFill>
-          <a:blip r:embed="rId2"/>
-          <a:stretch>
-            <a:fillRect/>
-          </a:stretch>
-        </p:blipFill>
-        <p:spPr>
-          <a:xfrm>
-            <a:off x="0" y="1409700"/>
-            <a:ext cx="9144000" cy="4022171"/>
-          </a:xfrm>
-          <a:prstGeom prst="rect">
-            <a:avLst/>
-          </a:prstGeom>
-        </p:spPr>
-      </p:pic>
-    </p:spTree>
-    <p:extLst>
-      <p:ext uri="{BB962C8B-B14F-4D97-AF65-F5344CB8AC3E}">
-        <p14:creationId xmlns:p14="http://schemas.microsoft.com/office/powerpoint/2010/main" val="1078099972"/>
-      </p:ext>
-    </p:extLst>
-  </p:cSld>
-  <p:clrMapOvr>
-    <a:masterClrMapping/>
-  </p:clrMapOvr>
-</p:sld>
-</file>
-
 <file path=ppt/slides/slide2.xml><?xml version="1.0" encoding="utf-8"?>
 <p:sld xmlns:a="http://schemas.openxmlformats.org/drawingml/2006/main" xmlns:r="http://schemas.openxmlformats.org/officeDocument/2006/relationships" xmlns:p="http://schemas.openxmlformats.org/presentationml/2006/main">
   <p:cSld>
@@ -5632,14 +5508,7 @@
                 <a:ea typeface="ヒラギノ角ゴ ProN W3" charset="0"/>
                 <a:cs typeface="ヒラギノ角ゴ ProN W3" charset="0"/>
               </a:rPr>
-              <a:t> and collection </a:t>
-            </a:r>
-            <a:r>
-              <a:rPr lang="en-US" dirty="0" smtClean="0">
-                <a:ea typeface="ヒラギノ角ゴ ProN W3" charset="0"/>
-                <a:cs typeface="ヒラギノ角ゴ ProN W3" charset="0"/>
-              </a:rPr>
-              <a:t>systems</a:t>
+              <a:t> and collection systems</a:t>
             </a:r>
           </a:p>
           <a:p>
@@ -5695,10 +5564,6 @@
               </a:rPr>
               <a:t> and Dashboards</a:t>
             </a:r>
-            <a:endParaRPr lang="en-US" dirty="0" smtClean="0">
-              <a:ea typeface="ヒラギノ角ゴ ProN W3" charset="0"/>
-              <a:cs typeface="ヒラギノ角ゴ ProN W3" charset="0"/>
-            </a:endParaRPr>
           </a:p>
           <a:p>
             <a:pPr marL="0" indent="0" eaLnBrk="1" hangingPunct="1">
@@ -5772,6 +5637,685 @@
           <a:lstStyle/>
           <a:p>
             <a:r>
+              <a:rPr lang="en-US" dirty="0" err="1" smtClean="0"/>
+              <a:t>Visualisation</a:t>
+            </a:r>
+            <a:r>
+              <a:rPr lang="en-US" dirty="0" smtClean="0"/>
+              <a:t> approaches</a:t>
+            </a:r>
+            <a:endParaRPr lang="en-US" dirty="0"/>
+          </a:p>
+        </p:txBody>
+      </p:sp>
+      <p:sp>
+        <p:nvSpPr>
+          <p:cNvPr id="3" name="Content Placeholder 2"/>
+          <p:cNvSpPr>
+            <a:spLocks noGrp="1"/>
+          </p:cNvSpPr>
+          <p:nvPr>
+            <p:ph idx="1"/>
+          </p:nvPr>
+        </p:nvSpPr>
+        <p:spPr/>
+        <p:txBody>
+          <a:bodyPr/>
+          <a:lstStyle/>
+          <a:p>
+            <a:r>
+              <a:rPr lang="en-US" dirty="0" smtClean="0"/>
+              <a:t>Full products</a:t>
+            </a:r>
+          </a:p>
+          <a:p>
+            <a:pPr lvl="1"/>
+            <a:r>
+              <a:rPr lang="en-US" dirty="0" smtClean="0"/>
+              <a:t>Tableau, </a:t>
+            </a:r>
+            <a:r>
+              <a:rPr lang="en-US" dirty="0" err="1" smtClean="0"/>
+              <a:t>Qlik</a:t>
+            </a:r>
+            <a:r>
+              <a:rPr lang="en-US" dirty="0" smtClean="0"/>
+              <a:t>, SAS, </a:t>
+            </a:r>
+            <a:r>
+              <a:rPr lang="en-US" dirty="0" err="1" smtClean="0"/>
+              <a:t>GoodData</a:t>
+            </a:r>
+            <a:endParaRPr lang="en-US" dirty="0" smtClean="0"/>
+          </a:p>
+          <a:p>
+            <a:r>
+              <a:rPr lang="en-US" dirty="0" smtClean="0"/>
+              <a:t>Web-based systems</a:t>
+            </a:r>
+          </a:p>
+          <a:p>
+            <a:pPr lvl="1"/>
+            <a:r>
+              <a:rPr lang="en-US" dirty="0" smtClean="0"/>
+              <a:t>Tableau Public, </a:t>
+            </a:r>
+            <a:r>
+              <a:rPr lang="en-US" dirty="0" err="1" smtClean="0"/>
+              <a:t>Datawrapper</a:t>
+            </a:r>
+            <a:r>
+              <a:rPr lang="en-US" dirty="0" smtClean="0"/>
+              <a:t>, Raw, </a:t>
+            </a:r>
+            <a:r>
+              <a:rPr lang="en-US" dirty="0" err="1" smtClean="0"/>
+              <a:t>Plotly</a:t>
+            </a:r>
+            <a:endParaRPr lang="en-US" dirty="0" smtClean="0"/>
+          </a:p>
+          <a:p>
+            <a:r>
+              <a:rPr lang="en-US" dirty="0" smtClean="0"/>
+              <a:t>Developer oriented</a:t>
+            </a:r>
+          </a:p>
+          <a:p>
+            <a:pPr lvl="1"/>
+            <a:r>
+              <a:rPr lang="en-US" dirty="0" smtClean="0"/>
+              <a:t>D3.js, </a:t>
+            </a:r>
+            <a:r>
+              <a:rPr lang="en-US" dirty="0" err="1" smtClean="0"/>
+              <a:t>dygraphs</a:t>
+            </a:r>
+            <a:r>
+              <a:rPr lang="en-US" dirty="0" smtClean="0"/>
+              <a:t>, Python charting, Leaflet, Fusion Charts, Google Charts, </a:t>
+            </a:r>
+            <a:r>
+              <a:rPr lang="en-US" dirty="0" err="1" smtClean="0"/>
+              <a:t>etc</a:t>
+            </a:r>
+            <a:endParaRPr lang="en-US" dirty="0"/>
+          </a:p>
+        </p:txBody>
+      </p:sp>
+    </p:spTree>
+    <p:extLst>
+      <p:ext uri="{BB962C8B-B14F-4D97-AF65-F5344CB8AC3E}">
+        <p14:creationId xmlns:p14="http://schemas.microsoft.com/office/powerpoint/2010/main" val="1727205074"/>
+      </p:ext>
+    </p:extLst>
+  </p:cSld>
+  <p:clrMapOvr>
+    <a:masterClrMapping/>
+  </p:clrMapOvr>
+</p:sld>
+</file>
+
+<file path=ppt/slides/slide21.xml><?xml version="1.0" encoding="utf-8"?>
+<p:sld xmlns:a="http://schemas.openxmlformats.org/drawingml/2006/main" xmlns:r="http://schemas.openxmlformats.org/officeDocument/2006/relationships" xmlns:p="http://schemas.openxmlformats.org/presentationml/2006/main">
+  <p:cSld>
+    <p:spTree>
+      <p:nvGrpSpPr>
+        <p:cNvPr id="1" name=""/>
+        <p:cNvGrpSpPr/>
+        <p:nvPr/>
+      </p:nvGrpSpPr>
+      <p:grpSpPr>
+        <a:xfrm>
+          <a:off x="0" y="0"/>
+          <a:ext cx="0" cy="0"/>
+          <a:chOff x="0" y="0"/>
+          <a:chExt cx="0" cy="0"/>
+        </a:xfrm>
+      </p:grpSpPr>
+      <p:sp>
+        <p:nvSpPr>
+          <p:cNvPr id="2" name="Title 1"/>
+          <p:cNvSpPr>
+            <a:spLocks noGrp="1"/>
+          </p:cNvSpPr>
+          <p:nvPr>
+            <p:ph type="title"/>
+          </p:nvPr>
+        </p:nvSpPr>
+        <p:spPr/>
+        <p:txBody>
+          <a:bodyPr>
+            <a:normAutofit fontScale="90000"/>
+          </a:bodyPr>
+          <a:lstStyle/>
+          <a:p>
+            <a:r>
+              <a:rPr lang="en-US" dirty="0" smtClean="0"/>
+              <a:t>Fortune top 10 big data </a:t>
+            </a:r>
+            <a:r>
+              <a:rPr lang="en-US" dirty="0"/>
+              <a:t>companies</a:t>
+            </a:r>
+            <a:br>
+              <a:rPr lang="en-US" dirty="0"/>
+            </a:br>
+            <a:r>
+              <a:rPr lang="en-US" sz="1200" dirty="0" err="1"/>
+              <a:t>fortune.com</a:t>
+            </a:r>
+            <a:r>
+              <a:rPr lang="en-US" sz="1200" dirty="0"/>
+              <a:t>/2014/06/13/these-big-data-companies-are-ones-to-watch/</a:t>
+            </a:r>
+          </a:p>
+        </p:txBody>
+      </p:sp>
+      <p:sp>
+        <p:nvSpPr>
+          <p:cNvPr id="3" name="Content Placeholder 2"/>
+          <p:cNvSpPr>
+            <a:spLocks noGrp="1"/>
+          </p:cNvSpPr>
+          <p:nvPr>
+            <p:ph idx="1"/>
+          </p:nvPr>
+        </p:nvSpPr>
+        <p:spPr/>
+        <p:txBody>
+          <a:bodyPr>
+            <a:normAutofit fontScale="70000" lnSpcReduction="20000"/>
+          </a:bodyPr>
+          <a:lstStyle/>
+          <a:p>
+            <a:r>
+              <a:rPr lang="en-US" dirty="0" err="1" smtClean="0"/>
+              <a:t>MapR</a:t>
+            </a:r>
+            <a:r>
+              <a:rPr lang="en-US" dirty="0" smtClean="0"/>
+              <a:t> – Apache Hadoop</a:t>
+            </a:r>
+            <a:endParaRPr lang="en-US" dirty="0"/>
+          </a:p>
+          <a:p>
+            <a:r>
+              <a:rPr lang="en-US" dirty="0" err="1" smtClean="0"/>
+              <a:t>MemSQL</a:t>
+            </a:r>
+            <a:endParaRPr lang="en-US" dirty="0" smtClean="0"/>
+          </a:p>
+          <a:p>
+            <a:r>
+              <a:rPr lang="en-US" dirty="0" err="1" smtClean="0"/>
+              <a:t>Databricks</a:t>
+            </a:r>
+            <a:r>
+              <a:rPr lang="en-US" dirty="0" smtClean="0"/>
+              <a:t> – Apache Spark</a:t>
+            </a:r>
+            <a:endParaRPr lang="en-US" dirty="0"/>
+          </a:p>
+          <a:p>
+            <a:r>
+              <a:rPr lang="en-US" dirty="0" err="1" smtClean="0"/>
+              <a:t>Platfora</a:t>
+            </a:r>
+            <a:r>
+              <a:rPr lang="en-US" dirty="0" smtClean="0"/>
+              <a:t> – Apache Hadoop</a:t>
+            </a:r>
+            <a:endParaRPr lang="en-US" dirty="0"/>
+          </a:p>
+          <a:p>
+            <a:r>
+              <a:rPr lang="en-US" dirty="0" err="1" smtClean="0"/>
+              <a:t>Splunk</a:t>
+            </a:r>
+            <a:endParaRPr lang="en-US" dirty="0"/>
+          </a:p>
+          <a:p>
+            <a:r>
+              <a:rPr lang="en-US" dirty="0" smtClean="0"/>
+              <a:t>Teradata – Apache Hadoop</a:t>
+            </a:r>
+          </a:p>
+          <a:p>
+            <a:r>
+              <a:rPr lang="en-US" dirty="0" err="1" smtClean="0"/>
+              <a:t>Palantir</a:t>
+            </a:r>
+            <a:r>
+              <a:rPr lang="en-US" dirty="0" smtClean="0"/>
+              <a:t> – Hadoop, Cassandra, </a:t>
+            </a:r>
+            <a:r>
+              <a:rPr lang="en-US" dirty="0" err="1" smtClean="0"/>
+              <a:t>Lucene</a:t>
+            </a:r>
+            <a:endParaRPr lang="en-US" dirty="0"/>
+          </a:p>
+          <a:p>
+            <a:r>
+              <a:rPr lang="en-US" dirty="0" smtClean="0"/>
+              <a:t>Premise</a:t>
+            </a:r>
+          </a:p>
+          <a:p>
+            <a:r>
+              <a:rPr lang="en-US" dirty="0" err="1" smtClean="0"/>
+              <a:t>Datameer</a:t>
+            </a:r>
+            <a:r>
+              <a:rPr lang="en-US" dirty="0" smtClean="0"/>
+              <a:t> – Apache Hadoop</a:t>
+            </a:r>
+            <a:endParaRPr lang="en-US" dirty="0"/>
+          </a:p>
+          <a:p>
+            <a:r>
+              <a:rPr lang="en-US" dirty="0" err="1" smtClean="0"/>
+              <a:t>Cloudera</a:t>
+            </a:r>
+            <a:r>
+              <a:rPr lang="en-US" dirty="0" smtClean="0"/>
+              <a:t> – Apache Hadoop</a:t>
+            </a:r>
+          </a:p>
+          <a:p>
+            <a:r>
+              <a:rPr lang="en-US" dirty="0" err="1" smtClean="0"/>
+              <a:t>Hortonworks</a:t>
+            </a:r>
+            <a:r>
+              <a:rPr lang="en-US" dirty="0" smtClean="0"/>
+              <a:t> – Apache Hadoop</a:t>
+            </a:r>
+            <a:endParaRPr lang="en-US" dirty="0"/>
+          </a:p>
+          <a:p>
+            <a:r>
+              <a:rPr lang="en-US" dirty="0" err="1" smtClean="0"/>
+              <a:t>MongoDB</a:t>
+            </a:r>
+            <a:r>
+              <a:rPr lang="en-US" dirty="0"/>
+              <a:t> </a:t>
+            </a:r>
+            <a:r>
+              <a:rPr lang="en-US" dirty="0" smtClean="0"/>
+              <a:t>– </a:t>
+            </a:r>
+            <a:r>
+              <a:rPr lang="en-US" dirty="0" err="1" smtClean="0"/>
+              <a:t>MongoDB</a:t>
+            </a:r>
+            <a:r>
+              <a:rPr lang="en-US" dirty="0" smtClean="0"/>
+              <a:t> </a:t>
+            </a:r>
+          </a:p>
+          <a:p>
+            <a:r>
+              <a:rPr lang="en-US" dirty="0" err="1" smtClean="0"/>
+              <a:t>Trifacta</a:t>
+            </a:r>
+            <a:r>
+              <a:rPr lang="en-US" dirty="0" smtClean="0"/>
+              <a:t> – Apache Hadoop</a:t>
+            </a:r>
+          </a:p>
+          <a:p>
+            <a:pPr marL="0" indent="0">
+              <a:buNone/>
+            </a:pPr>
+            <a:endParaRPr lang="en-US" dirty="0"/>
+          </a:p>
+        </p:txBody>
+      </p:sp>
+      <p:sp>
+        <p:nvSpPr>
+          <p:cNvPr id="4" name="Rectangle 3"/>
+          <p:cNvSpPr/>
+          <p:nvPr/>
+        </p:nvSpPr>
+        <p:spPr>
+          <a:xfrm>
+            <a:off x="3810000" y="6096000"/>
+            <a:ext cx="4572000" cy="584776"/>
+          </a:xfrm>
+          <a:prstGeom prst="rect">
+            <a:avLst/>
+          </a:prstGeom>
+        </p:spPr>
+        <p:txBody>
+          <a:bodyPr>
+            <a:spAutoFit/>
+          </a:bodyPr>
+          <a:lstStyle/>
+          <a:p>
+            <a:r>
+              <a:rPr lang="en-US" sz="1600" i="1" dirty="0">
+                <a:solidFill>
+                  <a:srgbClr val="FFFFFF"/>
+                </a:solidFill>
+                <a:latin typeface="Damascus"/>
+              </a:rPr>
+              <a:t>Rapid Web Application Development with </a:t>
+            </a:r>
+            <a:r>
+              <a:rPr lang="en-US" sz="1600" i="1" dirty="0" err="1">
+                <a:solidFill>
+                  <a:srgbClr val="FFFFFF"/>
+                </a:solidFill>
+                <a:latin typeface="Damascus"/>
+              </a:rPr>
+              <a:t>MongoDB</a:t>
+            </a:r>
+            <a:r>
+              <a:rPr lang="en-US" sz="1600" i="1" dirty="0">
+                <a:solidFill>
+                  <a:srgbClr val="FFFFFF"/>
+                </a:solidFill>
+                <a:latin typeface="Damascus"/>
+              </a:rPr>
+              <a:t> and the </a:t>
+            </a:r>
+            <a:r>
+              <a:rPr lang="en-US" sz="1600" i="1" dirty="0" smtClean="0">
+                <a:solidFill>
+                  <a:srgbClr val="FFFFFF"/>
+                </a:solidFill>
+                <a:latin typeface="Damascus"/>
+              </a:rPr>
+              <a:t>JVM – Trisha Gee – Tuesday 16:15</a:t>
+            </a:r>
+            <a:endParaRPr lang="en-US" sz="1600" i="1" dirty="0">
+              <a:solidFill>
+                <a:srgbClr val="FFFFFF"/>
+              </a:solidFill>
+              <a:latin typeface="Damascus"/>
+            </a:endParaRPr>
+          </a:p>
+        </p:txBody>
+      </p:sp>
+    </p:spTree>
+    <p:extLst>
+      <p:ext uri="{BB962C8B-B14F-4D97-AF65-F5344CB8AC3E}">
+        <p14:creationId xmlns:p14="http://schemas.microsoft.com/office/powerpoint/2010/main" val="3731517255"/>
+      </p:ext>
+    </p:extLst>
+  </p:cSld>
+  <p:clrMapOvr>
+    <a:masterClrMapping/>
+  </p:clrMapOvr>
+</p:sld>
+</file>
+
+<file path=ppt/slides/slide22.xml><?xml version="1.0" encoding="utf-8"?>
+<p:sld xmlns:a="http://schemas.openxmlformats.org/drawingml/2006/main" xmlns:r="http://schemas.openxmlformats.org/officeDocument/2006/relationships" xmlns:p="http://schemas.openxmlformats.org/presentationml/2006/main">
+  <p:cSld>
+    <p:spTree>
+      <p:nvGrpSpPr>
+        <p:cNvPr id="1" name=""/>
+        <p:cNvGrpSpPr/>
+        <p:nvPr/>
+      </p:nvGrpSpPr>
+      <p:grpSpPr>
+        <a:xfrm>
+          <a:off x="0" y="0"/>
+          <a:ext cx="0" cy="0"/>
+          <a:chOff x="0" y="0"/>
+          <a:chExt cx="0" cy="0"/>
+        </a:xfrm>
+      </p:grpSpPr>
+      <p:sp>
+        <p:nvSpPr>
+          <p:cNvPr id="2" name="Title 1"/>
+          <p:cNvSpPr>
+            <a:spLocks noGrp="1"/>
+          </p:cNvSpPr>
+          <p:nvPr>
+            <p:ph type="title"/>
+          </p:nvPr>
+        </p:nvSpPr>
+        <p:spPr/>
+        <p:txBody>
+          <a:bodyPr/>
+          <a:lstStyle/>
+          <a:p>
+            <a:r>
+              <a:rPr lang="en-US" dirty="0" err="1" smtClean="0"/>
+              <a:t>Hortonworks</a:t>
+            </a:r>
+            <a:endParaRPr lang="en-US" dirty="0"/>
+          </a:p>
+        </p:txBody>
+      </p:sp>
+      <p:pic>
+        <p:nvPicPr>
+          <p:cNvPr id="4" name="Picture 3"/>
+          <p:cNvPicPr>
+            <a:picLocks noChangeAspect="1"/>
+          </p:cNvPicPr>
+          <p:nvPr/>
+        </p:nvPicPr>
+        <p:blipFill>
+          <a:blip r:embed="rId2"/>
+          <a:stretch>
+            <a:fillRect/>
+          </a:stretch>
+        </p:blipFill>
+        <p:spPr>
+          <a:xfrm>
+            <a:off x="0" y="1254810"/>
+            <a:ext cx="9144000" cy="4996288"/>
+          </a:xfrm>
+          <a:prstGeom prst="rect">
+            <a:avLst/>
+          </a:prstGeom>
+        </p:spPr>
+      </p:pic>
+    </p:spTree>
+    <p:extLst>
+      <p:ext uri="{BB962C8B-B14F-4D97-AF65-F5344CB8AC3E}">
+        <p14:creationId xmlns:p14="http://schemas.microsoft.com/office/powerpoint/2010/main" val="3038788680"/>
+      </p:ext>
+    </p:extLst>
+  </p:cSld>
+  <p:clrMapOvr>
+    <a:masterClrMapping/>
+  </p:clrMapOvr>
+</p:sld>
+</file>
+
+<file path=ppt/slides/slide23.xml><?xml version="1.0" encoding="utf-8"?>
+<p:sld xmlns:a="http://schemas.openxmlformats.org/drawingml/2006/main" xmlns:r="http://schemas.openxmlformats.org/officeDocument/2006/relationships" xmlns:p="http://schemas.openxmlformats.org/presentationml/2006/main">
+  <p:cSld>
+    <p:spTree>
+      <p:nvGrpSpPr>
+        <p:cNvPr id="1" name=""/>
+        <p:cNvGrpSpPr/>
+        <p:nvPr/>
+      </p:nvGrpSpPr>
+      <p:grpSpPr>
+        <a:xfrm>
+          <a:off x="0" y="0"/>
+          <a:ext cx="0" cy="0"/>
+          <a:chOff x="0" y="0"/>
+          <a:chExt cx="0" cy="0"/>
+        </a:xfrm>
+      </p:grpSpPr>
+      <p:sp>
+        <p:nvSpPr>
+          <p:cNvPr id="2" name="Title 1"/>
+          <p:cNvSpPr>
+            <a:spLocks noGrp="1"/>
+          </p:cNvSpPr>
+          <p:nvPr>
+            <p:ph type="title"/>
+          </p:nvPr>
+        </p:nvSpPr>
+        <p:spPr/>
+        <p:txBody>
+          <a:bodyPr/>
+          <a:lstStyle/>
+          <a:p>
+            <a:r>
+              <a:rPr lang="en-US" dirty="0" err="1" smtClean="0"/>
+              <a:t>Databricks</a:t>
+            </a:r>
+            <a:endParaRPr lang="en-US" dirty="0"/>
+          </a:p>
+        </p:txBody>
+      </p:sp>
+      <p:pic>
+        <p:nvPicPr>
+          <p:cNvPr id="4" name="Picture 3"/>
+          <p:cNvPicPr>
+            <a:picLocks noChangeAspect="1"/>
+          </p:cNvPicPr>
+          <p:nvPr/>
+        </p:nvPicPr>
+        <p:blipFill>
+          <a:blip r:embed="rId2"/>
+          <a:stretch>
+            <a:fillRect/>
+          </a:stretch>
+        </p:blipFill>
+        <p:spPr>
+          <a:xfrm>
+            <a:off x="0" y="1237336"/>
+            <a:ext cx="9144000" cy="4887310"/>
+          </a:xfrm>
+          <a:prstGeom prst="rect">
+            <a:avLst/>
+          </a:prstGeom>
+        </p:spPr>
+      </p:pic>
+    </p:spTree>
+    <p:extLst>
+      <p:ext uri="{BB962C8B-B14F-4D97-AF65-F5344CB8AC3E}">
+        <p14:creationId xmlns:p14="http://schemas.microsoft.com/office/powerpoint/2010/main" val="3986285481"/>
+      </p:ext>
+    </p:extLst>
+  </p:cSld>
+  <p:clrMapOvr>
+    <a:masterClrMapping/>
+  </p:clrMapOvr>
+</p:sld>
+</file>
+
+<file path=ppt/slides/slide24.xml><?xml version="1.0" encoding="utf-8"?>
+<p:sld xmlns:a="http://schemas.openxmlformats.org/drawingml/2006/main" xmlns:r="http://schemas.openxmlformats.org/officeDocument/2006/relationships" xmlns:p="http://schemas.openxmlformats.org/presentationml/2006/main">
+  <p:cSld>
+    <p:spTree>
+      <p:nvGrpSpPr>
+        <p:cNvPr id="1" name=""/>
+        <p:cNvGrpSpPr/>
+        <p:nvPr/>
+      </p:nvGrpSpPr>
+      <p:grpSpPr>
+        <a:xfrm>
+          <a:off x="0" y="0"/>
+          <a:ext cx="0" cy="0"/>
+          <a:chOff x="0" y="0"/>
+          <a:chExt cx="0" cy="0"/>
+        </a:xfrm>
+      </p:grpSpPr>
+      <p:sp>
+        <p:nvSpPr>
+          <p:cNvPr id="2" name="Title 1"/>
+          <p:cNvSpPr>
+            <a:spLocks noGrp="1"/>
+          </p:cNvSpPr>
+          <p:nvPr>
+            <p:ph type="title"/>
+          </p:nvPr>
+        </p:nvSpPr>
+        <p:spPr/>
+        <p:txBody>
+          <a:bodyPr/>
+          <a:lstStyle/>
+          <a:p>
+            <a:r>
+              <a:rPr lang="en-US" dirty="0" smtClean="0"/>
+              <a:t>WSO2 DAS</a:t>
+            </a:r>
+            <a:endParaRPr lang="en-US" dirty="0"/>
+          </a:p>
+        </p:txBody>
+      </p:sp>
+      <p:pic>
+        <p:nvPicPr>
+          <p:cNvPr id="4" name="Picture 3"/>
+          <p:cNvPicPr>
+            <a:picLocks noChangeAspect="1"/>
+          </p:cNvPicPr>
+          <p:nvPr/>
+        </p:nvPicPr>
+        <p:blipFill>
+          <a:blip r:embed="rId2"/>
+          <a:stretch>
+            <a:fillRect/>
+          </a:stretch>
+        </p:blipFill>
+        <p:spPr>
+          <a:xfrm>
+            <a:off x="0" y="1409700"/>
+            <a:ext cx="9144000" cy="4022171"/>
+          </a:xfrm>
+          <a:prstGeom prst="rect">
+            <a:avLst/>
+          </a:prstGeom>
+        </p:spPr>
+      </p:pic>
+    </p:spTree>
+    <p:extLst>
+      <p:ext uri="{BB962C8B-B14F-4D97-AF65-F5344CB8AC3E}">
+        <p14:creationId xmlns:p14="http://schemas.microsoft.com/office/powerpoint/2010/main" val="1078099972"/>
+      </p:ext>
+    </p:extLst>
+  </p:cSld>
+  <p:clrMapOvr>
+    <a:masterClrMapping/>
+  </p:clrMapOvr>
+</p:sld>
+</file>
+
+<file path=ppt/slides/slide25.xml><?xml version="1.0" encoding="utf-8"?>
+<p:sld xmlns:a="http://schemas.openxmlformats.org/drawingml/2006/main" xmlns:r="http://schemas.openxmlformats.org/officeDocument/2006/relationships" xmlns:p="http://schemas.openxmlformats.org/presentationml/2006/main">
+  <p:cSld>
+    <p:spTree>
+      <p:nvGrpSpPr>
+        <p:cNvPr id="1" name=""/>
+        <p:cNvGrpSpPr/>
+        <p:nvPr/>
+      </p:nvGrpSpPr>
+      <p:grpSpPr>
+        <a:xfrm>
+          <a:off x="0" y="0"/>
+          <a:ext cx="0" cy="0"/>
+          <a:chOff x="0" y="0"/>
+          <a:chExt cx="0" cy="0"/>
+        </a:xfrm>
+      </p:grpSpPr>
+      <p:sp>
+        <p:nvSpPr>
+          <p:cNvPr id="2" name="Title 1"/>
+          <p:cNvSpPr>
+            <a:spLocks noGrp="1"/>
+          </p:cNvSpPr>
+          <p:nvPr>
+            <p:ph type="title"/>
+          </p:nvPr>
+        </p:nvSpPr>
+        <p:spPr/>
+        <p:txBody>
+          <a:bodyPr/>
+          <a:lstStyle/>
+          <a:p>
+            <a:r>
               <a:rPr lang="en-US" dirty="0" smtClean="0"/>
               <a:t>Lambda</a:t>
             </a:r>
@@ -5816,7 +6360,7 @@
 </p:sld>
 </file>
 
-<file path=ppt/slides/slide21.xml><?xml version="1.0" encoding="utf-8"?>
+<file path=ppt/slides/slide26.xml><?xml version="1.0" encoding="utf-8"?>
 <p:sld xmlns:a="http://schemas.openxmlformats.org/drawingml/2006/main" xmlns:r="http://schemas.openxmlformats.org/officeDocument/2006/relationships" xmlns:p="http://schemas.openxmlformats.org/presentationml/2006/main">
   <p:cSld>
     <p:spTree>
@@ -5920,7 +6464,7 @@
 </p:sld>
 </file>
 
-<file path=ppt/slides/slide22.xml><?xml version="1.0" encoding="utf-8"?>
+<file path=ppt/slides/slide27.xml><?xml version="1.0" encoding="utf-8"?>
 <p:sld xmlns:a="http://schemas.openxmlformats.org/drawingml/2006/main" xmlns:r="http://schemas.openxmlformats.org/officeDocument/2006/relationships" xmlns:p="http://schemas.openxmlformats.org/presentationml/2006/main">
   <p:cSld>
     <p:spTree>
@@ -7090,11 +7634,7 @@
           <a:p>
             <a:r>
               <a:rPr lang="en-US" dirty="0" smtClean="0"/>
-              <a:t>The </a:t>
-            </a:r>
-            <a:r>
-              <a:rPr lang="en-US" dirty="0" smtClean="0"/>
-              <a:t>big picture</a:t>
+              <a:t>The big picture</a:t>
             </a:r>
             <a:endParaRPr lang="en-US" dirty="0"/>
           </a:p>
@@ -7140,13 +7680,8 @@
             <a:pPr lvl="1"/>
             <a:r>
               <a:rPr lang="en-US" dirty="0" smtClean="0"/>
-              <a:t>Collect </a:t>
-            </a:r>
-            <a:r>
-              <a:rPr lang="en-US" dirty="0" smtClean="0"/>
-              <a:t>that data</a:t>
-            </a:r>
-            <a:endParaRPr lang="en-US" dirty="0" smtClean="0"/>
+              <a:t>Collect that data</a:t>
+            </a:r>
           </a:p>
           <a:p>
             <a:pPr lvl="1"/>
@@ -7170,25 +7705,13 @@
             </a:r>
             <a:r>
               <a:rPr lang="en-US" dirty="0" smtClean="0"/>
-              <a:t> </a:t>
-            </a:r>
-            <a:r>
-              <a:rPr lang="en-US" dirty="0" smtClean="0"/>
-              <a:t>and present</a:t>
-            </a:r>
-          </a:p>
-          <a:p>
-            <a:r>
-              <a:rPr lang="en-US" dirty="0" smtClean="0"/>
-              <a:t>Some of those processes act on batch and others on </a:t>
-            </a:r>
-            <a:r>
-              <a:rPr lang="en-US" dirty="0" smtClean="0"/>
-              <a:t>real-time </a:t>
-            </a:r>
-            <a:r>
-              <a:rPr lang="en-US" dirty="0" smtClean="0"/>
-              <a:t>data</a:t>
+              <a:t> and present</a:t>
+            </a:r>
+          </a:p>
+          <a:p>
+            <a:r>
+              <a:rPr lang="en-US" dirty="0" smtClean="0"/>
+              <a:t>Some of those processes act on batch and others on real-time data</a:t>
             </a:r>
             <a:endParaRPr lang="en-US" dirty="0"/>
           </a:p>
@@ -7342,14 +7865,12 @@
         </p:nvSpPr>
         <p:spPr/>
         <p:txBody>
-          <a:bodyPr>
-            <a:normAutofit fontScale="90000"/>
-          </a:bodyPr>
+          <a:bodyPr/>
           <a:lstStyle/>
           <a:p>
             <a:r>
               <a:rPr lang="en-US" dirty="0" smtClean="0"/>
-              <a:t>Collection / Queuing systems</a:t>
+              <a:t>Approach</a:t>
             </a:r>
             <a:endParaRPr lang="en-US" dirty="0"/>
           </a:p>
@@ -7367,108 +7888,38 @@
         </p:nvSpPr>
         <p:spPr/>
         <p:txBody>
-          <a:bodyPr>
-            <a:normAutofit lnSpcReduction="10000"/>
-          </a:bodyPr>
+          <a:bodyPr/>
           <a:lstStyle/>
           <a:p>
             <a:r>
-              <a:rPr lang="en-US" dirty="0" smtClean="0"/>
-              <a:t>Two ways of making the choice</a:t>
+              <a:rPr lang="en-US" dirty="0" err="1" smtClean="0"/>
+              <a:t>Minimise</a:t>
+            </a:r>
+            <a:r>
+              <a:rPr lang="en-US" dirty="0" smtClean="0"/>
+              <a:t> the pain</a:t>
             </a:r>
           </a:p>
           <a:p>
             <a:pPr lvl="1"/>
             <a:r>
               <a:rPr lang="en-US" dirty="0" smtClean="0"/>
-              <a:t>The protocol</a:t>
+              <a:t>Choose what you need when you need it</a:t>
             </a:r>
           </a:p>
           <a:p>
             <a:pPr lvl="1"/>
             <a:r>
               <a:rPr lang="en-US" dirty="0" smtClean="0"/>
-              <a:t>The middleware</a:t>
-            </a:r>
-          </a:p>
-          <a:p>
-            <a:r>
-              <a:rPr lang="en-US" dirty="0" smtClean="0"/>
-              <a:t>Protocols</a:t>
-            </a:r>
-          </a:p>
-          <a:p>
-            <a:pPr lvl="1"/>
-            <a:r>
-              <a:rPr lang="en-US" dirty="0" err="1" smtClean="0"/>
-              <a:t>ZeroMQ</a:t>
-            </a:r>
-            <a:r>
-              <a:rPr lang="en-US" dirty="0" smtClean="0"/>
-              <a:t>, MQTT, AMQP, STOMP, Kafka Protocol, </a:t>
-            </a:r>
-            <a:r>
-              <a:rPr lang="en-US" dirty="0" err="1" smtClean="0"/>
-              <a:t>Rendevouz</a:t>
-            </a:r>
-            <a:r>
-              <a:rPr lang="en-US" dirty="0" smtClean="0"/>
-              <a:t>, </a:t>
-            </a:r>
-            <a:r>
-              <a:rPr lang="en-US" dirty="0" err="1" smtClean="0"/>
-              <a:t>etc</a:t>
-            </a:r>
-            <a:endParaRPr lang="en-US" dirty="0" smtClean="0"/>
-          </a:p>
-          <a:p>
-            <a:r>
-              <a:rPr lang="en-US" dirty="0" smtClean="0"/>
-              <a:t>Middleware	</a:t>
-            </a:r>
-          </a:p>
-          <a:p>
-            <a:pPr lvl="1"/>
-            <a:r>
-              <a:rPr lang="en-US" dirty="0" smtClean="0"/>
-              <a:t>Kafka, Apollo, </a:t>
-            </a:r>
-            <a:r>
-              <a:rPr lang="en-US" dirty="0" err="1" smtClean="0"/>
-              <a:t>Mosquitto</a:t>
-            </a:r>
-            <a:r>
-              <a:rPr lang="en-US" dirty="0" smtClean="0"/>
-              <a:t>, </a:t>
-            </a:r>
-            <a:r>
-              <a:rPr lang="en-US" dirty="0" err="1" smtClean="0"/>
-              <a:t>QPid</a:t>
-            </a:r>
-            <a:r>
-              <a:rPr lang="en-US" dirty="0" smtClean="0"/>
-              <a:t>, MQ, </a:t>
-            </a:r>
-            <a:r>
-              <a:rPr lang="en-US" dirty="0" err="1" smtClean="0"/>
-              <a:t>Tibco</a:t>
-            </a:r>
-            <a:r>
-              <a:rPr lang="en-US" dirty="0" smtClean="0"/>
-              <a:t>, WSO2, </a:t>
-            </a:r>
-            <a:r>
-              <a:rPr lang="en-US" dirty="0" err="1" smtClean="0"/>
-              <a:t>etc</a:t>
-            </a:r>
-            <a:endParaRPr lang="en-US" dirty="0"/>
+              <a:t>Don’t over engineer</a:t>
+            </a:r>
           </a:p>
         </p:txBody>
       </p:sp>
     </p:spTree>
     <p:extLst>
       <p:ext uri="{BB962C8B-B14F-4D97-AF65-F5344CB8AC3E}">
-        <p14:creationId xmlns:p14="http://schemas.microsoft.com/office/powerpoint/2010/main" val="373279222"/>
+        <p14:creationId xmlns:p14="http://schemas.microsoft.com/office/powerpoint/2010/main" val="1489783047"/>
       </p:ext>
     </p:extLst>
   </p:cSld>
@@ -7512,78 +7963,66 @@
           <a:p>
             <a:r>
               <a:rPr lang="en-US" dirty="0" smtClean="0"/>
-              <a:t>Apache Kafka</a:t>
+              <a:t>How do I ingest data?</a:t>
             </a:r>
             <a:endParaRPr lang="en-US" dirty="0"/>
           </a:p>
         </p:txBody>
       </p:sp>
-      <p:pic>
-        <p:nvPicPr>
-          <p:cNvPr id="5" name="Picture 4"/>
-          <p:cNvPicPr>
-            <a:picLocks noChangeAspect="1"/>
-          </p:cNvPicPr>
-          <p:nvPr/>
-        </p:nvPicPr>
-        <p:blipFill>
-          <a:blip r:embed="rId2"/>
-          <a:stretch>
-            <a:fillRect/>
-          </a:stretch>
-        </p:blipFill>
-        <p:spPr>
-          <a:xfrm>
-            <a:off x="0" y="1104900"/>
-            <a:ext cx="9144000" cy="4643438"/>
-          </a:xfrm>
-          <a:prstGeom prst="rect">
-            <a:avLst/>
-          </a:prstGeom>
-        </p:spPr>
-      </p:pic>
-      <p:sp>
-        <p:nvSpPr>
-          <p:cNvPr id="6" name="TextBox 5"/>
-          <p:cNvSpPr txBox="1"/>
-          <p:nvPr/>
-        </p:nvSpPr>
-        <p:spPr>
-          <a:xfrm>
-            <a:off x="4560905" y="6437793"/>
-            <a:ext cx="4652986" cy="369332"/>
-          </a:xfrm>
-          <a:prstGeom prst="rect">
-            <a:avLst/>
-          </a:prstGeom>
-          <a:noFill/>
-        </p:spPr>
-        <p:txBody>
-          <a:bodyPr wrap="none" rtlCol="0">
-            <a:spAutoFit/>
-          </a:bodyPr>
+      <p:sp>
+        <p:nvSpPr>
+          <p:cNvPr id="3" name="Content Placeholder 2"/>
+          <p:cNvSpPr>
+            <a:spLocks noGrp="1"/>
+          </p:cNvSpPr>
+          <p:nvPr>
+            <p:ph idx="1"/>
+          </p:nvPr>
+        </p:nvSpPr>
+        <p:spPr/>
+        <p:txBody>
+          <a:bodyPr/>
           <a:lstStyle/>
           <a:p>
             <a:r>
-              <a:rPr lang="en-US" dirty="0"/>
-              <a:t>Source: </a:t>
-            </a:r>
-            <a:r>
-              <a:rPr lang="en-US" dirty="0">
-                <a:hlinkClick r:id="rId3"/>
-              </a:rPr>
-              <a:t>http://www.slideshare.net/charmalloc</a:t>
-            </a:r>
-            <a:r>
-              <a:rPr lang="en-US" dirty="0" smtClean="0">
-                <a:hlinkClick r:id="rId3"/>
-              </a:rPr>
-              <a:t>/</a:t>
-            </a:r>
-            <a:r>
-              <a:rPr lang="en-US" dirty="0" smtClean="0"/>
-              <a:t> </a:t>
-            </a:r>
+              <a:rPr lang="en-US" dirty="0" smtClean="0"/>
+              <a:t>File transfer</a:t>
+            </a:r>
+          </a:p>
+          <a:p>
+            <a:r>
+              <a:rPr lang="en-US" dirty="0" smtClean="0"/>
+              <a:t>Live stream</a:t>
+            </a:r>
+          </a:p>
+          <a:p>
+            <a:pPr lvl="1"/>
+            <a:r>
+              <a:rPr lang="en-US" dirty="0" smtClean="0"/>
+              <a:t>Sockets</a:t>
+            </a:r>
+          </a:p>
+          <a:p>
+            <a:pPr lvl="1"/>
+            <a:r>
+              <a:rPr lang="en-US" dirty="0" smtClean="0"/>
+              <a:t>Syslog</a:t>
+            </a:r>
+          </a:p>
+          <a:p>
+            <a:pPr lvl="1"/>
+            <a:r>
+              <a:rPr lang="en-US" dirty="0" smtClean="0"/>
+              <a:t>Messaging system</a:t>
+            </a:r>
+          </a:p>
+          <a:p>
+            <a:r>
+              <a:rPr lang="en-US" dirty="0" smtClean="0"/>
+              <a:t>From existing databases</a:t>
+            </a:r>
+          </a:p>
+          <a:p>
             <a:endParaRPr lang="en-US" dirty="0"/>
           </a:p>
         </p:txBody>
@@ -7591,7 +8030,7 @@
     </p:spTree>
     <p:extLst>
       <p:ext uri="{BB962C8B-B14F-4D97-AF65-F5344CB8AC3E}">
-        <p14:creationId xmlns:p14="http://schemas.microsoft.com/office/powerpoint/2010/main" val="1281960399"/>
+        <p14:creationId xmlns:p14="http://schemas.microsoft.com/office/powerpoint/2010/main" val="4069361925"/>
       </p:ext>
     </p:extLst>
   </p:cSld>
@@ -7634,41 +8073,94 @@
           <a:lstStyle/>
           <a:p>
             <a:r>
+              <a:rPr lang="en-US" dirty="0" smtClean="0"/>
+              <a:t>How do I store data?</a:t>
+            </a:r>
+            <a:endParaRPr lang="en-US" dirty="0"/>
+          </a:p>
+        </p:txBody>
+      </p:sp>
+      <p:sp>
+        <p:nvSpPr>
+          <p:cNvPr id="3" name="Content Placeholder 2"/>
+          <p:cNvSpPr>
+            <a:spLocks noGrp="1"/>
+          </p:cNvSpPr>
+          <p:nvPr>
+            <p:ph idx="1"/>
+          </p:nvPr>
+        </p:nvSpPr>
+        <p:spPr/>
+        <p:txBody>
+          <a:bodyPr/>
+          <a:lstStyle/>
+          <a:p>
+            <a:r>
+              <a:rPr lang="en-US" dirty="0" smtClean="0"/>
+              <a:t>HDFS</a:t>
+            </a:r>
+          </a:p>
+          <a:p>
+            <a:r>
+              <a:rPr lang="en-US" dirty="0" smtClean="0"/>
+              <a:t>Cassandra File System</a:t>
+            </a:r>
+          </a:p>
+          <a:p>
+            <a:r>
               <a:rPr lang="en-US" dirty="0" err="1" smtClean="0"/>
-              <a:t>ZeroMQ</a:t>
-            </a:r>
+              <a:t>NoSQL</a:t>
+            </a:r>
+            <a:r>
+              <a:rPr lang="en-US" dirty="0" smtClean="0"/>
+              <a:t> database only</a:t>
+            </a:r>
+          </a:p>
+          <a:p>
+            <a:pPr lvl="1"/>
+            <a:r>
+              <a:rPr lang="en-US" dirty="0" smtClean="0"/>
+              <a:t>Mongo / HBase / Cassandra</a:t>
+            </a:r>
+          </a:p>
+          <a:p>
+            <a:r>
+              <a:rPr lang="en-US" dirty="0" err="1" smtClean="0"/>
+              <a:t>zFS</a:t>
+            </a:r>
+            <a:r>
+              <a:rPr lang="en-US" dirty="0" smtClean="0"/>
+              <a:t> / </a:t>
+            </a:r>
+            <a:r>
+              <a:rPr lang="en-US" dirty="0" err="1" smtClean="0"/>
+              <a:t>GlusterFS</a:t>
+            </a:r>
+            <a:r>
+              <a:rPr lang="en-US" dirty="0" smtClean="0"/>
+              <a:t> / NFS </a:t>
+            </a:r>
+            <a:r>
+              <a:rPr lang="en-US" dirty="0" err="1" smtClean="0"/>
+              <a:t>etc</a:t>
+            </a:r>
+            <a:endParaRPr lang="en-US" dirty="0" smtClean="0"/>
+          </a:p>
+          <a:p>
+            <a:pPr marL="0" indent="0">
+              <a:buNone/>
+            </a:pPr>
+            <a:endParaRPr lang="en-US" dirty="0" smtClean="0"/>
+          </a:p>
+          <a:p>
             <a:endParaRPr lang="en-US" dirty="0"/>
           </a:p>
         </p:txBody>
       </p:sp>
-      <p:pic>
-        <p:nvPicPr>
-          <p:cNvPr id="4" name="Picture 3"/>
-          <p:cNvPicPr>
-            <a:picLocks noChangeAspect="1"/>
-          </p:cNvPicPr>
-          <p:nvPr/>
-        </p:nvPicPr>
-        <p:blipFill>
-          <a:blip r:embed="rId2"/>
-          <a:stretch>
-            <a:fillRect/>
-          </a:stretch>
-        </p:blipFill>
-        <p:spPr>
-          <a:xfrm>
-            <a:off x="2272940" y="1417638"/>
-            <a:ext cx="4496043" cy="4662563"/>
-          </a:xfrm>
-          <a:prstGeom prst="rect">
-            <a:avLst/>
-          </a:prstGeom>
-        </p:spPr>
-      </p:pic>
     </p:spTree>
     <p:extLst>
       <p:ext uri="{BB962C8B-B14F-4D97-AF65-F5344CB8AC3E}">
-        <p14:creationId xmlns:p14="http://schemas.microsoft.com/office/powerpoint/2010/main" val="163987874"/>
+        <p14:creationId xmlns:p14="http://schemas.microsoft.com/office/powerpoint/2010/main" val="1415325307"/>
       </p:ext>
     </p:extLst>
   </p:cSld>
@@ -7712,11 +8204,7 @@
           <a:p>
             <a:r>
               <a:rPr lang="en-US" dirty="0" smtClean="0"/>
-              <a:t>Processing </a:t>
-            </a:r>
-            <a:r>
-              <a:rPr lang="en-US" dirty="0" smtClean="0"/>
-              <a:t>approaches</a:t>
+              <a:t>How do I process data?</a:t>
             </a:r>
             <a:endParaRPr lang="en-US" dirty="0"/>
           </a:p>
@@ -7734,97 +8222,45 @@
         </p:nvSpPr>
         <p:spPr/>
         <p:txBody>
-          <a:bodyPr>
-            <a:normAutofit fontScale="92500" lnSpcReduction="10000"/>
-          </a:bodyPr>
+          <a:bodyPr/>
           <a:lstStyle/>
           <a:p>
             <a:r>
               <a:rPr lang="en-US" dirty="0" smtClean="0"/>
-              <a:t>Apache </a:t>
-            </a:r>
+              <a:t>Simple Map Reduce</a:t>
+            </a:r>
+          </a:p>
+          <a:p>
+            <a:r>
+              <a:rPr lang="en-US" dirty="0" smtClean="0"/>
+              <a:t>Hive / Pig</a:t>
+            </a:r>
+          </a:p>
+          <a:p>
+            <a:r>
+              <a:rPr lang="en-US" dirty="0" smtClean="0"/>
+              <a:t>DAG</a:t>
+            </a:r>
+          </a:p>
+          <a:p>
+            <a:r>
+              <a:rPr lang="en-US" dirty="0" smtClean="0"/>
+              <a:t>Pipeline</a:t>
+            </a:r>
+          </a:p>
+          <a:p>
             <a:r>
               <a:rPr lang="en-US" dirty="0" err="1" smtClean="0"/>
-              <a:t>Hadoop</a:t>
+              <a:t>etc</a:t>
             </a:r>
             <a:endParaRPr lang="en-US" dirty="0" smtClean="0"/>
-          </a:p>
-          <a:p>
-            <a:pPr lvl="1"/>
-            <a:r>
-              <a:rPr lang="en-US" dirty="0" smtClean="0"/>
-              <a:t>Tried and tested</a:t>
-            </a:r>
-          </a:p>
-          <a:p>
-            <a:pPr lvl="1"/>
-            <a:r>
-              <a:rPr lang="en-US" dirty="0" smtClean="0"/>
-              <a:t>More flexible since YARN</a:t>
-            </a:r>
-          </a:p>
-          <a:p>
-            <a:pPr lvl="1"/>
-            <a:r>
-              <a:rPr lang="en-US" dirty="0" smtClean="0"/>
-              <a:t>Widely supported</a:t>
-            </a:r>
-          </a:p>
-          <a:p>
-            <a:pPr lvl="1"/>
-            <a:r>
-              <a:rPr lang="en-US" dirty="0" smtClean="0"/>
-              <a:t>Massive ecosystem</a:t>
-            </a:r>
-          </a:p>
-          <a:p>
-            <a:r>
-              <a:rPr lang="en-US" dirty="0" smtClean="0"/>
-              <a:t>Apache Spark</a:t>
-            </a:r>
-          </a:p>
-          <a:p>
-            <a:pPr lvl="1"/>
-            <a:r>
-              <a:rPr lang="en-US" dirty="0" smtClean="0"/>
-              <a:t>Newer architecture</a:t>
-            </a:r>
-          </a:p>
-          <a:p>
-            <a:pPr lvl="1"/>
-            <a:r>
-              <a:rPr lang="en-US" dirty="0" smtClean="0"/>
-              <a:t>Significant performance</a:t>
-            </a:r>
-          </a:p>
-          <a:p>
-            <a:pPr lvl="1"/>
-            <a:r>
-              <a:rPr lang="en-US" dirty="0" smtClean="0"/>
-              <a:t>Many capabilities built in</a:t>
-            </a:r>
-          </a:p>
-          <a:p>
-            <a:pPr lvl="1"/>
-            <a:r>
-              <a:rPr lang="en-US" dirty="0" smtClean="0"/>
-              <a:t>Package management</a:t>
-            </a:r>
-          </a:p>
-          <a:p>
-            <a:pPr lvl="1"/>
-            <a:endParaRPr lang="en-US" dirty="0" smtClean="0"/>
-          </a:p>
-          <a:p>
-            <a:pPr lvl="1"/>
-            <a:endParaRPr lang="en-US" dirty="0"/>
           </a:p>
         </p:txBody>
       </p:sp>
     </p:spTree>
     <p:extLst>
       <p:ext uri="{BB962C8B-B14F-4D97-AF65-F5344CB8AC3E}">
-        <p14:creationId xmlns:p14="http://schemas.microsoft.com/office/powerpoint/2010/main" val="2024237826"/>
+        <p14:creationId xmlns:p14="http://schemas.microsoft.com/office/powerpoint/2010/main" val="4207288981"/>
       </p:ext>
     </p:extLst>
   </p:cSld>
